--- a/img/13_causal_inference/01_intro_causal_inference/introduction_to_causal_inference.pptx
+++ b/img/13_causal_inference/01_intro_causal_inference/introduction_to_causal_inference.pptx
@@ -5,27 +5,12 @@
     <p:sldMasterId id="2147483648" r:id="rId4"/>
   </p:sldMasterIdLst>
   <p:notesMasterIdLst>
-    <p:notesMasterId r:id="rId23"/>
+    <p:notesMasterId r:id="rId8"/>
   </p:notesMasterIdLst>
   <p:sldIdLst>
     <p:sldId id="508" r:id="rId5"/>
     <p:sldId id="609" r:id="rId6"/>
     <p:sldId id="257" r:id="rId7"/>
-    <p:sldId id="281" r:id="rId8"/>
-    <p:sldId id="282" r:id="rId9"/>
-    <p:sldId id="283" r:id="rId10"/>
-    <p:sldId id="288" r:id="rId11"/>
-    <p:sldId id="289" r:id="rId12"/>
-    <p:sldId id="290" r:id="rId13"/>
-    <p:sldId id="291" r:id="rId14"/>
-    <p:sldId id="608" r:id="rId15"/>
-    <p:sldId id="292" r:id="rId16"/>
-    <p:sldId id="293" r:id="rId17"/>
-    <p:sldId id="294" r:id="rId18"/>
-    <p:sldId id="295" r:id="rId19"/>
-    <p:sldId id="296" r:id="rId20"/>
-    <p:sldId id="297" r:id="rId21"/>
-    <p:sldId id="298" r:id="rId22"/>
   </p:sldIdLst>
   <p:sldSz cx="12192000" cy="6858000"/>
   <p:notesSz cx="6858000" cy="9144000"/>
@@ -745,27 +730,6 @@
     </pc:docChg>
   </pc:docChgLst>
 </pc:chgInfo>
-</file>
-
-<file path=ppt/comments/modernComment_119_D749195A.xml><?xml version="1.0" encoding="utf-8"?>
-<p188:cmLst xmlns:a="http://schemas.openxmlformats.org/drawingml/2006/main" xmlns:r="http://schemas.openxmlformats.org/officeDocument/2006/relationships" xmlns:p188="http://schemas.microsoft.com/office/powerpoint/2018/8/main">
-  <p188:cm id="{07BE37F5-264A-3A4B-B075-00A7DDECB76D}" authorId="{322262F4-198F-1758-9380-73A8D5E26897}" created="2022-10-10T19:27:14.634">
-    <pc:sldMkLst xmlns:pc="http://schemas.microsoft.com/office/powerpoint/2013/main/command">
-      <pc:docMk/>
-      <pc:sldMk cId="3611892058" sldId="281"/>
-    </pc:sldMkLst>
-    <p188:txBody>
-      <a:bodyPr/>
-      <a:lstStyle/>
-      <a:p>
-        <a:r>
-          <a:rPr lang="en-US"/>
-          <a:t>Make the pies look better. Change to UTHealth colors at least.</a:t>
-        </a:r>
-      </a:p>
-    </p188:txBody>
-  </p188:cm>
-</p188:cmLst>
 </file>
 
 <file path=ppt/comments/modernComment_261_924E84AC.xml><?xml version="1.0" encoding="utf-8"?>
@@ -4059,7 +4023,7 @@
           <a:p>
             <a:fld id="{E91DE993-E6A3-E849-86E1-AFF47A1BBBDD}" type="datetimeFigureOut">
               <a:rPr lang="en-US" smtClean="0"/>
-              <a:t>10/5/23</a:t>
+              <a:t>10/6/23</a:t>
             </a:fld>
             <a:endParaRPr lang="en-US"/>
           </a:p>
@@ -4439,876 +4403,6 @@
 </p:notes>
 </file>
 
-<file path=ppt/notesSlides/notesSlide10.xml><?xml version="1.0" encoding="utf-8"?>
-<p:notes xmlns:a="http://schemas.openxmlformats.org/drawingml/2006/main" xmlns:r="http://schemas.openxmlformats.org/officeDocument/2006/relationships" xmlns:p="http://schemas.openxmlformats.org/presentationml/2006/main">
-  <p:cSld>
-    <p:spTree>
-      <p:nvGrpSpPr>
-        <p:cNvPr id="1" name=""/>
-        <p:cNvGrpSpPr/>
-        <p:nvPr/>
-      </p:nvGrpSpPr>
-      <p:grpSpPr>
-        <a:xfrm>
-          <a:off x="0" y="0"/>
-          <a:ext cx="0" cy="0"/>
-          <a:chOff x="0" y="0"/>
-          <a:chExt cx="0" cy="0"/>
-        </a:xfrm>
-      </p:grpSpPr>
-      <p:sp>
-        <p:nvSpPr>
-          <p:cNvPr id="2" name="Slide Image Placeholder 1"/>
-          <p:cNvSpPr>
-            <a:spLocks noGrp="1" noRot="1" noChangeAspect="1"/>
-          </p:cNvSpPr>
-          <p:nvPr>
-            <p:ph type="sldImg"/>
-          </p:nvPr>
-        </p:nvSpPr>
-        <p:spPr/>
-      </p:sp>
-      <p:sp>
-        <p:nvSpPr>
-          <p:cNvPr id="3" name="Notes Placeholder 2"/>
-          <p:cNvSpPr>
-            <a:spLocks noGrp="1"/>
-          </p:cNvSpPr>
-          <p:nvPr>
-            <p:ph type="body" idx="1"/>
-          </p:nvPr>
-        </p:nvSpPr>
-        <p:spPr/>
-        <p:txBody>
-          <a:bodyPr/>
-          <a:lstStyle/>
-          <a:p>
-            <a:pPr marL="0" marR="0" lvl="0" indent="0" algn="l" defTabSz="914400" rtl="0" eaLnBrk="1" fontAlgn="auto" latinLnBrk="0" hangingPunct="1">
-              <a:lnSpc>
-                <a:spcPct val="100000"/>
-              </a:lnSpc>
-              <a:spcBef>
-                <a:spcPts val="0"/>
-              </a:spcBef>
-              <a:spcAft>
-                <a:spcPts val="0"/>
-              </a:spcAft>
-              <a:buClrTx/>
-              <a:buSzTx/>
-              <a:buFontTx/>
-              <a:buNone/>
-              <a:tabLst/>
-              <a:defRPr/>
-            </a:pPr>
-            <a:r>
-              <a:rPr lang="en-US" dirty="0"/>
-              <a:t>paths</a:t>
-            </a:r>
-          </a:p>
-        </p:txBody>
-      </p:sp>
-      <p:sp>
-        <p:nvSpPr>
-          <p:cNvPr id="4" name="Slide Number Placeholder 3"/>
-          <p:cNvSpPr>
-            <a:spLocks noGrp="1"/>
-          </p:cNvSpPr>
-          <p:nvPr>
-            <p:ph type="sldNum" sz="quarter" idx="5"/>
-          </p:nvPr>
-        </p:nvSpPr>
-        <p:spPr/>
-        <p:txBody>
-          <a:bodyPr/>
-          <a:lstStyle/>
-          <a:p>
-            <a:fld id="{A04CC895-3B19-1948-8213-A5CD87C5981C}" type="slidenum">
-              <a:rPr lang="en-US" smtClean="0"/>
-              <a:t>10</a:t>
-            </a:fld>
-            <a:endParaRPr lang="en-US"/>
-          </a:p>
-        </p:txBody>
-      </p:sp>
-    </p:spTree>
-    <p:extLst>
-      <p:ext uri="{BB962C8B-B14F-4D97-AF65-F5344CB8AC3E}">
-        <p14:creationId xmlns:p14="http://schemas.microsoft.com/office/powerpoint/2010/main" val="1933949836"/>
-      </p:ext>
-    </p:extLst>
-  </p:cSld>
-  <p:clrMapOvr>
-    <a:masterClrMapping/>
-  </p:clrMapOvr>
-</p:notes>
-</file>
-
-<file path=ppt/notesSlides/notesSlide11.xml><?xml version="1.0" encoding="utf-8"?>
-<p:notes xmlns:a="http://schemas.openxmlformats.org/drawingml/2006/main" xmlns:r="http://schemas.openxmlformats.org/officeDocument/2006/relationships" xmlns:p="http://schemas.openxmlformats.org/presentationml/2006/main">
-  <p:cSld>
-    <p:spTree>
-      <p:nvGrpSpPr>
-        <p:cNvPr id="1" name=""/>
-        <p:cNvGrpSpPr/>
-        <p:nvPr/>
-      </p:nvGrpSpPr>
-      <p:grpSpPr>
-        <a:xfrm>
-          <a:off x="0" y="0"/>
-          <a:ext cx="0" cy="0"/>
-          <a:chOff x="0" y="0"/>
-          <a:chExt cx="0" cy="0"/>
-        </a:xfrm>
-      </p:grpSpPr>
-      <p:sp>
-        <p:nvSpPr>
-          <p:cNvPr id="2" name="Slide Image Placeholder 1"/>
-          <p:cNvSpPr>
-            <a:spLocks noGrp="1" noRot="1" noChangeAspect="1"/>
-          </p:cNvSpPr>
-          <p:nvPr>
-            <p:ph type="sldImg"/>
-          </p:nvPr>
-        </p:nvSpPr>
-        <p:spPr/>
-      </p:sp>
-      <p:sp>
-        <p:nvSpPr>
-          <p:cNvPr id="3" name="Notes Placeholder 2"/>
-          <p:cNvSpPr>
-            <a:spLocks noGrp="1"/>
-          </p:cNvSpPr>
-          <p:nvPr>
-            <p:ph type="body" idx="1"/>
-          </p:nvPr>
-        </p:nvSpPr>
-        <p:spPr/>
-        <p:txBody>
-          <a:bodyPr/>
-          <a:lstStyle/>
-          <a:p>
-            <a:pPr marL="0" marR="0" lvl="0" indent="0" algn="l" defTabSz="914400" rtl="0" eaLnBrk="1" fontAlgn="auto" latinLnBrk="0" hangingPunct="1">
-              <a:lnSpc>
-                <a:spcPct val="100000"/>
-              </a:lnSpc>
-              <a:spcBef>
-                <a:spcPts val="0"/>
-              </a:spcBef>
-              <a:spcAft>
-                <a:spcPts val="0"/>
-              </a:spcAft>
-              <a:buClrTx/>
-              <a:buSzTx/>
-              <a:buFontTx/>
-              <a:buNone/>
-              <a:tabLst/>
-              <a:defRPr/>
-            </a:pPr>
-            <a:r>
-              <a:rPr lang="en-US" dirty="0"/>
-              <a:t>colliders_01</a:t>
-            </a:r>
-          </a:p>
-        </p:txBody>
-      </p:sp>
-      <p:sp>
-        <p:nvSpPr>
-          <p:cNvPr id="4" name="Slide Number Placeholder 3"/>
-          <p:cNvSpPr>
-            <a:spLocks noGrp="1"/>
-          </p:cNvSpPr>
-          <p:nvPr>
-            <p:ph type="sldNum" sz="quarter" idx="5"/>
-          </p:nvPr>
-        </p:nvSpPr>
-        <p:spPr/>
-        <p:txBody>
-          <a:bodyPr/>
-          <a:lstStyle/>
-          <a:p>
-            <a:fld id="{A04CC895-3B19-1948-8213-A5CD87C5981C}" type="slidenum">
-              <a:rPr lang="en-US" smtClean="0"/>
-              <a:t>11</a:t>
-            </a:fld>
-            <a:endParaRPr lang="en-US"/>
-          </a:p>
-        </p:txBody>
-      </p:sp>
-    </p:spTree>
-    <p:extLst>
-      <p:ext uri="{BB962C8B-B14F-4D97-AF65-F5344CB8AC3E}">
-        <p14:creationId xmlns:p14="http://schemas.microsoft.com/office/powerpoint/2010/main" val="3120939648"/>
-      </p:ext>
-    </p:extLst>
-  </p:cSld>
-  <p:clrMapOvr>
-    <a:masterClrMapping/>
-  </p:clrMapOvr>
-</p:notes>
-</file>
-
-<file path=ppt/notesSlides/notesSlide12.xml><?xml version="1.0" encoding="utf-8"?>
-<p:notes xmlns:a="http://schemas.openxmlformats.org/drawingml/2006/main" xmlns:r="http://schemas.openxmlformats.org/officeDocument/2006/relationships" xmlns:p="http://schemas.openxmlformats.org/presentationml/2006/main">
-  <p:cSld>
-    <p:spTree>
-      <p:nvGrpSpPr>
-        <p:cNvPr id="1" name=""/>
-        <p:cNvGrpSpPr/>
-        <p:nvPr/>
-      </p:nvGrpSpPr>
-      <p:grpSpPr>
-        <a:xfrm>
-          <a:off x="0" y="0"/>
-          <a:ext cx="0" cy="0"/>
-          <a:chOff x="0" y="0"/>
-          <a:chExt cx="0" cy="0"/>
-        </a:xfrm>
-      </p:grpSpPr>
-      <p:sp>
-        <p:nvSpPr>
-          <p:cNvPr id="2" name="Slide Image Placeholder 1"/>
-          <p:cNvSpPr>
-            <a:spLocks noGrp="1" noRot="1" noChangeAspect="1"/>
-          </p:cNvSpPr>
-          <p:nvPr>
-            <p:ph type="sldImg"/>
-          </p:nvPr>
-        </p:nvSpPr>
-        <p:spPr/>
-      </p:sp>
-      <p:sp>
-        <p:nvSpPr>
-          <p:cNvPr id="3" name="Notes Placeholder 2"/>
-          <p:cNvSpPr>
-            <a:spLocks noGrp="1"/>
-          </p:cNvSpPr>
-          <p:nvPr>
-            <p:ph type="body" idx="1"/>
-          </p:nvPr>
-        </p:nvSpPr>
-        <p:spPr/>
-        <p:txBody>
-          <a:bodyPr/>
-          <a:lstStyle/>
-          <a:p>
-            <a:pPr marL="0" marR="0" lvl="0" indent="0" algn="l" defTabSz="914400" rtl="0" eaLnBrk="1" fontAlgn="auto" latinLnBrk="0" hangingPunct="1">
-              <a:lnSpc>
-                <a:spcPct val="100000"/>
-              </a:lnSpc>
-              <a:spcBef>
-                <a:spcPts val="0"/>
-              </a:spcBef>
-              <a:spcAft>
-                <a:spcPts val="0"/>
-              </a:spcAft>
-              <a:buClrTx/>
-              <a:buSzTx/>
-              <a:buFontTx/>
-              <a:buNone/>
-              <a:tabLst/>
-              <a:defRPr/>
-            </a:pPr>
-            <a:r>
-              <a:rPr lang="en-US" dirty="0"/>
-              <a:t>colliders_02</a:t>
-            </a:r>
-          </a:p>
-        </p:txBody>
-      </p:sp>
-      <p:sp>
-        <p:nvSpPr>
-          <p:cNvPr id="4" name="Slide Number Placeholder 3"/>
-          <p:cNvSpPr>
-            <a:spLocks noGrp="1"/>
-          </p:cNvSpPr>
-          <p:nvPr>
-            <p:ph type="sldNum" sz="quarter" idx="5"/>
-          </p:nvPr>
-        </p:nvSpPr>
-        <p:spPr/>
-        <p:txBody>
-          <a:bodyPr/>
-          <a:lstStyle/>
-          <a:p>
-            <a:fld id="{A04CC895-3B19-1948-8213-A5CD87C5981C}" type="slidenum">
-              <a:rPr lang="en-US" smtClean="0"/>
-              <a:t>12</a:t>
-            </a:fld>
-            <a:endParaRPr lang="en-US"/>
-          </a:p>
-        </p:txBody>
-      </p:sp>
-    </p:spTree>
-    <p:extLst>
-      <p:ext uri="{BB962C8B-B14F-4D97-AF65-F5344CB8AC3E}">
-        <p14:creationId xmlns:p14="http://schemas.microsoft.com/office/powerpoint/2010/main" val="3511745922"/>
-      </p:ext>
-    </p:extLst>
-  </p:cSld>
-  <p:clrMapOvr>
-    <a:masterClrMapping/>
-  </p:clrMapOvr>
-</p:notes>
-</file>
-
-<file path=ppt/notesSlides/notesSlide13.xml><?xml version="1.0" encoding="utf-8"?>
-<p:notes xmlns:a="http://schemas.openxmlformats.org/drawingml/2006/main" xmlns:r="http://schemas.openxmlformats.org/officeDocument/2006/relationships" xmlns:p="http://schemas.openxmlformats.org/presentationml/2006/main">
-  <p:cSld>
-    <p:spTree>
-      <p:nvGrpSpPr>
-        <p:cNvPr id="1" name=""/>
-        <p:cNvGrpSpPr/>
-        <p:nvPr/>
-      </p:nvGrpSpPr>
-      <p:grpSpPr>
-        <a:xfrm>
-          <a:off x="0" y="0"/>
-          <a:ext cx="0" cy="0"/>
-          <a:chOff x="0" y="0"/>
-          <a:chExt cx="0" cy="0"/>
-        </a:xfrm>
-      </p:grpSpPr>
-      <p:sp>
-        <p:nvSpPr>
-          <p:cNvPr id="2" name="Slide Image Placeholder 1"/>
-          <p:cNvSpPr>
-            <a:spLocks noGrp="1" noRot="1" noChangeAspect="1"/>
-          </p:cNvSpPr>
-          <p:nvPr>
-            <p:ph type="sldImg"/>
-          </p:nvPr>
-        </p:nvSpPr>
-        <p:spPr/>
-      </p:sp>
-      <p:sp>
-        <p:nvSpPr>
-          <p:cNvPr id="3" name="Notes Placeholder 2"/>
-          <p:cNvSpPr>
-            <a:spLocks noGrp="1"/>
-          </p:cNvSpPr>
-          <p:nvPr>
-            <p:ph type="body" idx="1"/>
-          </p:nvPr>
-        </p:nvSpPr>
-        <p:spPr/>
-        <p:txBody>
-          <a:bodyPr/>
-          <a:lstStyle/>
-          <a:p>
-            <a:pPr marL="0" marR="0" lvl="0" indent="0" algn="l" defTabSz="914400" rtl="0" eaLnBrk="1" fontAlgn="auto" latinLnBrk="0" hangingPunct="1">
-              <a:lnSpc>
-                <a:spcPct val="100000"/>
-              </a:lnSpc>
-              <a:spcBef>
-                <a:spcPts val="0"/>
-              </a:spcBef>
-              <a:spcAft>
-                <a:spcPts val="0"/>
-              </a:spcAft>
-              <a:buClrTx/>
-              <a:buSzTx/>
-              <a:buFontTx/>
-              <a:buNone/>
-              <a:tabLst/>
-              <a:defRPr/>
-            </a:pPr>
-            <a:r>
-              <a:rPr lang="en-US" dirty="0" err="1"/>
-              <a:t>common_causes</a:t>
-            </a:r>
-            <a:endParaRPr lang="en-US" dirty="0"/>
-          </a:p>
-        </p:txBody>
-      </p:sp>
-      <p:sp>
-        <p:nvSpPr>
-          <p:cNvPr id="4" name="Slide Number Placeholder 3"/>
-          <p:cNvSpPr>
-            <a:spLocks noGrp="1"/>
-          </p:cNvSpPr>
-          <p:nvPr>
-            <p:ph type="sldNum" sz="quarter" idx="5"/>
-          </p:nvPr>
-        </p:nvSpPr>
-        <p:spPr/>
-        <p:txBody>
-          <a:bodyPr/>
-          <a:lstStyle/>
-          <a:p>
-            <a:fld id="{A04CC895-3B19-1948-8213-A5CD87C5981C}" type="slidenum">
-              <a:rPr lang="en-US" smtClean="0"/>
-              <a:t>13</a:t>
-            </a:fld>
-            <a:endParaRPr lang="en-US"/>
-          </a:p>
-        </p:txBody>
-      </p:sp>
-    </p:spTree>
-    <p:extLst>
-      <p:ext uri="{BB962C8B-B14F-4D97-AF65-F5344CB8AC3E}">
-        <p14:creationId xmlns:p14="http://schemas.microsoft.com/office/powerpoint/2010/main" val="1906563789"/>
-      </p:ext>
-    </p:extLst>
-  </p:cSld>
-  <p:clrMapOvr>
-    <a:masterClrMapping/>
-  </p:clrMapOvr>
-</p:notes>
-</file>
-
-<file path=ppt/notesSlides/notesSlide14.xml><?xml version="1.0" encoding="utf-8"?>
-<p:notes xmlns:a="http://schemas.openxmlformats.org/drawingml/2006/main" xmlns:r="http://schemas.openxmlformats.org/officeDocument/2006/relationships" xmlns:p="http://schemas.openxmlformats.org/presentationml/2006/main">
-  <p:cSld>
-    <p:spTree>
-      <p:nvGrpSpPr>
-        <p:cNvPr id="1" name=""/>
-        <p:cNvGrpSpPr/>
-        <p:nvPr/>
-      </p:nvGrpSpPr>
-      <p:grpSpPr>
-        <a:xfrm>
-          <a:off x="0" y="0"/>
-          <a:ext cx="0" cy="0"/>
-          <a:chOff x="0" y="0"/>
-          <a:chExt cx="0" cy="0"/>
-        </a:xfrm>
-      </p:grpSpPr>
-      <p:sp>
-        <p:nvSpPr>
-          <p:cNvPr id="2" name="Slide Image Placeholder 1"/>
-          <p:cNvSpPr>
-            <a:spLocks noGrp="1" noRot="1" noChangeAspect="1"/>
-          </p:cNvSpPr>
-          <p:nvPr>
-            <p:ph type="sldImg"/>
-          </p:nvPr>
-        </p:nvSpPr>
-        <p:spPr/>
-      </p:sp>
-      <p:sp>
-        <p:nvSpPr>
-          <p:cNvPr id="3" name="Notes Placeholder 2"/>
-          <p:cNvSpPr>
-            <a:spLocks noGrp="1"/>
-          </p:cNvSpPr>
-          <p:nvPr>
-            <p:ph type="body" idx="1"/>
-          </p:nvPr>
-        </p:nvSpPr>
-        <p:spPr/>
-        <p:txBody>
-          <a:bodyPr/>
-          <a:lstStyle/>
-          <a:p>
-            <a:pPr marL="0" marR="0" lvl="0" indent="0" algn="l" defTabSz="914400" rtl="0" eaLnBrk="1" fontAlgn="auto" latinLnBrk="0" hangingPunct="1">
-              <a:lnSpc>
-                <a:spcPct val="100000"/>
-              </a:lnSpc>
-              <a:spcBef>
-                <a:spcPts val="0"/>
-              </a:spcBef>
-              <a:spcAft>
-                <a:spcPts val="0"/>
-              </a:spcAft>
-              <a:buClrTx/>
-              <a:buSzTx/>
-              <a:buFontTx/>
-              <a:buNone/>
-              <a:tabLst/>
-              <a:defRPr/>
-            </a:pPr>
-            <a:r>
-              <a:rPr lang="en-US" dirty="0" err="1"/>
-              <a:t>common_effects</a:t>
-            </a:r>
-            <a:endParaRPr lang="en-US" dirty="0"/>
-          </a:p>
-        </p:txBody>
-      </p:sp>
-      <p:sp>
-        <p:nvSpPr>
-          <p:cNvPr id="4" name="Slide Number Placeholder 3"/>
-          <p:cNvSpPr>
-            <a:spLocks noGrp="1"/>
-          </p:cNvSpPr>
-          <p:nvPr>
-            <p:ph type="sldNum" sz="quarter" idx="5"/>
-          </p:nvPr>
-        </p:nvSpPr>
-        <p:spPr/>
-        <p:txBody>
-          <a:bodyPr/>
-          <a:lstStyle/>
-          <a:p>
-            <a:fld id="{A04CC895-3B19-1948-8213-A5CD87C5981C}" type="slidenum">
-              <a:rPr lang="en-US" smtClean="0"/>
-              <a:t>14</a:t>
-            </a:fld>
-            <a:endParaRPr lang="en-US"/>
-          </a:p>
-        </p:txBody>
-      </p:sp>
-    </p:spTree>
-    <p:extLst>
-      <p:ext uri="{BB962C8B-B14F-4D97-AF65-F5344CB8AC3E}">
-        <p14:creationId xmlns:p14="http://schemas.microsoft.com/office/powerpoint/2010/main" val="2887531872"/>
-      </p:ext>
-    </p:extLst>
-  </p:cSld>
-  <p:clrMapOvr>
-    <a:masterClrMapping/>
-  </p:clrMapOvr>
-</p:notes>
-</file>
-
-<file path=ppt/notesSlides/notesSlide15.xml><?xml version="1.0" encoding="utf-8"?>
-<p:notes xmlns:a="http://schemas.openxmlformats.org/drawingml/2006/main" xmlns:r="http://schemas.openxmlformats.org/officeDocument/2006/relationships" xmlns:p="http://schemas.openxmlformats.org/presentationml/2006/main">
-  <p:cSld>
-    <p:spTree>
-      <p:nvGrpSpPr>
-        <p:cNvPr id="1" name=""/>
-        <p:cNvGrpSpPr/>
-        <p:nvPr/>
-      </p:nvGrpSpPr>
-      <p:grpSpPr>
-        <a:xfrm>
-          <a:off x="0" y="0"/>
-          <a:ext cx="0" cy="0"/>
-          <a:chOff x="0" y="0"/>
-          <a:chExt cx="0" cy="0"/>
-        </a:xfrm>
-      </p:grpSpPr>
-      <p:sp>
-        <p:nvSpPr>
-          <p:cNvPr id="2" name="Slide Image Placeholder 1"/>
-          <p:cNvSpPr>
-            <a:spLocks noGrp="1" noRot="1" noChangeAspect="1"/>
-          </p:cNvSpPr>
-          <p:nvPr>
-            <p:ph type="sldImg"/>
-          </p:nvPr>
-        </p:nvSpPr>
-        <p:spPr/>
-      </p:sp>
-      <p:sp>
-        <p:nvSpPr>
-          <p:cNvPr id="3" name="Notes Placeholder 2"/>
-          <p:cNvSpPr>
-            <a:spLocks noGrp="1"/>
-          </p:cNvSpPr>
-          <p:nvPr>
-            <p:ph type="body" idx="1"/>
-          </p:nvPr>
-        </p:nvSpPr>
-        <p:spPr/>
-        <p:txBody>
-          <a:bodyPr/>
-          <a:lstStyle/>
-          <a:p>
-            <a:r>
-              <a:rPr lang="en-US" dirty="0"/>
-              <a:t>d_separation_01</a:t>
-            </a:r>
-          </a:p>
-        </p:txBody>
-      </p:sp>
-      <p:sp>
-        <p:nvSpPr>
-          <p:cNvPr id="4" name="Slide Number Placeholder 3"/>
-          <p:cNvSpPr>
-            <a:spLocks noGrp="1"/>
-          </p:cNvSpPr>
-          <p:nvPr>
-            <p:ph type="sldNum" sz="quarter" idx="5"/>
-          </p:nvPr>
-        </p:nvSpPr>
-        <p:spPr/>
-        <p:txBody>
-          <a:bodyPr/>
-          <a:lstStyle/>
-          <a:p>
-            <a:fld id="{A04CC895-3B19-1948-8213-A5CD87C5981C}" type="slidenum">
-              <a:rPr lang="en-US" smtClean="0"/>
-              <a:t>15</a:t>
-            </a:fld>
-            <a:endParaRPr lang="en-US"/>
-          </a:p>
-        </p:txBody>
-      </p:sp>
-    </p:spTree>
-    <p:extLst>
-      <p:ext uri="{BB962C8B-B14F-4D97-AF65-F5344CB8AC3E}">
-        <p14:creationId xmlns:p14="http://schemas.microsoft.com/office/powerpoint/2010/main" val="668383946"/>
-      </p:ext>
-    </p:extLst>
-  </p:cSld>
-  <p:clrMapOvr>
-    <a:masterClrMapping/>
-  </p:clrMapOvr>
-</p:notes>
-</file>
-
-<file path=ppt/notesSlides/notesSlide16.xml><?xml version="1.0" encoding="utf-8"?>
-<p:notes xmlns:a="http://schemas.openxmlformats.org/drawingml/2006/main" xmlns:r="http://schemas.openxmlformats.org/officeDocument/2006/relationships" xmlns:p="http://schemas.openxmlformats.org/presentationml/2006/main">
-  <p:cSld>
-    <p:spTree>
-      <p:nvGrpSpPr>
-        <p:cNvPr id="1" name=""/>
-        <p:cNvGrpSpPr/>
-        <p:nvPr/>
-      </p:nvGrpSpPr>
-      <p:grpSpPr>
-        <a:xfrm>
-          <a:off x="0" y="0"/>
-          <a:ext cx="0" cy="0"/>
-          <a:chOff x="0" y="0"/>
-          <a:chExt cx="0" cy="0"/>
-        </a:xfrm>
-      </p:grpSpPr>
-      <p:sp>
-        <p:nvSpPr>
-          <p:cNvPr id="2" name="Slide Image Placeholder 1"/>
-          <p:cNvSpPr>
-            <a:spLocks noGrp="1" noRot="1" noChangeAspect="1"/>
-          </p:cNvSpPr>
-          <p:nvPr>
-            <p:ph type="sldImg"/>
-          </p:nvPr>
-        </p:nvSpPr>
-        <p:spPr/>
-      </p:sp>
-      <p:sp>
-        <p:nvSpPr>
-          <p:cNvPr id="3" name="Notes Placeholder 2"/>
-          <p:cNvSpPr>
-            <a:spLocks noGrp="1"/>
-          </p:cNvSpPr>
-          <p:nvPr>
-            <p:ph type="body" idx="1"/>
-          </p:nvPr>
-        </p:nvSpPr>
-        <p:spPr/>
-        <p:txBody>
-          <a:bodyPr/>
-          <a:lstStyle/>
-          <a:p>
-            <a:r>
-              <a:rPr lang="en-US" dirty="0"/>
-              <a:t>d_separation_02</a:t>
-            </a:r>
-          </a:p>
-        </p:txBody>
-      </p:sp>
-      <p:sp>
-        <p:nvSpPr>
-          <p:cNvPr id="4" name="Slide Number Placeholder 3"/>
-          <p:cNvSpPr>
-            <a:spLocks noGrp="1"/>
-          </p:cNvSpPr>
-          <p:nvPr>
-            <p:ph type="sldNum" sz="quarter" idx="5"/>
-          </p:nvPr>
-        </p:nvSpPr>
-        <p:spPr/>
-        <p:txBody>
-          <a:bodyPr/>
-          <a:lstStyle/>
-          <a:p>
-            <a:fld id="{A04CC895-3B19-1948-8213-A5CD87C5981C}" type="slidenum">
-              <a:rPr lang="en-US" smtClean="0"/>
-              <a:t>16</a:t>
-            </a:fld>
-            <a:endParaRPr lang="en-US"/>
-          </a:p>
-        </p:txBody>
-      </p:sp>
-    </p:spTree>
-    <p:extLst>
-      <p:ext uri="{BB962C8B-B14F-4D97-AF65-F5344CB8AC3E}">
-        <p14:creationId xmlns:p14="http://schemas.microsoft.com/office/powerpoint/2010/main" val="6411207"/>
-      </p:ext>
-    </p:extLst>
-  </p:cSld>
-  <p:clrMapOvr>
-    <a:masterClrMapping/>
-  </p:clrMapOvr>
-</p:notes>
-</file>
-
-<file path=ppt/notesSlides/notesSlide17.xml><?xml version="1.0" encoding="utf-8"?>
-<p:notes xmlns:a="http://schemas.openxmlformats.org/drawingml/2006/main" xmlns:r="http://schemas.openxmlformats.org/officeDocument/2006/relationships" xmlns:p="http://schemas.openxmlformats.org/presentationml/2006/main">
-  <p:cSld>
-    <p:spTree>
-      <p:nvGrpSpPr>
-        <p:cNvPr id="1" name=""/>
-        <p:cNvGrpSpPr/>
-        <p:nvPr/>
-      </p:nvGrpSpPr>
-      <p:grpSpPr>
-        <a:xfrm>
-          <a:off x="0" y="0"/>
-          <a:ext cx="0" cy="0"/>
-          <a:chOff x="0" y="0"/>
-          <a:chExt cx="0" cy="0"/>
-        </a:xfrm>
-      </p:grpSpPr>
-      <p:sp>
-        <p:nvSpPr>
-          <p:cNvPr id="2" name="Slide Image Placeholder 1"/>
-          <p:cNvSpPr>
-            <a:spLocks noGrp="1" noRot="1" noChangeAspect="1"/>
-          </p:cNvSpPr>
-          <p:nvPr>
-            <p:ph type="sldImg"/>
-          </p:nvPr>
-        </p:nvSpPr>
-        <p:spPr/>
-      </p:sp>
-      <p:sp>
-        <p:nvSpPr>
-          <p:cNvPr id="3" name="Notes Placeholder 2"/>
-          <p:cNvSpPr>
-            <a:spLocks noGrp="1"/>
-          </p:cNvSpPr>
-          <p:nvPr>
-            <p:ph type="body" idx="1"/>
-          </p:nvPr>
-        </p:nvSpPr>
-        <p:spPr/>
-        <p:txBody>
-          <a:bodyPr/>
-          <a:lstStyle/>
-          <a:p>
-            <a:r>
-              <a:rPr lang="en-US" dirty="0"/>
-              <a:t>d_separation_03</a:t>
-            </a:r>
-          </a:p>
-        </p:txBody>
-      </p:sp>
-      <p:sp>
-        <p:nvSpPr>
-          <p:cNvPr id="4" name="Slide Number Placeholder 3"/>
-          <p:cNvSpPr>
-            <a:spLocks noGrp="1"/>
-          </p:cNvSpPr>
-          <p:nvPr>
-            <p:ph type="sldNum" sz="quarter" idx="5"/>
-          </p:nvPr>
-        </p:nvSpPr>
-        <p:spPr/>
-        <p:txBody>
-          <a:bodyPr/>
-          <a:lstStyle/>
-          <a:p>
-            <a:fld id="{A04CC895-3B19-1948-8213-A5CD87C5981C}" type="slidenum">
-              <a:rPr lang="en-US" smtClean="0"/>
-              <a:t>17</a:t>
-            </a:fld>
-            <a:endParaRPr lang="en-US"/>
-          </a:p>
-        </p:txBody>
-      </p:sp>
-    </p:spTree>
-    <p:extLst>
-      <p:ext uri="{BB962C8B-B14F-4D97-AF65-F5344CB8AC3E}">
-        <p14:creationId xmlns:p14="http://schemas.microsoft.com/office/powerpoint/2010/main" val="1239819433"/>
-      </p:ext>
-    </p:extLst>
-  </p:cSld>
-  <p:clrMapOvr>
-    <a:masterClrMapping/>
-  </p:clrMapOvr>
-</p:notes>
-</file>
-
-<file path=ppt/notesSlides/notesSlide18.xml><?xml version="1.0" encoding="utf-8"?>
-<p:notes xmlns:a="http://schemas.openxmlformats.org/drawingml/2006/main" xmlns:r="http://schemas.openxmlformats.org/officeDocument/2006/relationships" xmlns:p="http://schemas.openxmlformats.org/presentationml/2006/main">
-  <p:cSld>
-    <p:spTree>
-      <p:nvGrpSpPr>
-        <p:cNvPr id="1" name=""/>
-        <p:cNvGrpSpPr/>
-        <p:nvPr/>
-      </p:nvGrpSpPr>
-      <p:grpSpPr>
-        <a:xfrm>
-          <a:off x="0" y="0"/>
-          <a:ext cx="0" cy="0"/>
-          <a:chOff x="0" y="0"/>
-          <a:chExt cx="0" cy="0"/>
-        </a:xfrm>
-      </p:grpSpPr>
-      <p:sp>
-        <p:nvSpPr>
-          <p:cNvPr id="2" name="Slide Image Placeholder 1"/>
-          <p:cNvSpPr>
-            <a:spLocks noGrp="1" noRot="1" noChangeAspect="1"/>
-          </p:cNvSpPr>
-          <p:nvPr>
-            <p:ph type="sldImg"/>
-          </p:nvPr>
-        </p:nvSpPr>
-        <p:spPr/>
-      </p:sp>
-      <p:sp>
-        <p:nvSpPr>
-          <p:cNvPr id="3" name="Notes Placeholder 2"/>
-          <p:cNvSpPr>
-            <a:spLocks noGrp="1"/>
-          </p:cNvSpPr>
-          <p:nvPr>
-            <p:ph type="body" idx="1"/>
-          </p:nvPr>
-        </p:nvSpPr>
-        <p:spPr/>
-        <p:txBody>
-          <a:bodyPr/>
-          <a:lstStyle/>
-          <a:p>
-            <a:r>
-              <a:rPr lang="en-US" dirty="0"/>
-              <a:t>d_separation_04</a:t>
-            </a:r>
-          </a:p>
-        </p:txBody>
-      </p:sp>
-      <p:sp>
-        <p:nvSpPr>
-          <p:cNvPr id="4" name="Slide Number Placeholder 3"/>
-          <p:cNvSpPr>
-            <a:spLocks noGrp="1"/>
-          </p:cNvSpPr>
-          <p:nvPr>
-            <p:ph type="sldNum" sz="quarter" idx="5"/>
-          </p:nvPr>
-        </p:nvSpPr>
-        <p:spPr/>
-        <p:txBody>
-          <a:bodyPr/>
-          <a:lstStyle/>
-          <a:p>
-            <a:fld id="{A04CC895-3B19-1948-8213-A5CD87C5981C}" type="slidenum">
-              <a:rPr lang="en-US" smtClean="0"/>
-              <a:t>18</a:t>
-            </a:fld>
-            <a:endParaRPr lang="en-US"/>
-          </a:p>
-        </p:txBody>
-      </p:sp>
-    </p:spTree>
-    <p:extLst>
-      <p:ext uri="{BB962C8B-B14F-4D97-AF65-F5344CB8AC3E}">
-        <p14:creationId xmlns:p14="http://schemas.microsoft.com/office/powerpoint/2010/main" val="3657253927"/>
-      </p:ext>
-    </p:extLst>
-  </p:cSld>
-  <p:clrMapOvr>
-    <a:masterClrMapping/>
-  </p:clrMapOvr>
-</p:notes>
-</file>
-
 <file path=ppt/notesSlides/notesSlide2.xml><?xml version="1.0" encoding="utf-8"?>
 <p:notes xmlns:a="http://schemas.openxmlformats.org/drawingml/2006/main" xmlns:r="http://schemas.openxmlformats.org/officeDocument/2006/relationships" xmlns:p="http://schemas.openxmlformats.org/presentationml/2006/main">
   <p:cSld>
@@ -5482,556 +4576,6 @@
     <p:extLst>
       <p:ext uri="{BB962C8B-B14F-4D97-AF65-F5344CB8AC3E}">
         <p14:creationId xmlns:p14="http://schemas.microsoft.com/office/powerpoint/2010/main" val="1818065506"/>
-      </p:ext>
-    </p:extLst>
-  </p:cSld>
-  <p:clrMapOvr>
-    <a:masterClrMapping/>
-  </p:clrMapOvr>
-</p:notes>
-</file>
-
-<file path=ppt/notesSlides/notesSlide4.xml><?xml version="1.0" encoding="utf-8"?>
-<p:notes xmlns:a="http://schemas.openxmlformats.org/drawingml/2006/main" xmlns:r="http://schemas.openxmlformats.org/officeDocument/2006/relationships" xmlns:p="http://schemas.openxmlformats.org/presentationml/2006/main">
-  <p:cSld>
-    <p:spTree>
-      <p:nvGrpSpPr>
-        <p:cNvPr id="1" name=""/>
-        <p:cNvGrpSpPr/>
-        <p:nvPr/>
-      </p:nvGrpSpPr>
-      <p:grpSpPr>
-        <a:xfrm>
-          <a:off x="0" y="0"/>
-          <a:ext cx="0" cy="0"/>
-          <a:chOff x="0" y="0"/>
-          <a:chExt cx="0" cy="0"/>
-        </a:xfrm>
-      </p:grpSpPr>
-      <p:sp>
-        <p:nvSpPr>
-          <p:cNvPr id="2" name="Slide Image Placeholder 1"/>
-          <p:cNvSpPr>
-            <a:spLocks noGrp="1" noRot="1" noChangeAspect="1"/>
-          </p:cNvSpPr>
-          <p:nvPr>
-            <p:ph type="sldImg"/>
-          </p:nvPr>
-        </p:nvSpPr>
-        <p:spPr/>
-      </p:sp>
-      <p:sp>
-        <p:nvSpPr>
-          <p:cNvPr id="3" name="Notes Placeholder 2"/>
-          <p:cNvSpPr>
-            <a:spLocks noGrp="1"/>
-          </p:cNvSpPr>
-          <p:nvPr>
-            <p:ph type="body" idx="1"/>
-          </p:nvPr>
-        </p:nvSpPr>
-        <p:spPr/>
-        <p:txBody>
-          <a:bodyPr/>
-          <a:lstStyle/>
-          <a:p>
-            <a:r>
-              <a:rPr lang="en-US" dirty="0" err="1"/>
-              <a:t>rmscc_sufficient_causes</a:t>
-            </a:r>
-            <a:endParaRPr lang="en-US" dirty="0"/>
-          </a:p>
-        </p:txBody>
-      </p:sp>
-      <p:sp>
-        <p:nvSpPr>
-          <p:cNvPr id="4" name="Slide Number Placeholder 3"/>
-          <p:cNvSpPr>
-            <a:spLocks noGrp="1"/>
-          </p:cNvSpPr>
-          <p:nvPr>
-            <p:ph type="sldNum" sz="quarter" idx="5"/>
-          </p:nvPr>
-        </p:nvSpPr>
-        <p:spPr/>
-        <p:txBody>
-          <a:bodyPr/>
-          <a:lstStyle/>
-          <a:p>
-            <a:fld id="{A04CC895-3B19-1948-8213-A5CD87C5981C}" type="slidenum">
-              <a:rPr lang="en-US" smtClean="0"/>
-              <a:t>4</a:t>
-            </a:fld>
-            <a:endParaRPr lang="en-US"/>
-          </a:p>
-        </p:txBody>
-      </p:sp>
-    </p:spTree>
-    <p:extLst>
-      <p:ext uri="{BB962C8B-B14F-4D97-AF65-F5344CB8AC3E}">
-        <p14:creationId xmlns:p14="http://schemas.microsoft.com/office/powerpoint/2010/main" val="1196143273"/>
-      </p:ext>
-    </p:extLst>
-  </p:cSld>
-  <p:clrMapOvr>
-    <a:masterClrMapping/>
-  </p:clrMapOvr>
-</p:notes>
-</file>
-
-<file path=ppt/notesSlides/notesSlide5.xml><?xml version="1.0" encoding="utf-8"?>
-<p:notes xmlns:a="http://schemas.openxmlformats.org/drawingml/2006/main" xmlns:r="http://schemas.openxmlformats.org/officeDocument/2006/relationships" xmlns:p="http://schemas.openxmlformats.org/presentationml/2006/main">
-  <p:cSld>
-    <p:spTree>
-      <p:nvGrpSpPr>
-        <p:cNvPr id="1" name=""/>
-        <p:cNvGrpSpPr/>
-        <p:nvPr/>
-      </p:nvGrpSpPr>
-      <p:grpSpPr>
-        <a:xfrm>
-          <a:off x="0" y="0"/>
-          <a:ext cx="0" cy="0"/>
-          <a:chOff x="0" y="0"/>
-          <a:chExt cx="0" cy="0"/>
-        </a:xfrm>
-      </p:grpSpPr>
-      <p:sp>
-        <p:nvSpPr>
-          <p:cNvPr id="2" name="Slide Image Placeholder 1"/>
-          <p:cNvSpPr>
-            <a:spLocks noGrp="1" noRot="1" noChangeAspect="1"/>
-          </p:cNvSpPr>
-          <p:nvPr>
-            <p:ph type="sldImg"/>
-          </p:nvPr>
-        </p:nvSpPr>
-        <p:spPr/>
-      </p:sp>
-      <p:sp>
-        <p:nvSpPr>
-          <p:cNvPr id="3" name="Notes Placeholder 2"/>
-          <p:cNvSpPr>
-            <a:spLocks noGrp="1"/>
-          </p:cNvSpPr>
-          <p:nvPr>
-            <p:ph type="body" idx="1"/>
-          </p:nvPr>
-        </p:nvSpPr>
-        <p:spPr/>
-        <p:txBody>
-          <a:bodyPr/>
-          <a:lstStyle/>
-          <a:p>
-            <a:r>
-              <a:rPr lang="en-US" sz="2400" dirty="0" err="1"/>
-              <a:t>rmscc_sufficient_causes_smoking</a:t>
-            </a:r>
-            <a:endParaRPr lang="en-US" sz="2400" dirty="0"/>
-          </a:p>
-          <a:p>
-            <a:endParaRPr lang="en-US" sz="2400" dirty="0"/>
-          </a:p>
-          <a:p>
-            <a:endParaRPr lang="en-US" dirty="0"/>
-          </a:p>
-        </p:txBody>
-      </p:sp>
-      <p:sp>
-        <p:nvSpPr>
-          <p:cNvPr id="4" name="Slide Number Placeholder 3"/>
-          <p:cNvSpPr>
-            <a:spLocks noGrp="1"/>
-          </p:cNvSpPr>
-          <p:nvPr>
-            <p:ph type="sldNum" sz="quarter" idx="5"/>
-          </p:nvPr>
-        </p:nvSpPr>
-        <p:spPr/>
-        <p:txBody>
-          <a:bodyPr/>
-          <a:lstStyle/>
-          <a:p>
-            <a:fld id="{A04CC895-3B19-1948-8213-A5CD87C5981C}" type="slidenum">
-              <a:rPr lang="en-US" smtClean="0"/>
-              <a:t>5</a:t>
-            </a:fld>
-            <a:endParaRPr lang="en-US"/>
-          </a:p>
-        </p:txBody>
-      </p:sp>
-    </p:spTree>
-    <p:extLst>
-      <p:ext uri="{BB962C8B-B14F-4D97-AF65-F5344CB8AC3E}">
-        <p14:creationId xmlns:p14="http://schemas.microsoft.com/office/powerpoint/2010/main" val="692729628"/>
-      </p:ext>
-    </p:extLst>
-  </p:cSld>
-  <p:clrMapOvr>
-    <a:masterClrMapping/>
-  </p:clrMapOvr>
-</p:notes>
-</file>
-
-<file path=ppt/notesSlides/notesSlide6.xml><?xml version="1.0" encoding="utf-8"?>
-<p:notes xmlns:a="http://schemas.openxmlformats.org/drawingml/2006/main" xmlns:r="http://schemas.openxmlformats.org/officeDocument/2006/relationships" xmlns:p="http://schemas.openxmlformats.org/presentationml/2006/main">
-  <p:cSld>
-    <p:spTree>
-      <p:nvGrpSpPr>
-        <p:cNvPr id="1" name=""/>
-        <p:cNvGrpSpPr/>
-        <p:nvPr/>
-      </p:nvGrpSpPr>
-      <p:grpSpPr>
-        <a:xfrm>
-          <a:off x="0" y="0"/>
-          <a:ext cx="0" cy="0"/>
-          <a:chOff x="0" y="0"/>
-          <a:chExt cx="0" cy="0"/>
-        </a:xfrm>
-      </p:grpSpPr>
-      <p:sp>
-        <p:nvSpPr>
-          <p:cNvPr id="2" name="Slide Image Placeholder 1"/>
-          <p:cNvSpPr>
-            <a:spLocks noGrp="1" noRot="1" noChangeAspect="1"/>
-          </p:cNvSpPr>
-          <p:nvPr>
-            <p:ph type="sldImg"/>
-          </p:nvPr>
-        </p:nvSpPr>
-        <p:spPr/>
-      </p:sp>
-      <p:sp>
-        <p:nvSpPr>
-          <p:cNvPr id="3" name="Notes Placeholder 2"/>
-          <p:cNvSpPr>
-            <a:spLocks noGrp="1"/>
-          </p:cNvSpPr>
-          <p:nvPr>
-            <p:ph type="body" idx="1"/>
-          </p:nvPr>
-        </p:nvSpPr>
-        <p:spPr/>
-        <p:txBody>
-          <a:bodyPr/>
-          <a:lstStyle/>
-          <a:p>
-            <a:pPr marL="0" marR="0" lvl="0" indent="0" algn="l" defTabSz="914400" rtl="0" eaLnBrk="1" fontAlgn="auto" latinLnBrk="0" hangingPunct="1">
-              <a:lnSpc>
-                <a:spcPct val="100000"/>
-              </a:lnSpc>
-              <a:spcBef>
-                <a:spcPts val="0"/>
-              </a:spcBef>
-              <a:spcAft>
-                <a:spcPts val="0"/>
-              </a:spcAft>
-              <a:buClrTx/>
-              <a:buSzTx/>
-              <a:buFontTx/>
-              <a:buNone/>
-              <a:tabLst/>
-              <a:defRPr/>
-            </a:pPr>
-            <a:r>
-              <a:rPr lang="en-US" sz="2400" dirty="0" err="1"/>
-              <a:t>rmscc_sufficient_causes_cervical_cancer</a:t>
-            </a:r>
-            <a:endParaRPr lang="en-US" sz="2400" dirty="0"/>
-          </a:p>
-        </p:txBody>
-      </p:sp>
-      <p:sp>
-        <p:nvSpPr>
-          <p:cNvPr id="4" name="Slide Number Placeholder 3"/>
-          <p:cNvSpPr>
-            <a:spLocks noGrp="1"/>
-          </p:cNvSpPr>
-          <p:nvPr>
-            <p:ph type="sldNum" sz="quarter" idx="5"/>
-          </p:nvPr>
-        </p:nvSpPr>
-        <p:spPr/>
-        <p:txBody>
-          <a:bodyPr/>
-          <a:lstStyle/>
-          <a:p>
-            <a:fld id="{A04CC895-3B19-1948-8213-A5CD87C5981C}" type="slidenum">
-              <a:rPr lang="en-US" smtClean="0"/>
-              <a:t>6</a:t>
-            </a:fld>
-            <a:endParaRPr lang="en-US"/>
-          </a:p>
-        </p:txBody>
-      </p:sp>
-    </p:spTree>
-    <p:extLst>
-      <p:ext uri="{BB962C8B-B14F-4D97-AF65-F5344CB8AC3E}">
-        <p14:creationId xmlns:p14="http://schemas.microsoft.com/office/powerpoint/2010/main" val="4218506983"/>
-      </p:ext>
-    </p:extLst>
-  </p:cSld>
-  <p:clrMapOvr>
-    <a:masterClrMapping/>
-  </p:clrMapOvr>
-</p:notes>
-</file>
-
-<file path=ppt/notesSlides/notesSlide7.xml><?xml version="1.0" encoding="utf-8"?>
-<p:notes xmlns:a="http://schemas.openxmlformats.org/drawingml/2006/main" xmlns:r="http://schemas.openxmlformats.org/officeDocument/2006/relationships" xmlns:p="http://schemas.openxmlformats.org/presentationml/2006/main">
-  <p:cSld>
-    <p:spTree>
-      <p:nvGrpSpPr>
-        <p:cNvPr id="1" name=""/>
-        <p:cNvGrpSpPr/>
-        <p:nvPr/>
-      </p:nvGrpSpPr>
-      <p:grpSpPr>
-        <a:xfrm>
-          <a:off x="0" y="0"/>
-          <a:ext cx="0" cy="0"/>
-          <a:chOff x="0" y="0"/>
-          <a:chExt cx="0" cy="0"/>
-        </a:xfrm>
-      </p:grpSpPr>
-      <p:sp>
-        <p:nvSpPr>
-          <p:cNvPr id="2" name="Slide Image Placeholder 1"/>
-          <p:cNvSpPr>
-            <a:spLocks noGrp="1" noRot="1" noChangeAspect="1"/>
-          </p:cNvSpPr>
-          <p:nvPr>
-            <p:ph type="sldImg"/>
-          </p:nvPr>
-        </p:nvSpPr>
-        <p:spPr/>
-      </p:sp>
-      <p:sp>
-        <p:nvSpPr>
-          <p:cNvPr id="3" name="Notes Placeholder 2"/>
-          <p:cNvSpPr>
-            <a:spLocks noGrp="1"/>
-          </p:cNvSpPr>
-          <p:nvPr>
-            <p:ph type="body" idx="1"/>
-          </p:nvPr>
-        </p:nvSpPr>
-        <p:spPr/>
-        <p:txBody>
-          <a:bodyPr/>
-          <a:lstStyle/>
-          <a:p>
-            <a:r>
-              <a:rPr lang="en-US" dirty="0" err="1"/>
-              <a:t>simple_dag</a:t>
-            </a:r>
-            <a:endParaRPr lang="en-US" dirty="0"/>
-          </a:p>
-        </p:txBody>
-      </p:sp>
-      <p:sp>
-        <p:nvSpPr>
-          <p:cNvPr id="4" name="Slide Number Placeholder 3"/>
-          <p:cNvSpPr>
-            <a:spLocks noGrp="1"/>
-          </p:cNvSpPr>
-          <p:nvPr>
-            <p:ph type="sldNum" sz="quarter" idx="5"/>
-          </p:nvPr>
-        </p:nvSpPr>
-        <p:spPr/>
-        <p:txBody>
-          <a:bodyPr/>
-          <a:lstStyle/>
-          <a:p>
-            <a:fld id="{A04CC895-3B19-1948-8213-A5CD87C5981C}" type="slidenum">
-              <a:rPr lang="en-US" smtClean="0"/>
-              <a:t>7</a:t>
-            </a:fld>
-            <a:endParaRPr lang="en-US"/>
-          </a:p>
-        </p:txBody>
-      </p:sp>
-    </p:spTree>
-    <p:extLst>
-      <p:ext uri="{BB962C8B-B14F-4D97-AF65-F5344CB8AC3E}">
-        <p14:creationId xmlns:p14="http://schemas.microsoft.com/office/powerpoint/2010/main" val="2431743755"/>
-      </p:ext>
-    </p:extLst>
-  </p:cSld>
-  <p:clrMapOvr>
-    <a:masterClrMapping/>
-  </p:clrMapOvr>
-</p:notes>
-</file>
-
-<file path=ppt/notesSlides/notesSlide8.xml><?xml version="1.0" encoding="utf-8"?>
-<p:notes xmlns:a="http://schemas.openxmlformats.org/drawingml/2006/main" xmlns:r="http://schemas.openxmlformats.org/officeDocument/2006/relationships" xmlns:p="http://schemas.openxmlformats.org/presentationml/2006/main">
-  <p:cSld>
-    <p:spTree>
-      <p:nvGrpSpPr>
-        <p:cNvPr id="1" name=""/>
-        <p:cNvGrpSpPr/>
-        <p:nvPr/>
-      </p:nvGrpSpPr>
-      <p:grpSpPr>
-        <a:xfrm>
-          <a:off x="0" y="0"/>
-          <a:ext cx="0" cy="0"/>
-          <a:chOff x="0" y="0"/>
-          <a:chExt cx="0" cy="0"/>
-        </a:xfrm>
-      </p:grpSpPr>
-      <p:sp>
-        <p:nvSpPr>
-          <p:cNvPr id="2" name="Slide Image Placeholder 1"/>
-          <p:cNvSpPr>
-            <a:spLocks noGrp="1" noRot="1" noChangeAspect="1"/>
-          </p:cNvSpPr>
-          <p:nvPr>
-            <p:ph type="sldImg"/>
-          </p:nvPr>
-        </p:nvSpPr>
-        <p:spPr/>
-      </p:sp>
-      <p:sp>
-        <p:nvSpPr>
-          <p:cNvPr id="3" name="Notes Placeholder 2"/>
-          <p:cNvSpPr>
-            <a:spLocks noGrp="1"/>
-          </p:cNvSpPr>
-          <p:nvPr>
-            <p:ph type="body" idx="1"/>
-          </p:nvPr>
-        </p:nvSpPr>
-        <p:spPr/>
-        <p:txBody>
-          <a:bodyPr/>
-          <a:lstStyle/>
-          <a:p>
-            <a:r>
-              <a:rPr lang="en-US" dirty="0" err="1"/>
-              <a:t>nodes_and_edges</a:t>
-            </a:r>
-            <a:endParaRPr lang="en-US" dirty="0"/>
-          </a:p>
-        </p:txBody>
-      </p:sp>
-      <p:sp>
-        <p:nvSpPr>
-          <p:cNvPr id="4" name="Slide Number Placeholder 3"/>
-          <p:cNvSpPr>
-            <a:spLocks noGrp="1"/>
-          </p:cNvSpPr>
-          <p:nvPr>
-            <p:ph type="sldNum" sz="quarter" idx="5"/>
-          </p:nvPr>
-        </p:nvSpPr>
-        <p:spPr/>
-        <p:txBody>
-          <a:bodyPr/>
-          <a:lstStyle/>
-          <a:p>
-            <a:fld id="{A04CC895-3B19-1948-8213-A5CD87C5981C}" type="slidenum">
-              <a:rPr lang="en-US" smtClean="0"/>
-              <a:t>8</a:t>
-            </a:fld>
-            <a:endParaRPr lang="en-US"/>
-          </a:p>
-        </p:txBody>
-      </p:sp>
-    </p:spTree>
-    <p:extLst>
-      <p:ext uri="{BB962C8B-B14F-4D97-AF65-F5344CB8AC3E}">
-        <p14:creationId xmlns:p14="http://schemas.microsoft.com/office/powerpoint/2010/main" val="3621549758"/>
-      </p:ext>
-    </p:extLst>
-  </p:cSld>
-  <p:clrMapOvr>
-    <a:masterClrMapping/>
-  </p:clrMapOvr>
-</p:notes>
-</file>
-
-<file path=ppt/notesSlides/notesSlide9.xml><?xml version="1.0" encoding="utf-8"?>
-<p:notes xmlns:a="http://schemas.openxmlformats.org/drawingml/2006/main" xmlns:r="http://schemas.openxmlformats.org/officeDocument/2006/relationships" xmlns:p="http://schemas.openxmlformats.org/presentationml/2006/main">
-  <p:cSld>
-    <p:spTree>
-      <p:nvGrpSpPr>
-        <p:cNvPr id="1" name=""/>
-        <p:cNvGrpSpPr/>
-        <p:nvPr/>
-      </p:nvGrpSpPr>
-      <p:grpSpPr>
-        <a:xfrm>
-          <a:off x="0" y="0"/>
-          <a:ext cx="0" cy="0"/>
-          <a:chOff x="0" y="0"/>
-          <a:chExt cx="0" cy="0"/>
-        </a:xfrm>
-      </p:grpSpPr>
-      <p:sp>
-        <p:nvSpPr>
-          <p:cNvPr id="2" name="Slide Image Placeholder 1"/>
-          <p:cNvSpPr>
-            <a:spLocks noGrp="1" noRot="1" noChangeAspect="1"/>
-          </p:cNvSpPr>
-          <p:nvPr>
-            <p:ph type="sldImg"/>
-          </p:nvPr>
-        </p:nvSpPr>
-        <p:spPr/>
-      </p:sp>
-      <p:sp>
-        <p:nvSpPr>
-          <p:cNvPr id="3" name="Notes Placeholder 2"/>
-          <p:cNvSpPr>
-            <a:spLocks noGrp="1"/>
-          </p:cNvSpPr>
-          <p:nvPr>
-            <p:ph type="body" idx="1"/>
-          </p:nvPr>
-        </p:nvSpPr>
-        <p:spPr/>
-        <p:txBody>
-          <a:bodyPr/>
-          <a:lstStyle/>
-          <a:p>
-            <a:r>
-              <a:rPr lang="en-US" dirty="0"/>
-              <a:t>descendants</a:t>
-            </a:r>
-          </a:p>
-        </p:txBody>
-      </p:sp>
-      <p:sp>
-        <p:nvSpPr>
-          <p:cNvPr id="4" name="Slide Number Placeholder 3"/>
-          <p:cNvSpPr>
-            <a:spLocks noGrp="1"/>
-          </p:cNvSpPr>
-          <p:nvPr>
-            <p:ph type="sldNum" sz="quarter" idx="5"/>
-          </p:nvPr>
-        </p:nvSpPr>
-        <p:spPr/>
-        <p:txBody>
-          <a:bodyPr/>
-          <a:lstStyle/>
-          <a:p>
-            <a:fld id="{A04CC895-3B19-1948-8213-A5CD87C5981C}" type="slidenum">
-              <a:rPr lang="en-US" smtClean="0"/>
-              <a:t>9</a:t>
-            </a:fld>
-            <a:endParaRPr lang="en-US"/>
-          </a:p>
-        </p:txBody>
-      </p:sp>
-    </p:spTree>
-    <p:extLst>
-      <p:ext uri="{BB962C8B-B14F-4D97-AF65-F5344CB8AC3E}">
-        <p14:creationId xmlns:p14="http://schemas.microsoft.com/office/powerpoint/2010/main" val="4269479429"/>
       </p:ext>
     </p:extLst>
   </p:cSld>
@@ -6188,7 +4732,7 @@
           <a:p>
             <a:fld id="{97E5D4AC-B265-BC46-B8CB-964562500F15}" type="datetimeFigureOut">
               <a:rPr lang="en-US" smtClean="0"/>
-              <a:t>10/5/23</a:t>
+              <a:t>10/6/23</a:t>
             </a:fld>
             <a:endParaRPr lang="en-US"/>
           </a:p>
@@ -6386,7 +4930,7 @@
           <a:p>
             <a:fld id="{97E5D4AC-B265-BC46-B8CB-964562500F15}" type="datetimeFigureOut">
               <a:rPr lang="en-US" smtClean="0"/>
-              <a:t>10/5/23</a:t>
+              <a:t>10/6/23</a:t>
             </a:fld>
             <a:endParaRPr lang="en-US"/>
           </a:p>
@@ -6594,7 +5138,7 @@
           <a:p>
             <a:fld id="{97E5D4AC-B265-BC46-B8CB-964562500F15}" type="datetimeFigureOut">
               <a:rPr lang="en-US" smtClean="0"/>
-              <a:t>10/5/23</a:t>
+              <a:t>10/6/23</a:t>
             </a:fld>
             <a:endParaRPr lang="en-US"/>
           </a:p>
@@ -6792,7 +5336,7 @@
           <a:p>
             <a:fld id="{97E5D4AC-B265-BC46-B8CB-964562500F15}" type="datetimeFigureOut">
               <a:rPr lang="en-US" smtClean="0"/>
-              <a:t>10/5/23</a:t>
+              <a:t>10/6/23</a:t>
             </a:fld>
             <a:endParaRPr lang="en-US"/>
           </a:p>
@@ -7067,7 +5611,7 @@
           <a:p>
             <a:fld id="{97E5D4AC-B265-BC46-B8CB-964562500F15}" type="datetimeFigureOut">
               <a:rPr lang="en-US" smtClean="0"/>
-              <a:t>10/5/23</a:t>
+              <a:t>10/6/23</a:t>
             </a:fld>
             <a:endParaRPr lang="en-US"/>
           </a:p>
@@ -7332,7 +5876,7 @@
           <a:p>
             <a:fld id="{97E5D4AC-B265-BC46-B8CB-964562500F15}" type="datetimeFigureOut">
               <a:rPr lang="en-US" smtClean="0"/>
-              <a:t>10/5/23</a:t>
+              <a:t>10/6/23</a:t>
             </a:fld>
             <a:endParaRPr lang="en-US"/>
           </a:p>
@@ -7744,7 +6288,7 @@
           <a:p>
             <a:fld id="{97E5D4AC-B265-BC46-B8CB-964562500F15}" type="datetimeFigureOut">
               <a:rPr lang="en-US" smtClean="0"/>
-              <a:t>10/5/23</a:t>
+              <a:t>10/6/23</a:t>
             </a:fld>
             <a:endParaRPr lang="en-US"/>
           </a:p>
@@ -7885,7 +6429,7 @@
           <a:p>
             <a:fld id="{97E5D4AC-B265-BC46-B8CB-964562500F15}" type="datetimeFigureOut">
               <a:rPr lang="en-US" smtClean="0"/>
-              <a:t>10/5/23</a:t>
+              <a:t>10/6/23</a:t>
             </a:fld>
             <a:endParaRPr lang="en-US"/>
           </a:p>
@@ -7998,7 +6542,7 @@
           <a:p>
             <a:fld id="{97E5D4AC-B265-BC46-B8CB-964562500F15}" type="datetimeFigureOut">
               <a:rPr lang="en-US" smtClean="0"/>
-              <a:t>10/5/23</a:t>
+              <a:t>10/6/23</a:t>
             </a:fld>
             <a:endParaRPr lang="en-US"/>
           </a:p>
@@ -8309,7 +6853,7 @@
           <a:p>
             <a:fld id="{97E5D4AC-B265-BC46-B8CB-964562500F15}" type="datetimeFigureOut">
               <a:rPr lang="en-US" smtClean="0"/>
-              <a:t>10/5/23</a:t>
+              <a:t>10/6/23</a:t>
             </a:fld>
             <a:endParaRPr lang="en-US"/>
           </a:p>
@@ -8597,7 +7141,7 @@
           <a:p>
             <a:fld id="{97E5D4AC-B265-BC46-B8CB-964562500F15}" type="datetimeFigureOut">
               <a:rPr lang="en-US" smtClean="0"/>
-              <a:t>10/5/23</a:t>
+              <a:t>10/6/23</a:t>
             </a:fld>
             <a:endParaRPr lang="en-US"/>
           </a:p>
@@ -8838,7 +7382,7 @@
           <a:p>
             <a:fld id="{97E5D4AC-B265-BC46-B8CB-964562500F15}" type="datetimeFigureOut">
               <a:rPr lang="en-US" smtClean="0"/>
-              <a:t>10/5/23</a:t>
+              <a:t>10/6/23</a:t>
             </a:fld>
             <a:endParaRPr lang="en-US"/>
           </a:p>
@@ -9281,3251 +7825,6 @@
     <p:extLst>
       <p:ext uri="{BB962C8B-B14F-4D97-AF65-F5344CB8AC3E}">
         <p14:creationId xmlns:p14="http://schemas.microsoft.com/office/powerpoint/2010/main" val="1528528935"/>
-      </p:ext>
-    </p:extLst>
-  </p:cSld>
-  <p:clrMapOvr>
-    <a:masterClrMapping/>
-  </p:clrMapOvr>
-</p:sld>
-</file>
-
-<file path=ppt/slides/slide10.xml><?xml version="1.0" encoding="utf-8"?>
-<p:sld xmlns:a="http://schemas.openxmlformats.org/drawingml/2006/main" xmlns:r="http://schemas.openxmlformats.org/officeDocument/2006/relationships" xmlns:p="http://schemas.openxmlformats.org/presentationml/2006/main">
-  <p:cSld>
-    <p:spTree>
-      <p:nvGrpSpPr>
-        <p:cNvPr id="1" name=""/>
-        <p:cNvGrpSpPr/>
-        <p:nvPr/>
-      </p:nvGrpSpPr>
-      <p:grpSpPr>
-        <a:xfrm>
-          <a:off x="0" y="0"/>
-          <a:ext cx="0" cy="0"/>
-          <a:chOff x="0" y="0"/>
-          <a:chExt cx="0" cy="0"/>
-        </a:xfrm>
-      </p:grpSpPr>
-      <p:sp>
-        <p:nvSpPr>
-          <p:cNvPr id="2" name="Title 1">
-            <a:extLst>
-              <a:ext uri="{FF2B5EF4-FFF2-40B4-BE49-F238E27FC236}">
-                <a16:creationId xmlns:a16="http://schemas.microsoft.com/office/drawing/2014/main" id="{CFB15DD3-BDA6-C840-A13C-B37B2A7D7F21}"/>
-              </a:ext>
-            </a:extLst>
-          </p:cNvPr>
-          <p:cNvSpPr>
-            <a:spLocks noGrp="1"/>
-          </p:cNvSpPr>
-          <p:nvPr>
-            <p:ph type="title"/>
-          </p:nvPr>
-        </p:nvSpPr>
-        <p:spPr/>
-        <p:txBody>
-          <a:bodyPr/>
-          <a:lstStyle/>
-          <a:p>
-            <a:r>
-              <a:rPr lang="en-US" dirty="0"/>
-              <a:t>Basic DAG structures – Paths</a:t>
-            </a:r>
-          </a:p>
-        </p:txBody>
-      </p:sp>
-      <p:sp>
-        <p:nvSpPr>
-          <p:cNvPr id="8" name="TextBox 7">
-            <a:extLst>
-              <a:ext uri="{FF2B5EF4-FFF2-40B4-BE49-F238E27FC236}">
-                <a16:creationId xmlns:a16="http://schemas.microsoft.com/office/drawing/2014/main" id="{AA8329A4-47FB-3646-9FB7-1D2BD51DE441}"/>
-              </a:ext>
-            </a:extLst>
-          </p:cNvPr>
-          <p:cNvSpPr txBox="1"/>
-          <p:nvPr/>
-        </p:nvSpPr>
-        <p:spPr>
-          <a:xfrm>
-            <a:off x="1857629" y="3105834"/>
-            <a:ext cx="486034" cy="646331"/>
-          </a:xfrm>
-          <a:prstGeom prst="rect">
-            <a:avLst/>
-          </a:prstGeom>
-          <a:noFill/>
-        </p:spPr>
-        <p:txBody>
-          <a:bodyPr wrap="square" rtlCol="0">
-            <a:spAutoFit/>
-          </a:bodyPr>
-          <a:lstStyle/>
-          <a:p>
-            <a:pPr algn="ctr"/>
-            <a:r>
-              <a:rPr lang="en-US" sz="3600" dirty="0"/>
-              <a:t>X</a:t>
-            </a:r>
-          </a:p>
-        </p:txBody>
-      </p:sp>
-      <p:cxnSp>
-        <p:nvCxnSpPr>
-          <p:cNvPr id="10" name="Straight Arrow Connector 9">
-            <a:extLst>
-              <a:ext uri="{FF2B5EF4-FFF2-40B4-BE49-F238E27FC236}">
-                <a16:creationId xmlns:a16="http://schemas.microsoft.com/office/drawing/2014/main" id="{6789ECBF-A84F-B84E-953F-3B1649BA6D84}"/>
-              </a:ext>
-            </a:extLst>
-          </p:cNvPr>
-          <p:cNvCxnSpPr>
-            <a:cxnSpLocks/>
-            <a:stCxn id="8" idx="3"/>
-            <a:endCxn id="14" idx="1"/>
-          </p:cNvCxnSpPr>
-          <p:nvPr/>
-        </p:nvCxnSpPr>
-        <p:spPr>
-          <a:xfrm>
-            <a:off x="2343663" y="3429000"/>
-            <a:ext cx="3369275" cy="0"/>
-          </a:xfrm>
-          <a:prstGeom prst="straightConnector1">
-            <a:avLst/>
-          </a:prstGeom>
-          <a:ln w="38100">
-            <a:solidFill>
-              <a:schemeClr val="tx1"/>
-            </a:solidFill>
-            <a:tailEnd type="triangle"/>
-          </a:ln>
-        </p:spPr>
-        <p:style>
-          <a:lnRef idx="1">
-            <a:schemeClr val="accent1"/>
-          </a:lnRef>
-          <a:fillRef idx="0">
-            <a:schemeClr val="accent1"/>
-          </a:fillRef>
-          <a:effectRef idx="0">
-            <a:schemeClr val="accent1"/>
-          </a:effectRef>
-          <a:fontRef idx="minor">
-            <a:schemeClr val="tx1"/>
-          </a:fontRef>
-        </p:style>
-      </p:cxnSp>
-      <p:cxnSp>
-        <p:nvCxnSpPr>
-          <p:cNvPr id="12" name="Straight Arrow Connector 11">
-            <a:extLst>
-              <a:ext uri="{FF2B5EF4-FFF2-40B4-BE49-F238E27FC236}">
-                <a16:creationId xmlns:a16="http://schemas.microsoft.com/office/drawing/2014/main" id="{DEF6E3E1-D0F0-F14E-A8DB-74DE3D3A4A42}"/>
-              </a:ext>
-            </a:extLst>
-          </p:cNvPr>
-          <p:cNvCxnSpPr>
-            <a:cxnSpLocks/>
-            <a:stCxn id="14" idx="3"/>
-            <a:endCxn id="15" idx="1"/>
-          </p:cNvCxnSpPr>
-          <p:nvPr/>
-        </p:nvCxnSpPr>
-        <p:spPr>
-          <a:xfrm>
-            <a:off x="6198972" y="3429000"/>
-            <a:ext cx="3319847" cy="0"/>
-          </a:xfrm>
-          <a:prstGeom prst="straightConnector1">
-            <a:avLst/>
-          </a:prstGeom>
-          <a:ln w="38100">
-            <a:solidFill>
-              <a:schemeClr val="tx1"/>
-            </a:solidFill>
-            <a:tailEnd type="triangle"/>
-          </a:ln>
-        </p:spPr>
-        <p:style>
-          <a:lnRef idx="1">
-            <a:schemeClr val="accent1"/>
-          </a:lnRef>
-          <a:fillRef idx="0">
-            <a:schemeClr val="accent1"/>
-          </a:fillRef>
-          <a:effectRef idx="0">
-            <a:schemeClr val="accent1"/>
-          </a:effectRef>
-          <a:fontRef idx="minor">
-            <a:schemeClr val="tx1"/>
-          </a:fontRef>
-        </p:style>
-      </p:cxnSp>
-      <p:sp>
-        <p:nvSpPr>
-          <p:cNvPr id="14" name="TextBox 13">
-            <a:extLst>
-              <a:ext uri="{FF2B5EF4-FFF2-40B4-BE49-F238E27FC236}">
-                <a16:creationId xmlns:a16="http://schemas.microsoft.com/office/drawing/2014/main" id="{73FB80DC-C79E-ED46-B12B-48BC31A4E4E4}"/>
-              </a:ext>
-            </a:extLst>
-          </p:cNvPr>
-          <p:cNvSpPr txBox="1"/>
-          <p:nvPr/>
-        </p:nvSpPr>
-        <p:spPr>
-          <a:xfrm>
-            <a:off x="5712938" y="3105834"/>
-            <a:ext cx="486034" cy="646331"/>
-          </a:xfrm>
-          <a:prstGeom prst="rect">
-            <a:avLst/>
-          </a:prstGeom>
-          <a:noFill/>
-        </p:spPr>
-        <p:txBody>
-          <a:bodyPr wrap="square" rtlCol="0">
-            <a:spAutoFit/>
-          </a:bodyPr>
-          <a:lstStyle/>
-          <a:p>
-            <a:pPr algn="ctr"/>
-            <a:r>
-              <a:rPr lang="en-US" sz="3600" dirty="0"/>
-              <a:t>Y</a:t>
-            </a:r>
-          </a:p>
-        </p:txBody>
-      </p:sp>
-      <p:sp>
-        <p:nvSpPr>
-          <p:cNvPr id="15" name="TextBox 14">
-            <a:extLst>
-              <a:ext uri="{FF2B5EF4-FFF2-40B4-BE49-F238E27FC236}">
-                <a16:creationId xmlns:a16="http://schemas.microsoft.com/office/drawing/2014/main" id="{B4791219-A3C1-3048-9F75-C40BFAB1FCC8}"/>
-              </a:ext>
-            </a:extLst>
-          </p:cNvPr>
-          <p:cNvSpPr txBox="1"/>
-          <p:nvPr/>
-        </p:nvSpPr>
-        <p:spPr>
-          <a:xfrm>
-            <a:off x="9518819" y="3105834"/>
-            <a:ext cx="486034" cy="646331"/>
-          </a:xfrm>
-          <a:prstGeom prst="rect">
-            <a:avLst/>
-          </a:prstGeom>
-          <a:noFill/>
-        </p:spPr>
-        <p:txBody>
-          <a:bodyPr wrap="square" rtlCol="0">
-            <a:spAutoFit/>
-          </a:bodyPr>
-          <a:lstStyle/>
-          <a:p>
-            <a:pPr algn="ctr"/>
-            <a:r>
-              <a:rPr lang="en-US" sz="3600" dirty="0"/>
-              <a:t>Z</a:t>
-            </a:r>
-          </a:p>
-        </p:txBody>
-      </p:sp>
-    </p:spTree>
-    <p:extLst>
-      <p:ext uri="{BB962C8B-B14F-4D97-AF65-F5344CB8AC3E}">
-        <p14:creationId xmlns:p14="http://schemas.microsoft.com/office/powerpoint/2010/main" val="120999080"/>
-      </p:ext>
-    </p:extLst>
-  </p:cSld>
-  <p:clrMapOvr>
-    <a:masterClrMapping/>
-  </p:clrMapOvr>
-</p:sld>
-</file>
-
-<file path=ppt/slides/slide11.xml><?xml version="1.0" encoding="utf-8"?>
-<p:sld xmlns:a="http://schemas.openxmlformats.org/drawingml/2006/main" xmlns:r="http://schemas.openxmlformats.org/officeDocument/2006/relationships" xmlns:p="http://schemas.openxmlformats.org/presentationml/2006/main">
-  <p:cSld>
-    <p:spTree>
-      <p:nvGrpSpPr>
-        <p:cNvPr id="1" name=""/>
-        <p:cNvGrpSpPr/>
-        <p:nvPr/>
-      </p:nvGrpSpPr>
-      <p:grpSpPr>
-        <a:xfrm>
-          <a:off x="0" y="0"/>
-          <a:ext cx="0" cy="0"/>
-          <a:chOff x="0" y="0"/>
-          <a:chExt cx="0" cy="0"/>
-        </a:xfrm>
-      </p:grpSpPr>
-      <p:sp>
-        <p:nvSpPr>
-          <p:cNvPr id="2" name="Title 1">
-            <a:extLst>
-              <a:ext uri="{FF2B5EF4-FFF2-40B4-BE49-F238E27FC236}">
-                <a16:creationId xmlns:a16="http://schemas.microsoft.com/office/drawing/2014/main" id="{CFB15DD3-BDA6-C840-A13C-B37B2A7D7F21}"/>
-              </a:ext>
-            </a:extLst>
-          </p:cNvPr>
-          <p:cNvSpPr>
-            <a:spLocks noGrp="1"/>
-          </p:cNvSpPr>
-          <p:nvPr>
-            <p:ph type="title"/>
-          </p:nvPr>
-        </p:nvSpPr>
-        <p:spPr/>
-        <p:txBody>
-          <a:bodyPr/>
-          <a:lstStyle/>
-          <a:p>
-            <a:r>
-              <a:rPr lang="en-US" dirty="0"/>
-              <a:t>Basic DAG structures – Colliders</a:t>
-            </a:r>
-          </a:p>
-        </p:txBody>
-      </p:sp>
-      <p:sp>
-        <p:nvSpPr>
-          <p:cNvPr id="8" name="TextBox 7">
-            <a:extLst>
-              <a:ext uri="{FF2B5EF4-FFF2-40B4-BE49-F238E27FC236}">
-                <a16:creationId xmlns:a16="http://schemas.microsoft.com/office/drawing/2014/main" id="{AA8329A4-47FB-3646-9FB7-1D2BD51DE441}"/>
-              </a:ext>
-            </a:extLst>
-          </p:cNvPr>
-          <p:cNvSpPr txBox="1"/>
-          <p:nvPr/>
-        </p:nvSpPr>
-        <p:spPr>
-          <a:xfrm>
-            <a:off x="1857629" y="3105834"/>
-            <a:ext cx="486034" cy="646331"/>
-          </a:xfrm>
-          <a:prstGeom prst="rect">
-            <a:avLst/>
-          </a:prstGeom>
-          <a:noFill/>
-        </p:spPr>
-        <p:txBody>
-          <a:bodyPr wrap="square" rtlCol="0">
-            <a:spAutoFit/>
-          </a:bodyPr>
-          <a:lstStyle/>
-          <a:p>
-            <a:pPr algn="ctr"/>
-            <a:r>
-              <a:rPr lang="en-US" sz="3600" dirty="0"/>
-              <a:t>X</a:t>
-            </a:r>
-          </a:p>
-        </p:txBody>
-      </p:sp>
-      <p:cxnSp>
-        <p:nvCxnSpPr>
-          <p:cNvPr id="10" name="Straight Arrow Connector 9">
-            <a:extLst>
-              <a:ext uri="{FF2B5EF4-FFF2-40B4-BE49-F238E27FC236}">
-                <a16:creationId xmlns:a16="http://schemas.microsoft.com/office/drawing/2014/main" id="{6789ECBF-A84F-B84E-953F-3B1649BA6D84}"/>
-              </a:ext>
-            </a:extLst>
-          </p:cNvPr>
-          <p:cNvCxnSpPr>
-            <a:cxnSpLocks/>
-            <a:stCxn id="8" idx="3"/>
-            <a:endCxn id="14" idx="1"/>
-          </p:cNvCxnSpPr>
-          <p:nvPr/>
-        </p:nvCxnSpPr>
-        <p:spPr>
-          <a:xfrm>
-            <a:off x="2343663" y="3429000"/>
-            <a:ext cx="3369275" cy="0"/>
-          </a:xfrm>
-          <a:prstGeom prst="straightConnector1">
-            <a:avLst/>
-          </a:prstGeom>
-          <a:ln w="38100">
-            <a:solidFill>
-              <a:schemeClr val="tx1"/>
-            </a:solidFill>
-            <a:tailEnd type="triangle"/>
-          </a:ln>
-        </p:spPr>
-        <p:style>
-          <a:lnRef idx="1">
-            <a:schemeClr val="accent1"/>
-          </a:lnRef>
-          <a:fillRef idx="0">
-            <a:schemeClr val="accent1"/>
-          </a:fillRef>
-          <a:effectRef idx="0">
-            <a:schemeClr val="accent1"/>
-          </a:effectRef>
-          <a:fontRef idx="minor">
-            <a:schemeClr val="tx1"/>
-          </a:fontRef>
-        </p:style>
-      </p:cxnSp>
-      <p:cxnSp>
-        <p:nvCxnSpPr>
-          <p:cNvPr id="12" name="Straight Arrow Connector 11">
-            <a:extLst>
-              <a:ext uri="{FF2B5EF4-FFF2-40B4-BE49-F238E27FC236}">
-                <a16:creationId xmlns:a16="http://schemas.microsoft.com/office/drawing/2014/main" id="{DEF6E3E1-D0F0-F14E-A8DB-74DE3D3A4A42}"/>
-              </a:ext>
-            </a:extLst>
-          </p:cNvPr>
-          <p:cNvCxnSpPr>
-            <a:cxnSpLocks/>
-            <a:stCxn id="14" idx="3"/>
-            <a:endCxn id="15" idx="1"/>
-          </p:cNvCxnSpPr>
-          <p:nvPr/>
-        </p:nvCxnSpPr>
-        <p:spPr>
-          <a:xfrm>
-            <a:off x="6198972" y="3429000"/>
-            <a:ext cx="3319847" cy="0"/>
-          </a:xfrm>
-          <a:prstGeom prst="straightConnector1">
-            <a:avLst/>
-          </a:prstGeom>
-          <a:ln w="38100">
-            <a:solidFill>
-              <a:schemeClr val="tx1"/>
-            </a:solidFill>
-            <a:headEnd type="triangle" w="med" len="med"/>
-            <a:tailEnd type="none" w="med" len="med"/>
-          </a:ln>
-        </p:spPr>
-        <p:style>
-          <a:lnRef idx="1">
-            <a:schemeClr val="accent1"/>
-          </a:lnRef>
-          <a:fillRef idx="0">
-            <a:schemeClr val="accent1"/>
-          </a:fillRef>
-          <a:effectRef idx="0">
-            <a:schemeClr val="accent1"/>
-          </a:effectRef>
-          <a:fontRef idx="minor">
-            <a:schemeClr val="tx1"/>
-          </a:fontRef>
-        </p:style>
-      </p:cxnSp>
-      <p:sp>
-        <p:nvSpPr>
-          <p:cNvPr id="14" name="TextBox 13">
-            <a:extLst>
-              <a:ext uri="{FF2B5EF4-FFF2-40B4-BE49-F238E27FC236}">
-                <a16:creationId xmlns:a16="http://schemas.microsoft.com/office/drawing/2014/main" id="{73FB80DC-C79E-ED46-B12B-48BC31A4E4E4}"/>
-              </a:ext>
-            </a:extLst>
-          </p:cNvPr>
-          <p:cNvSpPr txBox="1"/>
-          <p:nvPr/>
-        </p:nvSpPr>
-        <p:spPr>
-          <a:xfrm>
-            <a:off x="5712938" y="3105834"/>
-            <a:ext cx="486034" cy="646331"/>
-          </a:xfrm>
-          <a:prstGeom prst="rect">
-            <a:avLst/>
-          </a:prstGeom>
-          <a:noFill/>
-        </p:spPr>
-        <p:txBody>
-          <a:bodyPr wrap="square" rtlCol="0">
-            <a:spAutoFit/>
-          </a:bodyPr>
-          <a:lstStyle/>
-          <a:p>
-            <a:pPr algn="ctr"/>
-            <a:r>
-              <a:rPr lang="en-US" sz="3600" dirty="0"/>
-              <a:t>Y</a:t>
-            </a:r>
-          </a:p>
-        </p:txBody>
-      </p:sp>
-      <p:sp>
-        <p:nvSpPr>
-          <p:cNvPr id="15" name="TextBox 14">
-            <a:extLst>
-              <a:ext uri="{FF2B5EF4-FFF2-40B4-BE49-F238E27FC236}">
-                <a16:creationId xmlns:a16="http://schemas.microsoft.com/office/drawing/2014/main" id="{B4791219-A3C1-3048-9F75-C40BFAB1FCC8}"/>
-              </a:ext>
-            </a:extLst>
-          </p:cNvPr>
-          <p:cNvSpPr txBox="1"/>
-          <p:nvPr/>
-        </p:nvSpPr>
-        <p:spPr>
-          <a:xfrm>
-            <a:off x="9518819" y="3105834"/>
-            <a:ext cx="486034" cy="646331"/>
-          </a:xfrm>
-          <a:prstGeom prst="rect">
-            <a:avLst/>
-          </a:prstGeom>
-          <a:noFill/>
-        </p:spPr>
-        <p:txBody>
-          <a:bodyPr wrap="square" rtlCol="0">
-            <a:spAutoFit/>
-          </a:bodyPr>
-          <a:lstStyle/>
-          <a:p>
-            <a:pPr algn="ctr"/>
-            <a:r>
-              <a:rPr lang="en-US" sz="3600" dirty="0"/>
-              <a:t>Z</a:t>
-            </a:r>
-          </a:p>
-        </p:txBody>
-      </p:sp>
-    </p:spTree>
-    <p:extLst>
-      <p:ext uri="{BB962C8B-B14F-4D97-AF65-F5344CB8AC3E}">
-        <p14:creationId xmlns:p14="http://schemas.microsoft.com/office/powerpoint/2010/main" val="359291753"/>
-      </p:ext>
-    </p:extLst>
-  </p:cSld>
-  <p:clrMapOvr>
-    <a:masterClrMapping/>
-  </p:clrMapOvr>
-</p:sld>
-</file>
-
-<file path=ppt/slides/slide12.xml><?xml version="1.0" encoding="utf-8"?>
-<p:sld xmlns:a="http://schemas.openxmlformats.org/drawingml/2006/main" xmlns:r="http://schemas.openxmlformats.org/officeDocument/2006/relationships" xmlns:p="http://schemas.openxmlformats.org/presentationml/2006/main">
-  <p:cSld>
-    <p:spTree>
-      <p:nvGrpSpPr>
-        <p:cNvPr id="1" name=""/>
-        <p:cNvGrpSpPr/>
-        <p:nvPr/>
-      </p:nvGrpSpPr>
-      <p:grpSpPr>
-        <a:xfrm>
-          <a:off x="0" y="0"/>
-          <a:ext cx="0" cy="0"/>
-          <a:chOff x="0" y="0"/>
-          <a:chExt cx="0" cy="0"/>
-        </a:xfrm>
-      </p:grpSpPr>
-      <p:sp>
-        <p:nvSpPr>
-          <p:cNvPr id="2" name="Title 1">
-            <a:extLst>
-              <a:ext uri="{FF2B5EF4-FFF2-40B4-BE49-F238E27FC236}">
-                <a16:creationId xmlns:a16="http://schemas.microsoft.com/office/drawing/2014/main" id="{CFB15DD3-BDA6-C840-A13C-B37B2A7D7F21}"/>
-              </a:ext>
-            </a:extLst>
-          </p:cNvPr>
-          <p:cNvSpPr>
-            <a:spLocks noGrp="1"/>
-          </p:cNvSpPr>
-          <p:nvPr>
-            <p:ph type="title"/>
-          </p:nvPr>
-        </p:nvSpPr>
-        <p:spPr/>
-        <p:txBody>
-          <a:bodyPr/>
-          <a:lstStyle/>
-          <a:p>
-            <a:r>
-              <a:rPr lang="en-US" dirty="0"/>
-              <a:t>Basic DAG structures – Colliders</a:t>
-            </a:r>
-          </a:p>
-        </p:txBody>
-      </p:sp>
-      <p:sp>
-        <p:nvSpPr>
-          <p:cNvPr id="8" name="TextBox 7">
-            <a:extLst>
-              <a:ext uri="{FF2B5EF4-FFF2-40B4-BE49-F238E27FC236}">
-                <a16:creationId xmlns:a16="http://schemas.microsoft.com/office/drawing/2014/main" id="{AA8329A4-47FB-3646-9FB7-1D2BD51DE441}"/>
-              </a:ext>
-            </a:extLst>
-          </p:cNvPr>
-          <p:cNvSpPr txBox="1"/>
-          <p:nvPr/>
-        </p:nvSpPr>
-        <p:spPr>
-          <a:xfrm>
-            <a:off x="1857629" y="3105834"/>
-            <a:ext cx="486034" cy="646331"/>
-          </a:xfrm>
-          <a:prstGeom prst="rect">
-            <a:avLst/>
-          </a:prstGeom>
-          <a:noFill/>
-        </p:spPr>
-        <p:txBody>
-          <a:bodyPr wrap="square" rtlCol="0">
-            <a:spAutoFit/>
-          </a:bodyPr>
-          <a:lstStyle/>
-          <a:p>
-            <a:pPr algn="ctr"/>
-            <a:r>
-              <a:rPr lang="en-US" sz="3600" dirty="0"/>
-              <a:t>X</a:t>
-            </a:r>
-          </a:p>
-        </p:txBody>
-      </p:sp>
-      <p:cxnSp>
-        <p:nvCxnSpPr>
-          <p:cNvPr id="10" name="Straight Arrow Connector 9">
-            <a:extLst>
-              <a:ext uri="{FF2B5EF4-FFF2-40B4-BE49-F238E27FC236}">
-                <a16:creationId xmlns:a16="http://schemas.microsoft.com/office/drawing/2014/main" id="{6789ECBF-A84F-B84E-953F-3B1649BA6D84}"/>
-              </a:ext>
-            </a:extLst>
-          </p:cNvPr>
-          <p:cNvCxnSpPr>
-            <a:cxnSpLocks/>
-            <a:stCxn id="8" idx="3"/>
-            <a:endCxn id="14" idx="1"/>
-          </p:cNvCxnSpPr>
-          <p:nvPr/>
-        </p:nvCxnSpPr>
-        <p:spPr>
-          <a:xfrm>
-            <a:off x="2343663" y="3429000"/>
-            <a:ext cx="3369275" cy="0"/>
-          </a:xfrm>
-          <a:prstGeom prst="straightConnector1">
-            <a:avLst/>
-          </a:prstGeom>
-          <a:ln w="38100">
-            <a:solidFill>
-              <a:schemeClr val="tx1"/>
-            </a:solidFill>
-            <a:tailEnd type="triangle"/>
-          </a:ln>
-        </p:spPr>
-        <p:style>
-          <a:lnRef idx="1">
-            <a:schemeClr val="accent1"/>
-          </a:lnRef>
-          <a:fillRef idx="0">
-            <a:schemeClr val="accent1"/>
-          </a:fillRef>
-          <a:effectRef idx="0">
-            <a:schemeClr val="accent1"/>
-          </a:effectRef>
-          <a:fontRef idx="minor">
-            <a:schemeClr val="tx1"/>
-          </a:fontRef>
-        </p:style>
-      </p:cxnSp>
-      <p:cxnSp>
-        <p:nvCxnSpPr>
-          <p:cNvPr id="12" name="Straight Arrow Connector 11">
-            <a:extLst>
-              <a:ext uri="{FF2B5EF4-FFF2-40B4-BE49-F238E27FC236}">
-                <a16:creationId xmlns:a16="http://schemas.microsoft.com/office/drawing/2014/main" id="{DEF6E3E1-D0F0-F14E-A8DB-74DE3D3A4A42}"/>
-              </a:ext>
-            </a:extLst>
-          </p:cNvPr>
-          <p:cNvCxnSpPr>
-            <a:cxnSpLocks/>
-            <a:stCxn id="14" idx="3"/>
-            <a:endCxn id="15" idx="1"/>
-          </p:cNvCxnSpPr>
-          <p:nvPr/>
-        </p:nvCxnSpPr>
-        <p:spPr>
-          <a:xfrm>
-            <a:off x="6198972" y="3429000"/>
-            <a:ext cx="3319847" cy="0"/>
-          </a:xfrm>
-          <a:prstGeom prst="straightConnector1">
-            <a:avLst/>
-          </a:prstGeom>
-          <a:ln w="38100">
-            <a:solidFill>
-              <a:schemeClr val="tx1"/>
-            </a:solidFill>
-            <a:headEnd type="triangle" w="med" len="med"/>
-            <a:tailEnd type="none" w="med" len="med"/>
-          </a:ln>
-        </p:spPr>
-        <p:style>
-          <a:lnRef idx="1">
-            <a:schemeClr val="accent1"/>
-          </a:lnRef>
-          <a:fillRef idx="0">
-            <a:schemeClr val="accent1"/>
-          </a:fillRef>
-          <a:effectRef idx="0">
-            <a:schemeClr val="accent1"/>
-          </a:effectRef>
-          <a:fontRef idx="minor">
-            <a:schemeClr val="tx1"/>
-          </a:fontRef>
-        </p:style>
-      </p:cxnSp>
-      <p:sp>
-        <p:nvSpPr>
-          <p:cNvPr id="14" name="TextBox 13">
-            <a:extLst>
-              <a:ext uri="{FF2B5EF4-FFF2-40B4-BE49-F238E27FC236}">
-                <a16:creationId xmlns:a16="http://schemas.microsoft.com/office/drawing/2014/main" id="{73FB80DC-C79E-ED46-B12B-48BC31A4E4E4}"/>
-              </a:ext>
-            </a:extLst>
-          </p:cNvPr>
-          <p:cNvSpPr txBox="1"/>
-          <p:nvPr/>
-        </p:nvSpPr>
-        <p:spPr>
-          <a:xfrm>
-            <a:off x="5712938" y="3105834"/>
-            <a:ext cx="486034" cy="646331"/>
-          </a:xfrm>
-          <a:prstGeom prst="rect">
-            <a:avLst/>
-          </a:prstGeom>
-          <a:noFill/>
-        </p:spPr>
-        <p:txBody>
-          <a:bodyPr wrap="square" rtlCol="0">
-            <a:spAutoFit/>
-          </a:bodyPr>
-          <a:lstStyle/>
-          <a:p>
-            <a:pPr algn="ctr"/>
-            <a:r>
-              <a:rPr lang="en-US" sz="3600" dirty="0"/>
-              <a:t>Y</a:t>
-            </a:r>
-          </a:p>
-        </p:txBody>
-      </p:sp>
-      <p:sp>
-        <p:nvSpPr>
-          <p:cNvPr id="15" name="TextBox 14">
-            <a:extLst>
-              <a:ext uri="{FF2B5EF4-FFF2-40B4-BE49-F238E27FC236}">
-                <a16:creationId xmlns:a16="http://schemas.microsoft.com/office/drawing/2014/main" id="{B4791219-A3C1-3048-9F75-C40BFAB1FCC8}"/>
-              </a:ext>
-            </a:extLst>
-          </p:cNvPr>
-          <p:cNvSpPr txBox="1"/>
-          <p:nvPr/>
-        </p:nvSpPr>
-        <p:spPr>
-          <a:xfrm>
-            <a:off x="9518819" y="3105834"/>
-            <a:ext cx="486034" cy="646331"/>
-          </a:xfrm>
-          <a:prstGeom prst="rect">
-            <a:avLst/>
-          </a:prstGeom>
-          <a:noFill/>
-        </p:spPr>
-        <p:txBody>
-          <a:bodyPr wrap="square" rtlCol="0">
-            <a:spAutoFit/>
-          </a:bodyPr>
-          <a:lstStyle/>
-          <a:p>
-            <a:pPr algn="ctr"/>
-            <a:r>
-              <a:rPr lang="en-US" sz="3600" dirty="0"/>
-              <a:t>Z</a:t>
-            </a:r>
-          </a:p>
-        </p:txBody>
-      </p:sp>
-      <p:sp>
-        <p:nvSpPr>
-          <p:cNvPr id="9" name="TextBox 8">
-            <a:extLst>
-              <a:ext uri="{FF2B5EF4-FFF2-40B4-BE49-F238E27FC236}">
-                <a16:creationId xmlns:a16="http://schemas.microsoft.com/office/drawing/2014/main" id="{E553F114-F844-0D44-85D6-0623D5C7A615}"/>
-              </a:ext>
-            </a:extLst>
-          </p:cNvPr>
-          <p:cNvSpPr txBox="1"/>
-          <p:nvPr/>
-        </p:nvSpPr>
-        <p:spPr>
-          <a:xfrm>
-            <a:off x="5712938" y="4844145"/>
-            <a:ext cx="486034" cy="646331"/>
-          </a:xfrm>
-          <a:prstGeom prst="rect">
-            <a:avLst/>
-          </a:prstGeom>
-          <a:noFill/>
-        </p:spPr>
-        <p:txBody>
-          <a:bodyPr wrap="square" rtlCol="0">
-            <a:spAutoFit/>
-          </a:bodyPr>
-          <a:lstStyle/>
-          <a:p>
-            <a:pPr algn="ctr"/>
-            <a:r>
-              <a:rPr lang="en-US" sz="3600" dirty="0"/>
-              <a:t>W</a:t>
-            </a:r>
-          </a:p>
-        </p:txBody>
-      </p:sp>
-      <p:cxnSp>
-        <p:nvCxnSpPr>
-          <p:cNvPr id="11" name="Straight Arrow Connector 10">
-            <a:extLst>
-              <a:ext uri="{FF2B5EF4-FFF2-40B4-BE49-F238E27FC236}">
-                <a16:creationId xmlns:a16="http://schemas.microsoft.com/office/drawing/2014/main" id="{D81E385E-2C34-BE4D-8958-AF67A8CB5C6C}"/>
-              </a:ext>
-            </a:extLst>
-          </p:cNvPr>
-          <p:cNvCxnSpPr>
-            <a:cxnSpLocks/>
-            <a:stCxn id="14" idx="2"/>
-            <a:endCxn id="9" idx="0"/>
-          </p:cNvCxnSpPr>
-          <p:nvPr/>
-        </p:nvCxnSpPr>
-        <p:spPr>
-          <a:xfrm>
-            <a:off x="5955955" y="3752165"/>
-            <a:ext cx="0" cy="1091980"/>
-          </a:xfrm>
-          <a:prstGeom prst="straightConnector1">
-            <a:avLst/>
-          </a:prstGeom>
-          <a:ln w="38100">
-            <a:solidFill>
-              <a:schemeClr val="tx1"/>
-            </a:solidFill>
-            <a:tailEnd type="triangle"/>
-          </a:ln>
-        </p:spPr>
-        <p:style>
-          <a:lnRef idx="1">
-            <a:schemeClr val="accent1"/>
-          </a:lnRef>
-          <a:fillRef idx="0">
-            <a:schemeClr val="accent1"/>
-          </a:fillRef>
-          <a:effectRef idx="0">
-            <a:schemeClr val="accent1"/>
-          </a:effectRef>
-          <a:fontRef idx="minor">
-            <a:schemeClr val="tx1"/>
-          </a:fontRef>
-        </p:style>
-      </p:cxnSp>
-    </p:spTree>
-    <p:extLst>
-      <p:ext uri="{BB962C8B-B14F-4D97-AF65-F5344CB8AC3E}">
-        <p14:creationId xmlns:p14="http://schemas.microsoft.com/office/powerpoint/2010/main" val="988660679"/>
-      </p:ext>
-    </p:extLst>
-  </p:cSld>
-  <p:clrMapOvr>
-    <a:masterClrMapping/>
-  </p:clrMapOvr>
-</p:sld>
-</file>
-
-<file path=ppt/slides/slide13.xml><?xml version="1.0" encoding="utf-8"?>
-<p:sld xmlns:a="http://schemas.openxmlformats.org/drawingml/2006/main" xmlns:r="http://schemas.openxmlformats.org/officeDocument/2006/relationships" xmlns:p="http://schemas.openxmlformats.org/presentationml/2006/main">
-  <p:cSld>
-    <p:spTree>
-      <p:nvGrpSpPr>
-        <p:cNvPr id="1" name=""/>
-        <p:cNvGrpSpPr/>
-        <p:nvPr/>
-      </p:nvGrpSpPr>
-      <p:grpSpPr>
-        <a:xfrm>
-          <a:off x="0" y="0"/>
-          <a:ext cx="0" cy="0"/>
-          <a:chOff x="0" y="0"/>
-          <a:chExt cx="0" cy="0"/>
-        </a:xfrm>
-      </p:grpSpPr>
-      <p:sp>
-        <p:nvSpPr>
-          <p:cNvPr id="2" name="Title 1">
-            <a:extLst>
-              <a:ext uri="{FF2B5EF4-FFF2-40B4-BE49-F238E27FC236}">
-                <a16:creationId xmlns:a16="http://schemas.microsoft.com/office/drawing/2014/main" id="{CFB15DD3-BDA6-C840-A13C-B37B2A7D7F21}"/>
-              </a:ext>
-            </a:extLst>
-          </p:cNvPr>
-          <p:cNvSpPr>
-            <a:spLocks noGrp="1"/>
-          </p:cNvSpPr>
-          <p:nvPr>
-            <p:ph type="title"/>
-          </p:nvPr>
-        </p:nvSpPr>
-        <p:spPr/>
-        <p:txBody>
-          <a:bodyPr/>
-          <a:lstStyle/>
-          <a:p>
-            <a:r>
-              <a:rPr lang="en-US" dirty="0"/>
-              <a:t>Basic DAG structures – Common Causes</a:t>
-            </a:r>
-          </a:p>
-        </p:txBody>
-      </p:sp>
-      <p:sp>
-        <p:nvSpPr>
-          <p:cNvPr id="8" name="TextBox 7">
-            <a:extLst>
-              <a:ext uri="{FF2B5EF4-FFF2-40B4-BE49-F238E27FC236}">
-                <a16:creationId xmlns:a16="http://schemas.microsoft.com/office/drawing/2014/main" id="{AA8329A4-47FB-3646-9FB7-1D2BD51DE441}"/>
-              </a:ext>
-            </a:extLst>
-          </p:cNvPr>
-          <p:cNvSpPr txBox="1"/>
-          <p:nvPr/>
-        </p:nvSpPr>
-        <p:spPr>
-          <a:xfrm>
-            <a:off x="1894698" y="4180872"/>
-            <a:ext cx="486034" cy="646331"/>
-          </a:xfrm>
-          <a:prstGeom prst="rect">
-            <a:avLst/>
-          </a:prstGeom>
-          <a:noFill/>
-        </p:spPr>
-        <p:txBody>
-          <a:bodyPr wrap="square" rtlCol="0">
-            <a:spAutoFit/>
-          </a:bodyPr>
-          <a:lstStyle/>
-          <a:p>
-            <a:pPr algn="ctr"/>
-            <a:r>
-              <a:rPr lang="en-US" sz="3600" dirty="0"/>
-              <a:t>X</a:t>
-            </a:r>
-          </a:p>
-        </p:txBody>
-      </p:sp>
-      <p:cxnSp>
-        <p:nvCxnSpPr>
-          <p:cNvPr id="10" name="Straight Arrow Connector 9">
-            <a:extLst>
-              <a:ext uri="{FF2B5EF4-FFF2-40B4-BE49-F238E27FC236}">
-                <a16:creationId xmlns:a16="http://schemas.microsoft.com/office/drawing/2014/main" id="{6789ECBF-A84F-B84E-953F-3B1649BA6D84}"/>
-              </a:ext>
-            </a:extLst>
-          </p:cNvPr>
-          <p:cNvCxnSpPr>
-            <a:cxnSpLocks/>
-            <a:stCxn id="8" idx="3"/>
-            <a:endCxn id="14" idx="2"/>
-          </p:cNvCxnSpPr>
-          <p:nvPr/>
-        </p:nvCxnSpPr>
-        <p:spPr>
-          <a:xfrm flipV="1">
-            <a:off x="2380732" y="3233182"/>
-            <a:ext cx="3587579" cy="1270856"/>
-          </a:xfrm>
-          <a:prstGeom prst="straightConnector1">
-            <a:avLst/>
-          </a:prstGeom>
-          <a:ln w="38100">
-            <a:solidFill>
-              <a:schemeClr val="tx1"/>
-            </a:solidFill>
-            <a:headEnd type="triangle" w="med" len="med"/>
-            <a:tailEnd type="none" w="med" len="med"/>
-          </a:ln>
-        </p:spPr>
-        <p:style>
-          <a:lnRef idx="1">
-            <a:schemeClr val="accent1"/>
-          </a:lnRef>
-          <a:fillRef idx="0">
-            <a:schemeClr val="accent1"/>
-          </a:fillRef>
-          <a:effectRef idx="0">
-            <a:schemeClr val="accent1"/>
-          </a:effectRef>
-          <a:fontRef idx="minor">
-            <a:schemeClr val="tx1"/>
-          </a:fontRef>
-        </p:style>
-      </p:cxnSp>
-      <p:cxnSp>
-        <p:nvCxnSpPr>
-          <p:cNvPr id="12" name="Straight Arrow Connector 11">
-            <a:extLst>
-              <a:ext uri="{FF2B5EF4-FFF2-40B4-BE49-F238E27FC236}">
-                <a16:creationId xmlns:a16="http://schemas.microsoft.com/office/drawing/2014/main" id="{DEF6E3E1-D0F0-F14E-A8DB-74DE3D3A4A42}"/>
-              </a:ext>
-            </a:extLst>
-          </p:cNvPr>
-          <p:cNvCxnSpPr>
-            <a:cxnSpLocks/>
-            <a:stCxn id="14" idx="2"/>
-            <a:endCxn id="15" idx="1"/>
-          </p:cNvCxnSpPr>
-          <p:nvPr/>
-        </p:nvCxnSpPr>
-        <p:spPr>
-          <a:xfrm>
-            <a:off x="5968311" y="3233182"/>
-            <a:ext cx="3381635" cy="1278924"/>
-          </a:xfrm>
-          <a:prstGeom prst="straightConnector1">
-            <a:avLst/>
-          </a:prstGeom>
-          <a:ln w="38100">
-            <a:solidFill>
-              <a:schemeClr val="tx1"/>
-            </a:solidFill>
-            <a:headEnd type="none" w="med" len="med"/>
-            <a:tailEnd type="triangle" w="med" len="med"/>
-          </a:ln>
-        </p:spPr>
-        <p:style>
-          <a:lnRef idx="1">
-            <a:schemeClr val="accent1"/>
-          </a:lnRef>
-          <a:fillRef idx="0">
-            <a:schemeClr val="accent1"/>
-          </a:fillRef>
-          <a:effectRef idx="0">
-            <a:schemeClr val="accent1"/>
-          </a:effectRef>
-          <a:fontRef idx="minor">
-            <a:schemeClr val="tx1"/>
-          </a:fontRef>
-        </p:style>
-      </p:cxnSp>
-      <p:sp>
-        <p:nvSpPr>
-          <p:cNvPr id="14" name="TextBox 13">
-            <a:extLst>
-              <a:ext uri="{FF2B5EF4-FFF2-40B4-BE49-F238E27FC236}">
-                <a16:creationId xmlns:a16="http://schemas.microsoft.com/office/drawing/2014/main" id="{73FB80DC-C79E-ED46-B12B-48BC31A4E4E4}"/>
-              </a:ext>
-            </a:extLst>
-          </p:cNvPr>
-          <p:cNvSpPr txBox="1"/>
-          <p:nvPr/>
-        </p:nvSpPr>
-        <p:spPr>
-          <a:xfrm>
-            <a:off x="5725294" y="2586851"/>
-            <a:ext cx="486034" cy="646331"/>
-          </a:xfrm>
-          <a:prstGeom prst="rect">
-            <a:avLst/>
-          </a:prstGeom>
-          <a:noFill/>
-        </p:spPr>
-        <p:txBody>
-          <a:bodyPr wrap="square" rtlCol="0">
-            <a:spAutoFit/>
-          </a:bodyPr>
-          <a:lstStyle/>
-          <a:p>
-            <a:pPr algn="ctr"/>
-            <a:r>
-              <a:rPr lang="en-US" sz="3600" dirty="0"/>
-              <a:t>Y</a:t>
-            </a:r>
-          </a:p>
-        </p:txBody>
-      </p:sp>
-      <p:sp>
-        <p:nvSpPr>
-          <p:cNvPr id="15" name="TextBox 14">
-            <a:extLst>
-              <a:ext uri="{FF2B5EF4-FFF2-40B4-BE49-F238E27FC236}">
-                <a16:creationId xmlns:a16="http://schemas.microsoft.com/office/drawing/2014/main" id="{B4791219-A3C1-3048-9F75-C40BFAB1FCC8}"/>
-              </a:ext>
-            </a:extLst>
-          </p:cNvPr>
-          <p:cNvSpPr txBox="1"/>
-          <p:nvPr/>
-        </p:nvSpPr>
-        <p:spPr>
-          <a:xfrm>
-            <a:off x="9349946" y="4188940"/>
-            <a:ext cx="486034" cy="646331"/>
-          </a:xfrm>
-          <a:prstGeom prst="rect">
-            <a:avLst/>
-          </a:prstGeom>
-          <a:noFill/>
-        </p:spPr>
-        <p:txBody>
-          <a:bodyPr wrap="square" rtlCol="0">
-            <a:spAutoFit/>
-          </a:bodyPr>
-          <a:lstStyle/>
-          <a:p>
-            <a:pPr algn="ctr"/>
-            <a:r>
-              <a:rPr lang="en-US" sz="3600" dirty="0"/>
-              <a:t>Z</a:t>
-            </a:r>
-          </a:p>
-        </p:txBody>
-      </p:sp>
-    </p:spTree>
-    <p:extLst>
-      <p:ext uri="{BB962C8B-B14F-4D97-AF65-F5344CB8AC3E}">
-        <p14:creationId xmlns:p14="http://schemas.microsoft.com/office/powerpoint/2010/main" val="454397568"/>
-      </p:ext>
-    </p:extLst>
-  </p:cSld>
-  <p:clrMapOvr>
-    <a:masterClrMapping/>
-  </p:clrMapOvr>
-</p:sld>
-</file>
-
-<file path=ppt/slides/slide14.xml><?xml version="1.0" encoding="utf-8"?>
-<p:sld xmlns:a="http://schemas.openxmlformats.org/drawingml/2006/main" xmlns:r="http://schemas.openxmlformats.org/officeDocument/2006/relationships" xmlns:p="http://schemas.openxmlformats.org/presentationml/2006/main">
-  <p:cSld>
-    <p:spTree>
-      <p:nvGrpSpPr>
-        <p:cNvPr id="1" name=""/>
-        <p:cNvGrpSpPr/>
-        <p:nvPr/>
-      </p:nvGrpSpPr>
-      <p:grpSpPr>
-        <a:xfrm>
-          <a:off x="0" y="0"/>
-          <a:ext cx="0" cy="0"/>
-          <a:chOff x="0" y="0"/>
-          <a:chExt cx="0" cy="0"/>
-        </a:xfrm>
-      </p:grpSpPr>
-      <p:sp>
-        <p:nvSpPr>
-          <p:cNvPr id="2" name="Title 1">
-            <a:extLst>
-              <a:ext uri="{FF2B5EF4-FFF2-40B4-BE49-F238E27FC236}">
-                <a16:creationId xmlns:a16="http://schemas.microsoft.com/office/drawing/2014/main" id="{CFB15DD3-BDA6-C840-A13C-B37B2A7D7F21}"/>
-              </a:ext>
-            </a:extLst>
-          </p:cNvPr>
-          <p:cNvSpPr>
-            <a:spLocks noGrp="1"/>
-          </p:cNvSpPr>
-          <p:nvPr>
-            <p:ph type="title"/>
-          </p:nvPr>
-        </p:nvSpPr>
-        <p:spPr/>
-        <p:txBody>
-          <a:bodyPr/>
-          <a:lstStyle/>
-          <a:p>
-            <a:r>
-              <a:rPr lang="en-US" dirty="0"/>
-              <a:t>Basic DAG structures – Common Effects</a:t>
-            </a:r>
-          </a:p>
-        </p:txBody>
-      </p:sp>
-      <p:sp>
-        <p:nvSpPr>
-          <p:cNvPr id="8" name="TextBox 7">
-            <a:extLst>
-              <a:ext uri="{FF2B5EF4-FFF2-40B4-BE49-F238E27FC236}">
-                <a16:creationId xmlns:a16="http://schemas.microsoft.com/office/drawing/2014/main" id="{AA8329A4-47FB-3646-9FB7-1D2BD51DE441}"/>
-              </a:ext>
-            </a:extLst>
-          </p:cNvPr>
-          <p:cNvSpPr txBox="1"/>
-          <p:nvPr/>
-        </p:nvSpPr>
-        <p:spPr>
-          <a:xfrm>
-            <a:off x="1894698" y="4180872"/>
-            <a:ext cx="486034" cy="646331"/>
-          </a:xfrm>
-          <a:prstGeom prst="rect">
-            <a:avLst/>
-          </a:prstGeom>
-          <a:noFill/>
-        </p:spPr>
-        <p:txBody>
-          <a:bodyPr wrap="square" rtlCol="0">
-            <a:spAutoFit/>
-          </a:bodyPr>
-          <a:lstStyle/>
-          <a:p>
-            <a:pPr algn="ctr"/>
-            <a:r>
-              <a:rPr lang="en-US" sz="3600" dirty="0"/>
-              <a:t>X</a:t>
-            </a:r>
-          </a:p>
-        </p:txBody>
-      </p:sp>
-      <p:cxnSp>
-        <p:nvCxnSpPr>
-          <p:cNvPr id="12" name="Straight Arrow Connector 11">
-            <a:extLst>
-              <a:ext uri="{FF2B5EF4-FFF2-40B4-BE49-F238E27FC236}">
-                <a16:creationId xmlns:a16="http://schemas.microsoft.com/office/drawing/2014/main" id="{DEF6E3E1-D0F0-F14E-A8DB-74DE3D3A4A42}"/>
-              </a:ext>
-            </a:extLst>
-          </p:cNvPr>
-          <p:cNvCxnSpPr>
-            <a:cxnSpLocks/>
-            <a:stCxn id="14" idx="2"/>
-            <a:endCxn id="15" idx="1"/>
-          </p:cNvCxnSpPr>
-          <p:nvPr/>
-        </p:nvCxnSpPr>
-        <p:spPr>
-          <a:xfrm>
-            <a:off x="5968311" y="3233182"/>
-            <a:ext cx="3381635" cy="1278924"/>
-          </a:xfrm>
-          <a:prstGeom prst="straightConnector1">
-            <a:avLst/>
-          </a:prstGeom>
-          <a:ln w="38100">
-            <a:solidFill>
-              <a:schemeClr val="tx1"/>
-            </a:solidFill>
-            <a:headEnd type="none" w="med" len="med"/>
-            <a:tailEnd type="triangle" w="med" len="med"/>
-          </a:ln>
-        </p:spPr>
-        <p:style>
-          <a:lnRef idx="1">
-            <a:schemeClr val="accent1"/>
-          </a:lnRef>
-          <a:fillRef idx="0">
-            <a:schemeClr val="accent1"/>
-          </a:fillRef>
-          <a:effectRef idx="0">
-            <a:schemeClr val="accent1"/>
-          </a:effectRef>
-          <a:fontRef idx="minor">
-            <a:schemeClr val="tx1"/>
-          </a:fontRef>
-        </p:style>
-      </p:cxnSp>
-      <p:sp>
-        <p:nvSpPr>
-          <p:cNvPr id="14" name="TextBox 13">
-            <a:extLst>
-              <a:ext uri="{FF2B5EF4-FFF2-40B4-BE49-F238E27FC236}">
-                <a16:creationId xmlns:a16="http://schemas.microsoft.com/office/drawing/2014/main" id="{73FB80DC-C79E-ED46-B12B-48BC31A4E4E4}"/>
-              </a:ext>
-            </a:extLst>
-          </p:cNvPr>
-          <p:cNvSpPr txBox="1"/>
-          <p:nvPr/>
-        </p:nvSpPr>
-        <p:spPr>
-          <a:xfrm>
-            <a:off x="5725294" y="2586851"/>
-            <a:ext cx="486034" cy="646331"/>
-          </a:xfrm>
-          <a:prstGeom prst="rect">
-            <a:avLst/>
-          </a:prstGeom>
-          <a:noFill/>
-        </p:spPr>
-        <p:txBody>
-          <a:bodyPr wrap="square" rtlCol="0">
-            <a:spAutoFit/>
-          </a:bodyPr>
-          <a:lstStyle/>
-          <a:p>
-            <a:pPr algn="ctr"/>
-            <a:r>
-              <a:rPr lang="en-US" sz="3600" dirty="0"/>
-              <a:t>Y</a:t>
-            </a:r>
-          </a:p>
-        </p:txBody>
-      </p:sp>
-      <p:sp>
-        <p:nvSpPr>
-          <p:cNvPr id="15" name="TextBox 14">
-            <a:extLst>
-              <a:ext uri="{FF2B5EF4-FFF2-40B4-BE49-F238E27FC236}">
-                <a16:creationId xmlns:a16="http://schemas.microsoft.com/office/drawing/2014/main" id="{B4791219-A3C1-3048-9F75-C40BFAB1FCC8}"/>
-              </a:ext>
-            </a:extLst>
-          </p:cNvPr>
-          <p:cNvSpPr txBox="1"/>
-          <p:nvPr/>
-        </p:nvSpPr>
-        <p:spPr>
-          <a:xfrm>
-            <a:off x="9349946" y="4188940"/>
-            <a:ext cx="486034" cy="646331"/>
-          </a:xfrm>
-          <a:prstGeom prst="rect">
-            <a:avLst/>
-          </a:prstGeom>
-          <a:noFill/>
-        </p:spPr>
-        <p:txBody>
-          <a:bodyPr wrap="square" rtlCol="0">
-            <a:spAutoFit/>
-          </a:bodyPr>
-          <a:lstStyle/>
-          <a:p>
-            <a:pPr algn="ctr"/>
-            <a:r>
-              <a:rPr lang="en-US" sz="3600" dirty="0"/>
-              <a:t>Z</a:t>
-            </a:r>
-          </a:p>
-        </p:txBody>
-      </p:sp>
-      <p:cxnSp>
-        <p:nvCxnSpPr>
-          <p:cNvPr id="9" name="Straight Arrow Connector 8">
-            <a:extLst>
-              <a:ext uri="{FF2B5EF4-FFF2-40B4-BE49-F238E27FC236}">
-                <a16:creationId xmlns:a16="http://schemas.microsoft.com/office/drawing/2014/main" id="{40914739-D41E-6443-B200-12AAF3D7200F}"/>
-              </a:ext>
-            </a:extLst>
-          </p:cNvPr>
-          <p:cNvCxnSpPr>
-            <a:cxnSpLocks/>
-            <a:stCxn id="8" idx="3"/>
-            <a:endCxn id="15" idx="1"/>
-          </p:cNvCxnSpPr>
-          <p:nvPr/>
-        </p:nvCxnSpPr>
-        <p:spPr>
-          <a:xfrm>
-            <a:off x="2380732" y="4504038"/>
-            <a:ext cx="6969214" cy="8068"/>
-          </a:xfrm>
-          <a:prstGeom prst="straightConnector1">
-            <a:avLst/>
-          </a:prstGeom>
-          <a:ln w="38100">
-            <a:solidFill>
-              <a:schemeClr val="tx1"/>
-            </a:solidFill>
-            <a:headEnd type="none" w="med" len="med"/>
-            <a:tailEnd type="triangle" w="med" len="med"/>
-          </a:ln>
-        </p:spPr>
-        <p:style>
-          <a:lnRef idx="1">
-            <a:schemeClr val="accent1"/>
-          </a:lnRef>
-          <a:fillRef idx="0">
-            <a:schemeClr val="accent1"/>
-          </a:fillRef>
-          <a:effectRef idx="0">
-            <a:schemeClr val="accent1"/>
-          </a:effectRef>
-          <a:fontRef idx="minor">
-            <a:schemeClr val="tx1"/>
-          </a:fontRef>
-        </p:style>
-      </p:cxnSp>
-    </p:spTree>
-    <p:extLst>
-      <p:ext uri="{BB962C8B-B14F-4D97-AF65-F5344CB8AC3E}">
-        <p14:creationId xmlns:p14="http://schemas.microsoft.com/office/powerpoint/2010/main" val="1227704138"/>
-      </p:ext>
-    </p:extLst>
-  </p:cSld>
-  <p:clrMapOvr>
-    <a:masterClrMapping/>
-  </p:clrMapOvr>
-</p:sld>
-</file>
-
-<file path=ppt/slides/slide15.xml><?xml version="1.0" encoding="utf-8"?>
-<p:sld xmlns:a="http://schemas.openxmlformats.org/drawingml/2006/main" xmlns:r="http://schemas.openxmlformats.org/officeDocument/2006/relationships" xmlns:p="http://schemas.openxmlformats.org/presentationml/2006/main">
-  <p:cSld>
-    <p:spTree>
-      <p:nvGrpSpPr>
-        <p:cNvPr id="1" name=""/>
-        <p:cNvGrpSpPr/>
-        <p:nvPr/>
-      </p:nvGrpSpPr>
-      <p:grpSpPr>
-        <a:xfrm>
-          <a:off x="0" y="0"/>
-          <a:ext cx="0" cy="0"/>
-          <a:chOff x="0" y="0"/>
-          <a:chExt cx="0" cy="0"/>
-        </a:xfrm>
-      </p:grpSpPr>
-      <p:sp>
-        <p:nvSpPr>
-          <p:cNvPr id="2" name="Title 1">
-            <a:extLst>
-              <a:ext uri="{FF2B5EF4-FFF2-40B4-BE49-F238E27FC236}">
-                <a16:creationId xmlns:a16="http://schemas.microsoft.com/office/drawing/2014/main" id="{8A22FD68-B1E1-D049-B4A0-9302A83E2646}"/>
-              </a:ext>
-            </a:extLst>
-          </p:cNvPr>
-          <p:cNvSpPr>
-            <a:spLocks noGrp="1"/>
-          </p:cNvSpPr>
-          <p:nvPr>
-            <p:ph type="title"/>
-          </p:nvPr>
-        </p:nvSpPr>
-        <p:spPr/>
-        <p:txBody>
-          <a:bodyPr/>
-          <a:lstStyle/>
-          <a:p>
-            <a:r>
-              <a:rPr lang="en-US" dirty="0"/>
-              <a:t>D-separation Rules</a:t>
-            </a:r>
-          </a:p>
-        </p:txBody>
-      </p:sp>
-      <p:sp>
-        <p:nvSpPr>
-          <p:cNvPr id="3" name="Content Placeholder 2">
-            <a:extLst>
-              <a:ext uri="{FF2B5EF4-FFF2-40B4-BE49-F238E27FC236}">
-                <a16:creationId xmlns:a16="http://schemas.microsoft.com/office/drawing/2014/main" id="{95926409-67C1-7848-99E7-1C2B1C4CC68E}"/>
-              </a:ext>
-            </a:extLst>
-          </p:cNvPr>
-          <p:cNvSpPr>
-            <a:spLocks noGrp="1"/>
-          </p:cNvSpPr>
-          <p:nvPr>
-            <p:ph idx="1"/>
-          </p:nvPr>
-        </p:nvSpPr>
-        <p:spPr/>
-        <p:txBody>
-          <a:bodyPr>
-            <a:normAutofit/>
-          </a:bodyPr>
-          <a:lstStyle/>
-          <a:p>
-            <a:pPr marL="0" indent="0">
-              <a:buNone/>
-            </a:pPr>
-            <a:r>
-              <a:rPr lang="en-US" dirty="0"/>
-              <a:t>If there are no variables being conditioned on, a path is blocked if and only if two arrowheads on the path collide at some variable on the path.</a:t>
-            </a:r>
-          </a:p>
-        </p:txBody>
-      </p:sp>
-      <p:sp>
-        <p:nvSpPr>
-          <p:cNvPr id="4" name="TextBox 3">
-            <a:extLst>
-              <a:ext uri="{FF2B5EF4-FFF2-40B4-BE49-F238E27FC236}">
-                <a16:creationId xmlns:a16="http://schemas.microsoft.com/office/drawing/2014/main" id="{4C425E01-8572-014C-81AB-5791A947F3AA}"/>
-              </a:ext>
-            </a:extLst>
-          </p:cNvPr>
-          <p:cNvSpPr txBox="1"/>
-          <p:nvPr/>
-        </p:nvSpPr>
-        <p:spPr>
-          <a:xfrm>
-            <a:off x="1857629" y="3410465"/>
-            <a:ext cx="486034" cy="646331"/>
-          </a:xfrm>
-          <a:prstGeom prst="rect">
-            <a:avLst/>
-          </a:prstGeom>
-          <a:noFill/>
-        </p:spPr>
-        <p:txBody>
-          <a:bodyPr wrap="square" rtlCol="0">
-            <a:spAutoFit/>
-          </a:bodyPr>
-          <a:lstStyle/>
-          <a:p>
-            <a:pPr algn="ctr"/>
-            <a:r>
-              <a:rPr lang="en-US" sz="3600" dirty="0"/>
-              <a:t>X</a:t>
-            </a:r>
-          </a:p>
-        </p:txBody>
-      </p:sp>
-      <p:cxnSp>
-        <p:nvCxnSpPr>
-          <p:cNvPr id="5" name="Straight Arrow Connector 4">
-            <a:extLst>
-              <a:ext uri="{FF2B5EF4-FFF2-40B4-BE49-F238E27FC236}">
-                <a16:creationId xmlns:a16="http://schemas.microsoft.com/office/drawing/2014/main" id="{987886CA-8BCA-5440-960E-1F5725AB630A}"/>
-              </a:ext>
-            </a:extLst>
-          </p:cNvPr>
-          <p:cNvCxnSpPr>
-            <a:cxnSpLocks/>
-            <a:stCxn id="4" idx="3"/>
-            <a:endCxn id="7" idx="1"/>
-          </p:cNvCxnSpPr>
-          <p:nvPr/>
-        </p:nvCxnSpPr>
-        <p:spPr>
-          <a:xfrm>
-            <a:off x="2343663" y="3733631"/>
-            <a:ext cx="3369275" cy="0"/>
-          </a:xfrm>
-          <a:prstGeom prst="straightConnector1">
-            <a:avLst/>
-          </a:prstGeom>
-          <a:ln w="38100">
-            <a:solidFill>
-              <a:schemeClr val="tx1"/>
-            </a:solidFill>
-            <a:tailEnd type="triangle"/>
-          </a:ln>
-        </p:spPr>
-        <p:style>
-          <a:lnRef idx="1">
-            <a:schemeClr val="accent1"/>
-          </a:lnRef>
-          <a:fillRef idx="0">
-            <a:schemeClr val="accent1"/>
-          </a:fillRef>
-          <a:effectRef idx="0">
-            <a:schemeClr val="accent1"/>
-          </a:effectRef>
-          <a:fontRef idx="minor">
-            <a:schemeClr val="tx1"/>
-          </a:fontRef>
-        </p:style>
-      </p:cxnSp>
-      <p:cxnSp>
-        <p:nvCxnSpPr>
-          <p:cNvPr id="6" name="Straight Arrow Connector 5">
-            <a:extLst>
-              <a:ext uri="{FF2B5EF4-FFF2-40B4-BE49-F238E27FC236}">
-                <a16:creationId xmlns:a16="http://schemas.microsoft.com/office/drawing/2014/main" id="{3E829417-0553-954E-8897-E38DA88FAAF0}"/>
-              </a:ext>
-            </a:extLst>
-          </p:cNvPr>
-          <p:cNvCxnSpPr>
-            <a:cxnSpLocks/>
-            <a:stCxn id="7" idx="3"/>
-            <a:endCxn id="8" idx="1"/>
-          </p:cNvCxnSpPr>
-          <p:nvPr/>
-        </p:nvCxnSpPr>
-        <p:spPr>
-          <a:xfrm>
-            <a:off x="6198972" y="3733631"/>
-            <a:ext cx="3319847" cy="0"/>
-          </a:xfrm>
-          <a:prstGeom prst="straightConnector1">
-            <a:avLst/>
-          </a:prstGeom>
-          <a:ln w="38100">
-            <a:solidFill>
-              <a:schemeClr val="tx1"/>
-            </a:solidFill>
-            <a:tailEnd type="triangle"/>
-          </a:ln>
-        </p:spPr>
-        <p:style>
-          <a:lnRef idx="1">
-            <a:schemeClr val="accent1"/>
-          </a:lnRef>
-          <a:fillRef idx="0">
-            <a:schemeClr val="accent1"/>
-          </a:fillRef>
-          <a:effectRef idx="0">
-            <a:schemeClr val="accent1"/>
-          </a:effectRef>
-          <a:fontRef idx="minor">
-            <a:schemeClr val="tx1"/>
-          </a:fontRef>
-        </p:style>
-      </p:cxnSp>
-      <p:sp>
-        <p:nvSpPr>
-          <p:cNvPr id="7" name="TextBox 6">
-            <a:extLst>
-              <a:ext uri="{FF2B5EF4-FFF2-40B4-BE49-F238E27FC236}">
-                <a16:creationId xmlns:a16="http://schemas.microsoft.com/office/drawing/2014/main" id="{305D5191-2BE4-E74D-9473-C5CC3BF8C2B4}"/>
-              </a:ext>
-            </a:extLst>
-          </p:cNvPr>
-          <p:cNvSpPr txBox="1"/>
-          <p:nvPr/>
-        </p:nvSpPr>
-        <p:spPr>
-          <a:xfrm>
-            <a:off x="5712938" y="3410465"/>
-            <a:ext cx="486034" cy="646331"/>
-          </a:xfrm>
-          <a:prstGeom prst="rect">
-            <a:avLst/>
-          </a:prstGeom>
-          <a:noFill/>
-        </p:spPr>
-        <p:txBody>
-          <a:bodyPr wrap="square" rtlCol="0">
-            <a:spAutoFit/>
-          </a:bodyPr>
-          <a:lstStyle/>
-          <a:p>
-            <a:pPr algn="ctr"/>
-            <a:r>
-              <a:rPr lang="en-US" sz="3600" dirty="0"/>
-              <a:t>Y</a:t>
-            </a:r>
-          </a:p>
-        </p:txBody>
-      </p:sp>
-      <p:sp>
-        <p:nvSpPr>
-          <p:cNvPr id="8" name="TextBox 7">
-            <a:extLst>
-              <a:ext uri="{FF2B5EF4-FFF2-40B4-BE49-F238E27FC236}">
-                <a16:creationId xmlns:a16="http://schemas.microsoft.com/office/drawing/2014/main" id="{EBDFA38F-D383-534A-A574-8EF5CF781A0F}"/>
-              </a:ext>
-            </a:extLst>
-          </p:cNvPr>
-          <p:cNvSpPr txBox="1"/>
-          <p:nvPr/>
-        </p:nvSpPr>
-        <p:spPr>
-          <a:xfrm>
-            <a:off x="9518819" y="3410465"/>
-            <a:ext cx="486034" cy="646331"/>
-          </a:xfrm>
-          <a:prstGeom prst="rect">
-            <a:avLst/>
-          </a:prstGeom>
-          <a:noFill/>
-        </p:spPr>
-        <p:txBody>
-          <a:bodyPr wrap="square" rtlCol="0">
-            <a:spAutoFit/>
-          </a:bodyPr>
-          <a:lstStyle/>
-          <a:p>
-            <a:pPr algn="ctr"/>
-            <a:r>
-              <a:rPr lang="en-US" sz="3600" dirty="0"/>
-              <a:t>Z</a:t>
-            </a:r>
-          </a:p>
-        </p:txBody>
-      </p:sp>
-      <p:sp>
-        <p:nvSpPr>
-          <p:cNvPr id="9" name="TextBox 8">
-            <a:extLst>
-              <a:ext uri="{FF2B5EF4-FFF2-40B4-BE49-F238E27FC236}">
-                <a16:creationId xmlns:a16="http://schemas.microsoft.com/office/drawing/2014/main" id="{E90EDAE7-19BA-674F-B110-E0D71F757A07}"/>
-              </a:ext>
-            </a:extLst>
-          </p:cNvPr>
-          <p:cNvSpPr txBox="1"/>
-          <p:nvPr/>
-        </p:nvSpPr>
-        <p:spPr>
-          <a:xfrm>
-            <a:off x="1857629" y="4793714"/>
-            <a:ext cx="486034" cy="646331"/>
-          </a:xfrm>
-          <a:prstGeom prst="rect">
-            <a:avLst/>
-          </a:prstGeom>
-          <a:noFill/>
-        </p:spPr>
-        <p:txBody>
-          <a:bodyPr wrap="square" rtlCol="0">
-            <a:spAutoFit/>
-          </a:bodyPr>
-          <a:lstStyle/>
-          <a:p>
-            <a:pPr algn="ctr"/>
-            <a:r>
-              <a:rPr lang="en-US" sz="3600" dirty="0"/>
-              <a:t>X</a:t>
-            </a:r>
-          </a:p>
-        </p:txBody>
-      </p:sp>
-      <p:cxnSp>
-        <p:nvCxnSpPr>
-          <p:cNvPr id="10" name="Straight Arrow Connector 9">
-            <a:extLst>
-              <a:ext uri="{FF2B5EF4-FFF2-40B4-BE49-F238E27FC236}">
-                <a16:creationId xmlns:a16="http://schemas.microsoft.com/office/drawing/2014/main" id="{561BEC79-105F-A241-85C3-2DA69624985D}"/>
-              </a:ext>
-            </a:extLst>
-          </p:cNvPr>
-          <p:cNvCxnSpPr>
-            <a:cxnSpLocks/>
-            <a:stCxn id="9" idx="3"/>
-            <a:endCxn id="12" idx="1"/>
-          </p:cNvCxnSpPr>
-          <p:nvPr/>
-        </p:nvCxnSpPr>
-        <p:spPr>
-          <a:xfrm>
-            <a:off x="2343663" y="5116880"/>
-            <a:ext cx="3369275" cy="0"/>
-          </a:xfrm>
-          <a:prstGeom prst="straightConnector1">
-            <a:avLst/>
-          </a:prstGeom>
-          <a:ln w="38100">
-            <a:solidFill>
-              <a:schemeClr val="tx1"/>
-            </a:solidFill>
-            <a:tailEnd type="triangle"/>
-          </a:ln>
-        </p:spPr>
-        <p:style>
-          <a:lnRef idx="1">
-            <a:schemeClr val="accent1"/>
-          </a:lnRef>
-          <a:fillRef idx="0">
-            <a:schemeClr val="accent1"/>
-          </a:fillRef>
-          <a:effectRef idx="0">
-            <a:schemeClr val="accent1"/>
-          </a:effectRef>
-          <a:fontRef idx="minor">
-            <a:schemeClr val="tx1"/>
-          </a:fontRef>
-        </p:style>
-      </p:cxnSp>
-      <p:cxnSp>
-        <p:nvCxnSpPr>
-          <p:cNvPr id="11" name="Straight Arrow Connector 10">
-            <a:extLst>
-              <a:ext uri="{FF2B5EF4-FFF2-40B4-BE49-F238E27FC236}">
-                <a16:creationId xmlns:a16="http://schemas.microsoft.com/office/drawing/2014/main" id="{D96B8551-0DBE-D342-9D47-9C04E29A6298}"/>
-              </a:ext>
-            </a:extLst>
-          </p:cNvPr>
-          <p:cNvCxnSpPr>
-            <a:cxnSpLocks/>
-            <a:stCxn id="12" idx="3"/>
-            <a:endCxn id="13" idx="1"/>
-          </p:cNvCxnSpPr>
-          <p:nvPr/>
-        </p:nvCxnSpPr>
-        <p:spPr>
-          <a:xfrm>
-            <a:off x="6198972" y="5116880"/>
-            <a:ext cx="3319847" cy="0"/>
-          </a:xfrm>
-          <a:prstGeom prst="straightConnector1">
-            <a:avLst/>
-          </a:prstGeom>
-          <a:ln w="38100">
-            <a:solidFill>
-              <a:schemeClr val="tx1"/>
-            </a:solidFill>
-            <a:headEnd type="triangle" w="med" len="med"/>
-            <a:tailEnd type="none" w="med" len="med"/>
-          </a:ln>
-        </p:spPr>
-        <p:style>
-          <a:lnRef idx="1">
-            <a:schemeClr val="accent1"/>
-          </a:lnRef>
-          <a:fillRef idx="0">
-            <a:schemeClr val="accent1"/>
-          </a:fillRef>
-          <a:effectRef idx="0">
-            <a:schemeClr val="accent1"/>
-          </a:effectRef>
-          <a:fontRef idx="minor">
-            <a:schemeClr val="tx1"/>
-          </a:fontRef>
-        </p:style>
-      </p:cxnSp>
-      <p:sp>
-        <p:nvSpPr>
-          <p:cNvPr id="12" name="TextBox 11">
-            <a:extLst>
-              <a:ext uri="{FF2B5EF4-FFF2-40B4-BE49-F238E27FC236}">
-                <a16:creationId xmlns:a16="http://schemas.microsoft.com/office/drawing/2014/main" id="{E34EFCD3-63D5-BA41-AB3E-7C1E265AAF42}"/>
-              </a:ext>
-            </a:extLst>
-          </p:cNvPr>
-          <p:cNvSpPr txBox="1"/>
-          <p:nvPr/>
-        </p:nvSpPr>
-        <p:spPr>
-          <a:xfrm>
-            <a:off x="5712938" y="4793714"/>
-            <a:ext cx="486034" cy="646331"/>
-          </a:xfrm>
-          <a:prstGeom prst="rect">
-            <a:avLst/>
-          </a:prstGeom>
-          <a:noFill/>
-        </p:spPr>
-        <p:txBody>
-          <a:bodyPr wrap="square" rtlCol="0">
-            <a:spAutoFit/>
-          </a:bodyPr>
-          <a:lstStyle/>
-          <a:p>
-            <a:pPr algn="ctr"/>
-            <a:r>
-              <a:rPr lang="en-US" sz="3600" dirty="0"/>
-              <a:t>Y</a:t>
-            </a:r>
-          </a:p>
-        </p:txBody>
-      </p:sp>
-      <p:sp>
-        <p:nvSpPr>
-          <p:cNvPr id="13" name="TextBox 12">
-            <a:extLst>
-              <a:ext uri="{FF2B5EF4-FFF2-40B4-BE49-F238E27FC236}">
-                <a16:creationId xmlns:a16="http://schemas.microsoft.com/office/drawing/2014/main" id="{295EF5AE-8DA4-BA45-A97F-1DAC2BA9B8FF}"/>
-              </a:ext>
-            </a:extLst>
-          </p:cNvPr>
-          <p:cNvSpPr txBox="1"/>
-          <p:nvPr/>
-        </p:nvSpPr>
-        <p:spPr>
-          <a:xfrm>
-            <a:off x="9518819" y="4793714"/>
-            <a:ext cx="486034" cy="646331"/>
-          </a:xfrm>
-          <a:prstGeom prst="rect">
-            <a:avLst/>
-          </a:prstGeom>
-          <a:noFill/>
-        </p:spPr>
-        <p:txBody>
-          <a:bodyPr wrap="square" rtlCol="0">
-            <a:spAutoFit/>
-          </a:bodyPr>
-          <a:lstStyle/>
-          <a:p>
-            <a:pPr algn="ctr"/>
-            <a:r>
-              <a:rPr lang="en-US" sz="3600" dirty="0"/>
-              <a:t>Z</a:t>
-            </a:r>
-          </a:p>
-        </p:txBody>
-      </p:sp>
-    </p:spTree>
-    <p:extLst>
-      <p:ext uri="{BB962C8B-B14F-4D97-AF65-F5344CB8AC3E}">
-        <p14:creationId xmlns:p14="http://schemas.microsoft.com/office/powerpoint/2010/main" val="2261861770"/>
-      </p:ext>
-    </p:extLst>
-  </p:cSld>
-  <p:clrMapOvr>
-    <a:masterClrMapping/>
-  </p:clrMapOvr>
-</p:sld>
-</file>
-
-<file path=ppt/slides/slide16.xml><?xml version="1.0" encoding="utf-8"?>
-<p:sld xmlns:a="http://schemas.openxmlformats.org/drawingml/2006/main" xmlns:r="http://schemas.openxmlformats.org/officeDocument/2006/relationships" xmlns:p="http://schemas.openxmlformats.org/presentationml/2006/main">
-  <p:cSld>
-    <p:spTree>
-      <p:nvGrpSpPr>
-        <p:cNvPr id="1" name=""/>
-        <p:cNvGrpSpPr/>
-        <p:nvPr/>
-      </p:nvGrpSpPr>
-      <p:grpSpPr>
-        <a:xfrm>
-          <a:off x="0" y="0"/>
-          <a:ext cx="0" cy="0"/>
-          <a:chOff x="0" y="0"/>
-          <a:chExt cx="0" cy="0"/>
-        </a:xfrm>
-      </p:grpSpPr>
-      <p:sp>
-        <p:nvSpPr>
-          <p:cNvPr id="2" name="Title 1">
-            <a:extLst>
-              <a:ext uri="{FF2B5EF4-FFF2-40B4-BE49-F238E27FC236}">
-                <a16:creationId xmlns:a16="http://schemas.microsoft.com/office/drawing/2014/main" id="{8A22FD68-B1E1-D049-B4A0-9302A83E2646}"/>
-              </a:ext>
-            </a:extLst>
-          </p:cNvPr>
-          <p:cNvSpPr>
-            <a:spLocks noGrp="1"/>
-          </p:cNvSpPr>
-          <p:nvPr>
-            <p:ph type="title"/>
-          </p:nvPr>
-        </p:nvSpPr>
-        <p:spPr/>
-        <p:txBody>
-          <a:bodyPr/>
-          <a:lstStyle/>
-          <a:p>
-            <a:r>
-              <a:rPr lang="en-US" dirty="0"/>
-              <a:t>D-separation Rules</a:t>
-            </a:r>
-          </a:p>
-        </p:txBody>
-      </p:sp>
-      <p:sp>
-        <p:nvSpPr>
-          <p:cNvPr id="3" name="Content Placeholder 2">
-            <a:extLst>
-              <a:ext uri="{FF2B5EF4-FFF2-40B4-BE49-F238E27FC236}">
-                <a16:creationId xmlns:a16="http://schemas.microsoft.com/office/drawing/2014/main" id="{95926409-67C1-7848-99E7-1C2B1C4CC68E}"/>
-              </a:ext>
-            </a:extLst>
-          </p:cNvPr>
-          <p:cNvSpPr>
-            <a:spLocks noGrp="1"/>
-          </p:cNvSpPr>
-          <p:nvPr>
-            <p:ph idx="1"/>
-          </p:nvPr>
-        </p:nvSpPr>
-        <p:spPr/>
-        <p:txBody>
-          <a:bodyPr>
-            <a:normAutofit/>
-          </a:bodyPr>
-          <a:lstStyle/>
-          <a:p>
-            <a:pPr marL="0" indent="0">
-              <a:buNone/>
-            </a:pPr>
-            <a:r>
-              <a:rPr lang="en-US" dirty="0"/>
-              <a:t>Any path that contains a non-collider that has been conditioned on is blocked.</a:t>
-            </a:r>
-          </a:p>
-        </p:txBody>
-      </p:sp>
-      <p:sp>
-        <p:nvSpPr>
-          <p:cNvPr id="4" name="TextBox 3">
-            <a:extLst>
-              <a:ext uri="{FF2B5EF4-FFF2-40B4-BE49-F238E27FC236}">
-                <a16:creationId xmlns:a16="http://schemas.microsoft.com/office/drawing/2014/main" id="{F9CC0B1D-853C-444A-AC39-7F85F99F9DB8}"/>
-              </a:ext>
-            </a:extLst>
-          </p:cNvPr>
-          <p:cNvSpPr txBox="1"/>
-          <p:nvPr/>
-        </p:nvSpPr>
-        <p:spPr>
-          <a:xfrm>
-            <a:off x="1857629" y="3105834"/>
-            <a:ext cx="486034" cy="646331"/>
-          </a:xfrm>
-          <a:prstGeom prst="rect">
-            <a:avLst/>
-          </a:prstGeom>
-          <a:noFill/>
-        </p:spPr>
-        <p:txBody>
-          <a:bodyPr wrap="square" rtlCol="0">
-            <a:spAutoFit/>
-          </a:bodyPr>
-          <a:lstStyle/>
-          <a:p>
-            <a:pPr algn="ctr"/>
-            <a:r>
-              <a:rPr lang="en-US" sz="3600" dirty="0"/>
-              <a:t>X</a:t>
-            </a:r>
-          </a:p>
-        </p:txBody>
-      </p:sp>
-      <p:cxnSp>
-        <p:nvCxnSpPr>
-          <p:cNvPr id="5" name="Straight Arrow Connector 4">
-            <a:extLst>
-              <a:ext uri="{FF2B5EF4-FFF2-40B4-BE49-F238E27FC236}">
-                <a16:creationId xmlns:a16="http://schemas.microsoft.com/office/drawing/2014/main" id="{DCC68217-03EC-EF4C-9FE8-0C6C564A0517}"/>
-              </a:ext>
-            </a:extLst>
-          </p:cNvPr>
-          <p:cNvCxnSpPr>
-            <a:cxnSpLocks/>
-            <a:stCxn id="4" idx="3"/>
-            <a:endCxn id="7" idx="1"/>
-          </p:cNvCxnSpPr>
-          <p:nvPr/>
-        </p:nvCxnSpPr>
-        <p:spPr>
-          <a:xfrm>
-            <a:off x="2343663" y="3429000"/>
-            <a:ext cx="3369275" cy="0"/>
-          </a:xfrm>
-          <a:prstGeom prst="straightConnector1">
-            <a:avLst/>
-          </a:prstGeom>
-          <a:ln w="38100">
-            <a:solidFill>
-              <a:schemeClr val="tx1"/>
-            </a:solidFill>
-            <a:tailEnd type="triangle"/>
-          </a:ln>
-        </p:spPr>
-        <p:style>
-          <a:lnRef idx="1">
-            <a:schemeClr val="accent1"/>
-          </a:lnRef>
-          <a:fillRef idx="0">
-            <a:schemeClr val="accent1"/>
-          </a:fillRef>
-          <a:effectRef idx="0">
-            <a:schemeClr val="accent1"/>
-          </a:effectRef>
-          <a:fontRef idx="minor">
-            <a:schemeClr val="tx1"/>
-          </a:fontRef>
-        </p:style>
-      </p:cxnSp>
-      <p:cxnSp>
-        <p:nvCxnSpPr>
-          <p:cNvPr id="6" name="Straight Arrow Connector 5">
-            <a:extLst>
-              <a:ext uri="{FF2B5EF4-FFF2-40B4-BE49-F238E27FC236}">
-                <a16:creationId xmlns:a16="http://schemas.microsoft.com/office/drawing/2014/main" id="{2A0A6566-BF38-B747-8D8C-D94D9A58DF68}"/>
-              </a:ext>
-            </a:extLst>
-          </p:cNvPr>
-          <p:cNvCxnSpPr>
-            <a:cxnSpLocks/>
-            <a:stCxn id="7" idx="3"/>
-            <a:endCxn id="8" idx="1"/>
-          </p:cNvCxnSpPr>
-          <p:nvPr/>
-        </p:nvCxnSpPr>
-        <p:spPr>
-          <a:xfrm>
-            <a:off x="6198972" y="3429000"/>
-            <a:ext cx="3319847" cy="0"/>
-          </a:xfrm>
-          <a:prstGeom prst="straightConnector1">
-            <a:avLst/>
-          </a:prstGeom>
-          <a:ln w="38100">
-            <a:solidFill>
-              <a:schemeClr val="tx1"/>
-            </a:solidFill>
-            <a:headEnd type="none" w="med" len="med"/>
-            <a:tailEnd type="triangle" w="med" len="med"/>
-          </a:ln>
-        </p:spPr>
-        <p:style>
-          <a:lnRef idx="1">
-            <a:schemeClr val="accent1"/>
-          </a:lnRef>
-          <a:fillRef idx="0">
-            <a:schemeClr val="accent1"/>
-          </a:fillRef>
-          <a:effectRef idx="0">
-            <a:schemeClr val="accent1"/>
-          </a:effectRef>
-          <a:fontRef idx="minor">
-            <a:schemeClr val="tx1"/>
-          </a:fontRef>
-        </p:style>
-      </p:cxnSp>
-      <p:sp>
-        <p:nvSpPr>
-          <p:cNvPr id="7" name="TextBox 6">
-            <a:extLst>
-              <a:ext uri="{FF2B5EF4-FFF2-40B4-BE49-F238E27FC236}">
-                <a16:creationId xmlns:a16="http://schemas.microsoft.com/office/drawing/2014/main" id="{97AE4577-283B-B941-BF17-FEF04F3FC116}"/>
-              </a:ext>
-            </a:extLst>
-          </p:cNvPr>
-          <p:cNvSpPr txBox="1"/>
-          <p:nvPr/>
-        </p:nvSpPr>
-        <p:spPr>
-          <a:xfrm>
-            <a:off x="5712938" y="3105834"/>
-            <a:ext cx="486034" cy="646331"/>
-          </a:xfrm>
-          <a:prstGeom prst="rect">
-            <a:avLst/>
-          </a:prstGeom>
-          <a:noFill/>
-        </p:spPr>
-        <p:txBody>
-          <a:bodyPr wrap="square" rtlCol="0">
-            <a:spAutoFit/>
-          </a:bodyPr>
-          <a:lstStyle/>
-          <a:p>
-            <a:pPr algn="ctr"/>
-            <a:r>
-              <a:rPr lang="en-US" sz="3600" dirty="0"/>
-              <a:t>Y</a:t>
-            </a:r>
-          </a:p>
-        </p:txBody>
-      </p:sp>
-      <p:sp>
-        <p:nvSpPr>
-          <p:cNvPr id="8" name="TextBox 7">
-            <a:extLst>
-              <a:ext uri="{FF2B5EF4-FFF2-40B4-BE49-F238E27FC236}">
-                <a16:creationId xmlns:a16="http://schemas.microsoft.com/office/drawing/2014/main" id="{12E785D7-0AA1-F14C-AF38-3FD0EFB8291A}"/>
-              </a:ext>
-            </a:extLst>
-          </p:cNvPr>
-          <p:cNvSpPr txBox="1"/>
-          <p:nvPr/>
-        </p:nvSpPr>
-        <p:spPr>
-          <a:xfrm>
-            <a:off x="9518819" y="3105834"/>
-            <a:ext cx="486034" cy="646331"/>
-          </a:xfrm>
-          <a:prstGeom prst="rect">
-            <a:avLst/>
-          </a:prstGeom>
-          <a:noFill/>
-        </p:spPr>
-        <p:txBody>
-          <a:bodyPr wrap="square" rtlCol="0">
-            <a:spAutoFit/>
-          </a:bodyPr>
-          <a:lstStyle/>
-          <a:p>
-            <a:pPr algn="ctr"/>
-            <a:r>
-              <a:rPr lang="en-US" sz="3600" dirty="0"/>
-              <a:t>Z</a:t>
-            </a:r>
-          </a:p>
-        </p:txBody>
-      </p:sp>
-      <p:sp>
-        <p:nvSpPr>
-          <p:cNvPr id="9" name="TextBox 8">
-            <a:extLst>
-              <a:ext uri="{FF2B5EF4-FFF2-40B4-BE49-F238E27FC236}">
-                <a16:creationId xmlns:a16="http://schemas.microsoft.com/office/drawing/2014/main" id="{A5C6284C-2285-734B-BC83-F97BB26C3C90}"/>
-              </a:ext>
-            </a:extLst>
-          </p:cNvPr>
-          <p:cNvSpPr txBox="1"/>
-          <p:nvPr/>
-        </p:nvSpPr>
-        <p:spPr>
-          <a:xfrm>
-            <a:off x="1857629" y="4479816"/>
-            <a:ext cx="486034" cy="646331"/>
-          </a:xfrm>
-          <a:prstGeom prst="rect">
-            <a:avLst/>
-          </a:prstGeom>
-          <a:noFill/>
-        </p:spPr>
-        <p:txBody>
-          <a:bodyPr wrap="square" rtlCol="0">
-            <a:spAutoFit/>
-          </a:bodyPr>
-          <a:lstStyle/>
-          <a:p>
-            <a:pPr algn="ctr"/>
-            <a:r>
-              <a:rPr lang="en-US" sz="3600" dirty="0"/>
-              <a:t>X</a:t>
-            </a:r>
-          </a:p>
-        </p:txBody>
-      </p:sp>
-      <p:cxnSp>
-        <p:nvCxnSpPr>
-          <p:cNvPr id="10" name="Straight Arrow Connector 9">
-            <a:extLst>
-              <a:ext uri="{FF2B5EF4-FFF2-40B4-BE49-F238E27FC236}">
-                <a16:creationId xmlns:a16="http://schemas.microsoft.com/office/drawing/2014/main" id="{7DDC03FD-7E71-CC44-A323-289A185995DD}"/>
-              </a:ext>
-            </a:extLst>
-          </p:cNvPr>
-          <p:cNvCxnSpPr>
-            <a:cxnSpLocks/>
-            <a:stCxn id="9" idx="3"/>
-            <a:endCxn id="12" idx="1"/>
-          </p:cNvCxnSpPr>
-          <p:nvPr/>
-        </p:nvCxnSpPr>
-        <p:spPr>
-          <a:xfrm>
-            <a:off x="2343663" y="4802982"/>
-            <a:ext cx="3369275" cy="0"/>
-          </a:xfrm>
-          <a:prstGeom prst="straightConnector1">
-            <a:avLst/>
-          </a:prstGeom>
-          <a:ln w="38100">
-            <a:solidFill>
-              <a:schemeClr val="tx1"/>
-            </a:solidFill>
-            <a:tailEnd type="triangle"/>
-          </a:ln>
-        </p:spPr>
-        <p:style>
-          <a:lnRef idx="1">
-            <a:schemeClr val="accent1"/>
-          </a:lnRef>
-          <a:fillRef idx="0">
-            <a:schemeClr val="accent1"/>
-          </a:fillRef>
-          <a:effectRef idx="0">
-            <a:schemeClr val="accent1"/>
-          </a:effectRef>
-          <a:fontRef idx="minor">
-            <a:schemeClr val="tx1"/>
-          </a:fontRef>
-        </p:style>
-      </p:cxnSp>
-      <p:cxnSp>
-        <p:nvCxnSpPr>
-          <p:cNvPr id="11" name="Straight Arrow Connector 10">
-            <a:extLst>
-              <a:ext uri="{FF2B5EF4-FFF2-40B4-BE49-F238E27FC236}">
-                <a16:creationId xmlns:a16="http://schemas.microsoft.com/office/drawing/2014/main" id="{B4D53232-F1DC-8F4C-A8DD-63B1E165DDC5}"/>
-              </a:ext>
-            </a:extLst>
-          </p:cNvPr>
-          <p:cNvCxnSpPr>
-            <a:cxnSpLocks/>
-            <a:stCxn id="12" idx="3"/>
-            <a:endCxn id="13" idx="1"/>
-          </p:cNvCxnSpPr>
-          <p:nvPr/>
-        </p:nvCxnSpPr>
-        <p:spPr>
-          <a:xfrm>
-            <a:off x="6198972" y="4802982"/>
-            <a:ext cx="3319847" cy="0"/>
-          </a:xfrm>
-          <a:prstGeom prst="straightConnector1">
-            <a:avLst/>
-          </a:prstGeom>
-          <a:ln w="38100">
-            <a:solidFill>
-              <a:schemeClr val="tx1"/>
-            </a:solidFill>
-            <a:headEnd type="none" w="med" len="med"/>
-            <a:tailEnd type="triangle" w="med" len="med"/>
-          </a:ln>
-        </p:spPr>
-        <p:style>
-          <a:lnRef idx="1">
-            <a:schemeClr val="accent1"/>
-          </a:lnRef>
-          <a:fillRef idx="0">
-            <a:schemeClr val="accent1"/>
-          </a:fillRef>
-          <a:effectRef idx="0">
-            <a:schemeClr val="accent1"/>
-          </a:effectRef>
-          <a:fontRef idx="minor">
-            <a:schemeClr val="tx1"/>
-          </a:fontRef>
-        </p:style>
-      </p:cxnSp>
-      <p:sp>
-        <p:nvSpPr>
-          <p:cNvPr id="12" name="TextBox 11">
-            <a:extLst>
-              <a:ext uri="{FF2B5EF4-FFF2-40B4-BE49-F238E27FC236}">
-                <a16:creationId xmlns:a16="http://schemas.microsoft.com/office/drawing/2014/main" id="{9C48FCB0-42C7-F846-907A-1F92211AA375}"/>
-              </a:ext>
-            </a:extLst>
-          </p:cNvPr>
-          <p:cNvSpPr txBox="1"/>
-          <p:nvPr/>
-        </p:nvSpPr>
-        <p:spPr>
-          <a:xfrm>
-            <a:off x="5712938" y="4479816"/>
-            <a:ext cx="486034" cy="646331"/>
-          </a:xfrm>
-          <a:prstGeom prst="rect">
-            <a:avLst/>
-          </a:prstGeom>
-          <a:noFill/>
-          <a:ln>
-            <a:solidFill>
-              <a:schemeClr val="tx1"/>
-            </a:solidFill>
-          </a:ln>
-        </p:spPr>
-        <p:txBody>
-          <a:bodyPr wrap="square" rtlCol="0">
-            <a:spAutoFit/>
-          </a:bodyPr>
-          <a:lstStyle/>
-          <a:p>
-            <a:pPr algn="ctr"/>
-            <a:r>
-              <a:rPr lang="en-US" sz="3600" dirty="0"/>
-              <a:t>Y</a:t>
-            </a:r>
-          </a:p>
-        </p:txBody>
-      </p:sp>
-      <p:sp>
-        <p:nvSpPr>
-          <p:cNvPr id="13" name="TextBox 12">
-            <a:extLst>
-              <a:ext uri="{FF2B5EF4-FFF2-40B4-BE49-F238E27FC236}">
-                <a16:creationId xmlns:a16="http://schemas.microsoft.com/office/drawing/2014/main" id="{04E33B1C-EECE-FC44-BBE3-707CDFBA64C9}"/>
-              </a:ext>
-            </a:extLst>
-          </p:cNvPr>
-          <p:cNvSpPr txBox="1"/>
-          <p:nvPr/>
-        </p:nvSpPr>
-        <p:spPr>
-          <a:xfrm>
-            <a:off x="9518819" y="4479816"/>
-            <a:ext cx="486034" cy="646331"/>
-          </a:xfrm>
-          <a:prstGeom prst="rect">
-            <a:avLst/>
-          </a:prstGeom>
-          <a:noFill/>
-        </p:spPr>
-        <p:txBody>
-          <a:bodyPr wrap="square" rtlCol="0">
-            <a:spAutoFit/>
-          </a:bodyPr>
-          <a:lstStyle/>
-          <a:p>
-            <a:pPr algn="ctr"/>
-            <a:r>
-              <a:rPr lang="en-US" sz="3600" dirty="0"/>
-              <a:t>Z</a:t>
-            </a:r>
-          </a:p>
-        </p:txBody>
-      </p:sp>
-    </p:spTree>
-    <p:extLst>
-      <p:ext uri="{BB962C8B-B14F-4D97-AF65-F5344CB8AC3E}">
-        <p14:creationId xmlns:p14="http://schemas.microsoft.com/office/powerpoint/2010/main" val="4051015117"/>
-      </p:ext>
-    </p:extLst>
-  </p:cSld>
-  <p:clrMapOvr>
-    <a:masterClrMapping/>
-  </p:clrMapOvr>
-</p:sld>
-</file>
-
-<file path=ppt/slides/slide17.xml><?xml version="1.0" encoding="utf-8"?>
-<p:sld xmlns:a="http://schemas.openxmlformats.org/drawingml/2006/main" xmlns:r="http://schemas.openxmlformats.org/officeDocument/2006/relationships" xmlns:p="http://schemas.openxmlformats.org/presentationml/2006/main">
-  <p:cSld>
-    <p:spTree>
-      <p:nvGrpSpPr>
-        <p:cNvPr id="1" name=""/>
-        <p:cNvGrpSpPr/>
-        <p:nvPr/>
-      </p:nvGrpSpPr>
-      <p:grpSpPr>
-        <a:xfrm>
-          <a:off x="0" y="0"/>
-          <a:ext cx="0" cy="0"/>
-          <a:chOff x="0" y="0"/>
-          <a:chExt cx="0" cy="0"/>
-        </a:xfrm>
-      </p:grpSpPr>
-      <p:sp>
-        <p:nvSpPr>
-          <p:cNvPr id="2" name="Title 1">
-            <a:extLst>
-              <a:ext uri="{FF2B5EF4-FFF2-40B4-BE49-F238E27FC236}">
-                <a16:creationId xmlns:a16="http://schemas.microsoft.com/office/drawing/2014/main" id="{8A22FD68-B1E1-D049-B4A0-9302A83E2646}"/>
-              </a:ext>
-            </a:extLst>
-          </p:cNvPr>
-          <p:cNvSpPr>
-            <a:spLocks noGrp="1"/>
-          </p:cNvSpPr>
-          <p:nvPr>
-            <p:ph type="title"/>
-          </p:nvPr>
-        </p:nvSpPr>
-        <p:spPr/>
-        <p:txBody>
-          <a:bodyPr/>
-          <a:lstStyle/>
-          <a:p>
-            <a:r>
-              <a:rPr lang="en-US" dirty="0"/>
-              <a:t>D-separation Rules</a:t>
-            </a:r>
-          </a:p>
-        </p:txBody>
-      </p:sp>
-      <p:sp>
-        <p:nvSpPr>
-          <p:cNvPr id="3" name="Content Placeholder 2">
-            <a:extLst>
-              <a:ext uri="{FF2B5EF4-FFF2-40B4-BE49-F238E27FC236}">
-                <a16:creationId xmlns:a16="http://schemas.microsoft.com/office/drawing/2014/main" id="{95926409-67C1-7848-99E7-1C2B1C4CC68E}"/>
-              </a:ext>
-            </a:extLst>
-          </p:cNvPr>
-          <p:cNvSpPr>
-            <a:spLocks noGrp="1"/>
-          </p:cNvSpPr>
-          <p:nvPr>
-            <p:ph idx="1"/>
-          </p:nvPr>
-        </p:nvSpPr>
-        <p:spPr/>
-        <p:txBody>
-          <a:bodyPr>
-            <a:normAutofit/>
-          </a:bodyPr>
-          <a:lstStyle/>
-          <a:p>
-            <a:pPr marL="0" indent="0">
-              <a:buNone/>
-            </a:pPr>
-            <a:r>
-              <a:rPr lang="en-US" dirty="0"/>
-              <a:t>A collider that has been conditioned on does not block a path (or conditioning on a collider opens the path). </a:t>
-            </a:r>
-          </a:p>
-        </p:txBody>
-      </p:sp>
-      <p:sp>
-        <p:nvSpPr>
-          <p:cNvPr id="4" name="TextBox 3">
-            <a:extLst>
-              <a:ext uri="{FF2B5EF4-FFF2-40B4-BE49-F238E27FC236}">
-                <a16:creationId xmlns:a16="http://schemas.microsoft.com/office/drawing/2014/main" id="{05815D69-7BE2-8642-AB67-49FC01999A4E}"/>
-              </a:ext>
-            </a:extLst>
-          </p:cNvPr>
-          <p:cNvSpPr txBox="1"/>
-          <p:nvPr/>
-        </p:nvSpPr>
-        <p:spPr>
-          <a:xfrm>
-            <a:off x="1857629" y="3410465"/>
-            <a:ext cx="486034" cy="646331"/>
-          </a:xfrm>
-          <a:prstGeom prst="rect">
-            <a:avLst/>
-          </a:prstGeom>
-          <a:noFill/>
-        </p:spPr>
-        <p:txBody>
-          <a:bodyPr wrap="square" rtlCol="0">
-            <a:spAutoFit/>
-          </a:bodyPr>
-          <a:lstStyle/>
-          <a:p>
-            <a:pPr algn="ctr"/>
-            <a:r>
-              <a:rPr lang="en-US" sz="3600" dirty="0"/>
-              <a:t>X</a:t>
-            </a:r>
-          </a:p>
-        </p:txBody>
-      </p:sp>
-      <p:cxnSp>
-        <p:nvCxnSpPr>
-          <p:cNvPr id="5" name="Straight Arrow Connector 4">
-            <a:extLst>
-              <a:ext uri="{FF2B5EF4-FFF2-40B4-BE49-F238E27FC236}">
-                <a16:creationId xmlns:a16="http://schemas.microsoft.com/office/drawing/2014/main" id="{76517F6C-5394-8044-9192-0EF59CE26381}"/>
-              </a:ext>
-            </a:extLst>
-          </p:cNvPr>
-          <p:cNvCxnSpPr>
-            <a:cxnSpLocks/>
-            <a:stCxn id="4" idx="3"/>
-            <a:endCxn id="7" idx="1"/>
-          </p:cNvCxnSpPr>
-          <p:nvPr/>
-        </p:nvCxnSpPr>
-        <p:spPr>
-          <a:xfrm>
-            <a:off x="2343663" y="3733631"/>
-            <a:ext cx="3369275" cy="0"/>
-          </a:xfrm>
-          <a:prstGeom prst="straightConnector1">
-            <a:avLst/>
-          </a:prstGeom>
-          <a:ln w="38100">
-            <a:solidFill>
-              <a:schemeClr val="tx1"/>
-            </a:solidFill>
-            <a:tailEnd type="triangle"/>
-          </a:ln>
-        </p:spPr>
-        <p:style>
-          <a:lnRef idx="1">
-            <a:schemeClr val="accent1"/>
-          </a:lnRef>
-          <a:fillRef idx="0">
-            <a:schemeClr val="accent1"/>
-          </a:fillRef>
-          <a:effectRef idx="0">
-            <a:schemeClr val="accent1"/>
-          </a:effectRef>
-          <a:fontRef idx="minor">
-            <a:schemeClr val="tx1"/>
-          </a:fontRef>
-        </p:style>
-      </p:cxnSp>
-      <p:cxnSp>
-        <p:nvCxnSpPr>
-          <p:cNvPr id="6" name="Straight Arrow Connector 5">
-            <a:extLst>
-              <a:ext uri="{FF2B5EF4-FFF2-40B4-BE49-F238E27FC236}">
-                <a16:creationId xmlns:a16="http://schemas.microsoft.com/office/drawing/2014/main" id="{C2C65BBE-4CBB-1A48-A964-6DD07FBF03F8}"/>
-              </a:ext>
-            </a:extLst>
-          </p:cNvPr>
-          <p:cNvCxnSpPr>
-            <a:cxnSpLocks/>
-            <a:stCxn id="7" idx="3"/>
-            <a:endCxn id="8" idx="1"/>
-          </p:cNvCxnSpPr>
-          <p:nvPr/>
-        </p:nvCxnSpPr>
-        <p:spPr>
-          <a:xfrm>
-            <a:off x="6198972" y="3733631"/>
-            <a:ext cx="3319847" cy="0"/>
-          </a:xfrm>
-          <a:prstGeom prst="straightConnector1">
-            <a:avLst/>
-          </a:prstGeom>
-          <a:ln w="38100">
-            <a:solidFill>
-              <a:schemeClr val="tx1"/>
-            </a:solidFill>
-            <a:headEnd type="triangle" w="med" len="med"/>
-            <a:tailEnd type="none" w="med" len="med"/>
-          </a:ln>
-        </p:spPr>
-        <p:style>
-          <a:lnRef idx="1">
-            <a:schemeClr val="accent1"/>
-          </a:lnRef>
-          <a:fillRef idx="0">
-            <a:schemeClr val="accent1"/>
-          </a:fillRef>
-          <a:effectRef idx="0">
-            <a:schemeClr val="accent1"/>
-          </a:effectRef>
-          <a:fontRef idx="minor">
-            <a:schemeClr val="tx1"/>
-          </a:fontRef>
-        </p:style>
-      </p:cxnSp>
-      <p:sp>
-        <p:nvSpPr>
-          <p:cNvPr id="7" name="TextBox 6">
-            <a:extLst>
-              <a:ext uri="{FF2B5EF4-FFF2-40B4-BE49-F238E27FC236}">
-                <a16:creationId xmlns:a16="http://schemas.microsoft.com/office/drawing/2014/main" id="{EFC4687E-AE66-894E-91EE-3EDCB64C221E}"/>
-              </a:ext>
-            </a:extLst>
-          </p:cNvPr>
-          <p:cNvSpPr txBox="1"/>
-          <p:nvPr/>
-        </p:nvSpPr>
-        <p:spPr>
-          <a:xfrm>
-            <a:off x="5712938" y="3410465"/>
-            <a:ext cx="486034" cy="646331"/>
-          </a:xfrm>
-          <a:prstGeom prst="rect">
-            <a:avLst/>
-          </a:prstGeom>
-          <a:noFill/>
-        </p:spPr>
-        <p:txBody>
-          <a:bodyPr wrap="square" rtlCol="0">
-            <a:spAutoFit/>
-          </a:bodyPr>
-          <a:lstStyle/>
-          <a:p>
-            <a:pPr algn="ctr"/>
-            <a:r>
-              <a:rPr lang="en-US" sz="3600" dirty="0"/>
-              <a:t>Y</a:t>
-            </a:r>
-          </a:p>
-        </p:txBody>
-      </p:sp>
-      <p:sp>
-        <p:nvSpPr>
-          <p:cNvPr id="8" name="TextBox 7">
-            <a:extLst>
-              <a:ext uri="{FF2B5EF4-FFF2-40B4-BE49-F238E27FC236}">
-                <a16:creationId xmlns:a16="http://schemas.microsoft.com/office/drawing/2014/main" id="{520E2404-9151-BE4A-90E0-452F262D7802}"/>
-              </a:ext>
-            </a:extLst>
-          </p:cNvPr>
-          <p:cNvSpPr txBox="1"/>
-          <p:nvPr/>
-        </p:nvSpPr>
-        <p:spPr>
-          <a:xfrm>
-            <a:off x="9518819" y="3410465"/>
-            <a:ext cx="486034" cy="646331"/>
-          </a:xfrm>
-          <a:prstGeom prst="rect">
-            <a:avLst/>
-          </a:prstGeom>
-          <a:noFill/>
-        </p:spPr>
-        <p:txBody>
-          <a:bodyPr wrap="square" rtlCol="0">
-            <a:spAutoFit/>
-          </a:bodyPr>
-          <a:lstStyle/>
-          <a:p>
-            <a:pPr algn="ctr"/>
-            <a:r>
-              <a:rPr lang="en-US" sz="3600" dirty="0"/>
-              <a:t>Z</a:t>
-            </a:r>
-          </a:p>
-        </p:txBody>
-      </p:sp>
-      <p:sp>
-        <p:nvSpPr>
-          <p:cNvPr id="9" name="TextBox 8">
-            <a:extLst>
-              <a:ext uri="{FF2B5EF4-FFF2-40B4-BE49-F238E27FC236}">
-                <a16:creationId xmlns:a16="http://schemas.microsoft.com/office/drawing/2014/main" id="{C29466A0-562A-9B44-B201-DFE40D18DFE9}"/>
-              </a:ext>
-            </a:extLst>
-          </p:cNvPr>
-          <p:cNvSpPr txBox="1"/>
-          <p:nvPr/>
-        </p:nvSpPr>
-        <p:spPr>
-          <a:xfrm>
-            <a:off x="1857629" y="4793714"/>
-            <a:ext cx="486034" cy="646331"/>
-          </a:xfrm>
-          <a:prstGeom prst="rect">
-            <a:avLst/>
-          </a:prstGeom>
-          <a:noFill/>
-        </p:spPr>
-        <p:txBody>
-          <a:bodyPr wrap="square" rtlCol="0">
-            <a:spAutoFit/>
-          </a:bodyPr>
-          <a:lstStyle/>
-          <a:p>
-            <a:pPr algn="ctr"/>
-            <a:r>
-              <a:rPr lang="en-US" sz="3600" dirty="0"/>
-              <a:t>X</a:t>
-            </a:r>
-          </a:p>
-        </p:txBody>
-      </p:sp>
-      <p:cxnSp>
-        <p:nvCxnSpPr>
-          <p:cNvPr id="10" name="Straight Arrow Connector 9">
-            <a:extLst>
-              <a:ext uri="{FF2B5EF4-FFF2-40B4-BE49-F238E27FC236}">
-                <a16:creationId xmlns:a16="http://schemas.microsoft.com/office/drawing/2014/main" id="{EBA31DF0-61BF-3F41-815B-F0DFF977D270}"/>
-              </a:ext>
-            </a:extLst>
-          </p:cNvPr>
-          <p:cNvCxnSpPr>
-            <a:cxnSpLocks/>
-            <a:stCxn id="9" idx="3"/>
-            <a:endCxn id="12" idx="1"/>
-          </p:cNvCxnSpPr>
-          <p:nvPr/>
-        </p:nvCxnSpPr>
-        <p:spPr>
-          <a:xfrm>
-            <a:off x="2343663" y="5116880"/>
-            <a:ext cx="3369275" cy="0"/>
-          </a:xfrm>
-          <a:prstGeom prst="straightConnector1">
-            <a:avLst/>
-          </a:prstGeom>
-          <a:ln w="38100">
-            <a:solidFill>
-              <a:schemeClr val="tx1"/>
-            </a:solidFill>
-            <a:tailEnd type="triangle"/>
-          </a:ln>
-        </p:spPr>
-        <p:style>
-          <a:lnRef idx="1">
-            <a:schemeClr val="accent1"/>
-          </a:lnRef>
-          <a:fillRef idx="0">
-            <a:schemeClr val="accent1"/>
-          </a:fillRef>
-          <a:effectRef idx="0">
-            <a:schemeClr val="accent1"/>
-          </a:effectRef>
-          <a:fontRef idx="minor">
-            <a:schemeClr val="tx1"/>
-          </a:fontRef>
-        </p:style>
-      </p:cxnSp>
-      <p:cxnSp>
-        <p:nvCxnSpPr>
-          <p:cNvPr id="11" name="Straight Arrow Connector 10">
-            <a:extLst>
-              <a:ext uri="{FF2B5EF4-FFF2-40B4-BE49-F238E27FC236}">
-                <a16:creationId xmlns:a16="http://schemas.microsoft.com/office/drawing/2014/main" id="{7A1A3234-0DB1-294F-963F-6AC3132710BC}"/>
-              </a:ext>
-            </a:extLst>
-          </p:cNvPr>
-          <p:cNvCxnSpPr>
-            <a:cxnSpLocks/>
-            <a:stCxn id="12" idx="3"/>
-            <a:endCxn id="13" idx="1"/>
-          </p:cNvCxnSpPr>
-          <p:nvPr/>
-        </p:nvCxnSpPr>
-        <p:spPr>
-          <a:xfrm>
-            <a:off x="6198972" y="5116880"/>
-            <a:ext cx="3319847" cy="0"/>
-          </a:xfrm>
-          <a:prstGeom prst="straightConnector1">
-            <a:avLst/>
-          </a:prstGeom>
-          <a:ln w="38100">
-            <a:solidFill>
-              <a:schemeClr val="tx1"/>
-            </a:solidFill>
-            <a:headEnd type="triangle" w="med" len="med"/>
-            <a:tailEnd type="none" w="med" len="med"/>
-          </a:ln>
-        </p:spPr>
-        <p:style>
-          <a:lnRef idx="1">
-            <a:schemeClr val="accent1"/>
-          </a:lnRef>
-          <a:fillRef idx="0">
-            <a:schemeClr val="accent1"/>
-          </a:fillRef>
-          <a:effectRef idx="0">
-            <a:schemeClr val="accent1"/>
-          </a:effectRef>
-          <a:fontRef idx="minor">
-            <a:schemeClr val="tx1"/>
-          </a:fontRef>
-        </p:style>
-      </p:cxnSp>
-      <p:sp>
-        <p:nvSpPr>
-          <p:cNvPr id="12" name="TextBox 11">
-            <a:extLst>
-              <a:ext uri="{FF2B5EF4-FFF2-40B4-BE49-F238E27FC236}">
-                <a16:creationId xmlns:a16="http://schemas.microsoft.com/office/drawing/2014/main" id="{AF1C2365-66CE-0E4A-920B-E1DC249EC766}"/>
-              </a:ext>
-            </a:extLst>
-          </p:cNvPr>
-          <p:cNvSpPr txBox="1"/>
-          <p:nvPr/>
-        </p:nvSpPr>
-        <p:spPr>
-          <a:xfrm>
-            <a:off x="5712938" y="4793714"/>
-            <a:ext cx="486034" cy="646331"/>
-          </a:xfrm>
-          <a:prstGeom prst="rect">
-            <a:avLst/>
-          </a:prstGeom>
-          <a:noFill/>
-          <a:ln>
-            <a:solidFill>
-              <a:schemeClr val="tx1"/>
-            </a:solidFill>
-          </a:ln>
-        </p:spPr>
-        <p:txBody>
-          <a:bodyPr wrap="square" rtlCol="0">
-            <a:spAutoFit/>
-          </a:bodyPr>
-          <a:lstStyle/>
-          <a:p>
-            <a:pPr algn="ctr"/>
-            <a:r>
-              <a:rPr lang="en-US" sz="3600" dirty="0"/>
-              <a:t>Y</a:t>
-            </a:r>
-          </a:p>
-        </p:txBody>
-      </p:sp>
-      <p:sp>
-        <p:nvSpPr>
-          <p:cNvPr id="13" name="TextBox 12">
-            <a:extLst>
-              <a:ext uri="{FF2B5EF4-FFF2-40B4-BE49-F238E27FC236}">
-                <a16:creationId xmlns:a16="http://schemas.microsoft.com/office/drawing/2014/main" id="{68415926-7980-EF4E-8448-A203F8AAEC5C}"/>
-              </a:ext>
-            </a:extLst>
-          </p:cNvPr>
-          <p:cNvSpPr txBox="1"/>
-          <p:nvPr/>
-        </p:nvSpPr>
-        <p:spPr>
-          <a:xfrm>
-            <a:off x="9518819" y="4793714"/>
-            <a:ext cx="486034" cy="646331"/>
-          </a:xfrm>
-          <a:prstGeom prst="rect">
-            <a:avLst/>
-          </a:prstGeom>
-          <a:noFill/>
-        </p:spPr>
-        <p:txBody>
-          <a:bodyPr wrap="square" rtlCol="0">
-            <a:spAutoFit/>
-          </a:bodyPr>
-          <a:lstStyle/>
-          <a:p>
-            <a:pPr algn="ctr"/>
-            <a:r>
-              <a:rPr lang="en-US" sz="3600" dirty="0"/>
-              <a:t>Z</a:t>
-            </a:r>
-          </a:p>
-        </p:txBody>
-      </p:sp>
-    </p:spTree>
-    <p:extLst>
-      <p:ext uri="{BB962C8B-B14F-4D97-AF65-F5344CB8AC3E}">
-        <p14:creationId xmlns:p14="http://schemas.microsoft.com/office/powerpoint/2010/main" val="2979180101"/>
-      </p:ext>
-    </p:extLst>
-  </p:cSld>
-  <p:clrMapOvr>
-    <a:masterClrMapping/>
-  </p:clrMapOvr>
-</p:sld>
-</file>
-
-<file path=ppt/slides/slide18.xml><?xml version="1.0" encoding="utf-8"?>
-<p:sld xmlns:a="http://schemas.openxmlformats.org/drawingml/2006/main" xmlns:r="http://schemas.openxmlformats.org/officeDocument/2006/relationships" xmlns:p="http://schemas.openxmlformats.org/presentationml/2006/main">
-  <p:cSld>
-    <p:spTree>
-      <p:nvGrpSpPr>
-        <p:cNvPr id="1" name=""/>
-        <p:cNvGrpSpPr/>
-        <p:nvPr/>
-      </p:nvGrpSpPr>
-      <p:grpSpPr>
-        <a:xfrm>
-          <a:off x="0" y="0"/>
-          <a:ext cx="0" cy="0"/>
-          <a:chOff x="0" y="0"/>
-          <a:chExt cx="0" cy="0"/>
-        </a:xfrm>
-      </p:grpSpPr>
-      <p:sp>
-        <p:nvSpPr>
-          <p:cNvPr id="2" name="Title 1">
-            <a:extLst>
-              <a:ext uri="{FF2B5EF4-FFF2-40B4-BE49-F238E27FC236}">
-                <a16:creationId xmlns:a16="http://schemas.microsoft.com/office/drawing/2014/main" id="{8A22FD68-B1E1-D049-B4A0-9302A83E2646}"/>
-              </a:ext>
-            </a:extLst>
-          </p:cNvPr>
-          <p:cNvSpPr>
-            <a:spLocks noGrp="1"/>
-          </p:cNvSpPr>
-          <p:nvPr>
-            <p:ph type="title"/>
-          </p:nvPr>
-        </p:nvSpPr>
-        <p:spPr/>
-        <p:txBody>
-          <a:bodyPr/>
-          <a:lstStyle/>
-          <a:p>
-            <a:r>
-              <a:rPr lang="en-US" dirty="0"/>
-              <a:t>D-separation Rules</a:t>
-            </a:r>
-          </a:p>
-        </p:txBody>
-      </p:sp>
-      <p:sp>
-        <p:nvSpPr>
-          <p:cNvPr id="3" name="Content Placeholder 2">
-            <a:extLst>
-              <a:ext uri="{FF2B5EF4-FFF2-40B4-BE49-F238E27FC236}">
-                <a16:creationId xmlns:a16="http://schemas.microsoft.com/office/drawing/2014/main" id="{95926409-67C1-7848-99E7-1C2B1C4CC68E}"/>
-              </a:ext>
-            </a:extLst>
-          </p:cNvPr>
-          <p:cNvSpPr>
-            <a:spLocks noGrp="1"/>
-          </p:cNvSpPr>
-          <p:nvPr>
-            <p:ph idx="1"/>
-          </p:nvPr>
-        </p:nvSpPr>
-        <p:spPr/>
-        <p:txBody>
-          <a:bodyPr>
-            <a:normAutofit/>
-          </a:bodyPr>
-          <a:lstStyle/>
-          <a:p>
-            <a:pPr marL="0" indent="0">
-              <a:buNone/>
-            </a:pPr>
-            <a:r>
-              <a:rPr lang="en-US" dirty="0"/>
-              <a:t>A collider that has a descendant that has been conditioned on does not block a path (or conditioning on the descendant of a collider opens the path).</a:t>
-            </a:r>
-          </a:p>
-        </p:txBody>
-      </p:sp>
-      <p:sp>
-        <p:nvSpPr>
-          <p:cNvPr id="14" name="TextBox 13">
-            <a:extLst>
-              <a:ext uri="{FF2B5EF4-FFF2-40B4-BE49-F238E27FC236}">
-                <a16:creationId xmlns:a16="http://schemas.microsoft.com/office/drawing/2014/main" id="{DB42F9AE-DFD8-2644-8252-29CC0C4E238F}"/>
-              </a:ext>
-            </a:extLst>
-          </p:cNvPr>
-          <p:cNvSpPr txBox="1"/>
-          <p:nvPr/>
-        </p:nvSpPr>
-        <p:spPr>
-          <a:xfrm>
-            <a:off x="1857629" y="3105834"/>
-            <a:ext cx="486034" cy="646331"/>
-          </a:xfrm>
-          <a:prstGeom prst="rect">
-            <a:avLst/>
-          </a:prstGeom>
-          <a:noFill/>
-        </p:spPr>
-        <p:txBody>
-          <a:bodyPr wrap="square" rtlCol="0">
-            <a:spAutoFit/>
-          </a:bodyPr>
-          <a:lstStyle/>
-          <a:p>
-            <a:pPr algn="ctr"/>
-            <a:r>
-              <a:rPr lang="en-US" sz="3600" dirty="0"/>
-              <a:t>X</a:t>
-            </a:r>
-          </a:p>
-        </p:txBody>
-      </p:sp>
-      <p:cxnSp>
-        <p:nvCxnSpPr>
-          <p:cNvPr id="15" name="Straight Arrow Connector 14">
-            <a:extLst>
-              <a:ext uri="{FF2B5EF4-FFF2-40B4-BE49-F238E27FC236}">
-                <a16:creationId xmlns:a16="http://schemas.microsoft.com/office/drawing/2014/main" id="{FEDD47D8-3B7F-3D48-B4D8-AC6A76539990}"/>
-              </a:ext>
-            </a:extLst>
-          </p:cNvPr>
-          <p:cNvCxnSpPr>
-            <a:cxnSpLocks/>
-            <a:stCxn id="14" idx="3"/>
-            <a:endCxn id="17" idx="1"/>
-          </p:cNvCxnSpPr>
-          <p:nvPr/>
-        </p:nvCxnSpPr>
-        <p:spPr>
-          <a:xfrm>
-            <a:off x="2343663" y="3429000"/>
-            <a:ext cx="3369275" cy="0"/>
-          </a:xfrm>
-          <a:prstGeom prst="straightConnector1">
-            <a:avLst/>
-          </a:prstGeom>
-          <a:ln w="38100">
-            <a:solidFill>
-              <a:schemeClr val="tx1"/>
-            </a:solidFill>
-            <a:tailEnd type="triangle"/>
-          </a:ln>
-        </p:spPr>
-        <p:style>
-          <a:lnRef idx="1">
-            <a:schemeClr val="accent1"/>
-          </a:lnRef>
-          <a:fillRef idx="0">
-            <a:schemeClr val="accent1"/>
-          </a:fillRef>
-          <a:effectRef idx="0">
-            <a:schemeClr val="accent1"/>
-          </a:effectRef>
-          <a:fontRef idx="minor">
-            <a:schemeClr val="tx1"/>
-          </a:fontRef>
-        </p:style>
-      </p:cxnSp>
-      <p:cxnSp>
-        <p:nvCxnSpPr>
-          <p:cNvPr id="16" name="Straight Arrow Connector 15">
-            <a:extLst>
-              <a:ext uri="{FF2B5EF4-FFF2-40B4-BE49-F238E27FC236}">
-                <a16:creationId xmlns:a16="http://schemas.microsoft.com/office/drawing/2014/main" id="{56DC0DD1-BA7B-0549-9B3A-C0E2D6FCB5EF}"/>
-              </a:ext>
-            </a:extLst>
-          </p:cNvPr>
-          <p:cNvCxnSpPr>
-            <a:cxnSpLocks/>
-            <a:stCxn id="17" idx="3"/>
-            <a:endCxn id="18" idx="1"/>
-          </p:cNvCxnSpPr>
-          <p:nvPr/>
-        </p:nvCxnSpPr>
-        <p:spPr>
-          <a:xfrm>
-            <a:off x="6198972" y="3429000"/>
-            <a:ext cx="3319847" cy="0"/>
-          </a:xfrm>
-          <a:prstGeom prst="straightConnector1">
-            <a:avLst/>
-          </a:prstGeom>
-          <a:ln w="38100">
-            <a:solidFill>
-              <a:schemeClr val="tx1"/>
-            </a:solidFill>
-            <a:headEnd type="triangle" w="med" len="med"/>
-            <a:tailEnd type="none" w="med" len="med"/>
-          </a:ln>
-        </p:spPr>
-        <p:style>
-          <a:lnRef idx="1">
-            <a:schemeClr val="accent1"/>
-          </a:lnRef>
-          <a:fillRef idx="0">
-            <a:schemeClr val="accent1"/>
-          </a:fillRef>
-          <a:effectRef idx="0">
-            <a:schemeClr val="accent1"/>
-          </a:effectRef>
-          <a:fontRef idx="minor">
-            <a:schemeClr val="tx1"/>
-          </a:fontRef>
-        </p:style>
-      </p:cxnSp>
-      <p:sp>
-        <p:nvSpPr>
-          <p:cNvPr id="17" name="TextBox 16">
-            <a:extLst>
-              <a:ext uri="{FF2B5EF4-FFF2-40B4-BE49-F238E27FC236}">
-                <a16:creationId xmlns:a16="http://schemas.microsoft.com/office/drawing/2014/main" id="{D14D55FF-9DEB-BE4E-87C3-997941B6BDF5}"/>
-              </a:ext>
-            </a:extLst>
-          </p:cNvPr>
-          <p:cNvSpPr txBox="1"/>
-          <p:nvPr/>
-        </p:nvSpPr>
-        <p:spPr>
-          <a:xfrm>
-            <a:off x="5712938" y="3105834"/>
-            <a:ext cx="486034" cy="646331"/>
-          </a:xfrm>
-          <a:prstGeom prst="rect">
-            <a:avLst/>
-          </a:prstGeom>
-          <a:noFill/>
-        </p:spPr>
-        <p:txBody>
-          <a:bodyPr wrap="square" rtlCol="0">
-            <a:spAutoFit/>
-          </a:bodyPr>
-          <a:lstStyle/>
-          <a:p>
-            <a:pPr algn="ctr"/>
-            <a:r>
-              <a:rPr lang="en-US" sz="3600" dirty="0"/>
-              <a:t>Y</a:t>
-            </a:r>
-          </a:p>
-        </p:txBody>
-      </p:sp>
-      <p:sp>
-        <p:nvSpPr>
-          <p:cNvPr id="18" name="TextBox 17">
-            <a:extLst>
-              <a:ext uri="{FF2B5EF4-FFF2-40B4-BE49-F238E27FC236}">
-                <a16:creationId xmlns:a16="http://schemas.microsoft.com/office/drawing/2014/main" id="{F31B04DC-63EE-5F41-8ECE-4E62D1E77489}"/>
-              </a:ext>
-            </a:extLst>
-          </p:cNvPr>
-          <p:cNvSpPr txBox="1"/>
-          <p:nvPr/>
-        </p:nvSpPr>
-        <p:spPr>
-          <a:xfrm>
-            <a:off x="9518819" y="3105834"/>
-            <a:ext cx="486034" cy="646331"/>
-          </a:xfrm>
-          <a:prstGeom prst="rect">
-            <a:avLst/>
-          </a:prstGeom>
-          <a:noFill/>
-        </p:spPr>
-        <p:txBody>
-          <a:bodyPr wrap="square" rtlCol="0">
-            <a:spAutoFit/>
-          </a:bodyPr>
-          <a:lstStyle/>
-          <a:p>
-            <a:pPr algn="ctr"/>
-            <a:r>
-              <a:rPr lang="en-US" sz="3600" dirty="0"/>
-              <a:t>Z</a:t>
-            </a:r>
-          </a:p>
-        </p:txBody>
-      </p:sp>
-      <p:sp>
-        <p:nvSpPr>
-          <p:cNvPr id="19" name="TextBox 18">
-            <a:extLst>
-              <a:ext uri="{FF2B5EF4-FFF2-40B4-BE49-F238E27FC236}">
-                <a16:creationId xmlns:a16="http://schemas.microsoft.com/office/drawing/2014/main" id="{D05CFA1A-A79D-5D41-AA3A-B9E0C8E8632A}"/>
-              </a:ext>
-            </a:extLst>
-          </p:cNvPr>
-          <p:cNvSpPr txBox="1"/>
-          <p:nvPr/>
-        </p:nvSpPr>
-        <p:spPr>
-          <a:xfrm>
-            <a:off x="5712938" y="4844145"/>
-            <a:ext cx="486034" cy="646331"/>
-          </a:xfrm>
-          <a:prstGeom prst="rect">
-            <a:avLst/>
-          </a:prstGeom>
-          <a:noFill/>
-          <a:ln>
-            <a:solidFill>
-              <a:schemeClr val="tx1"/>
-            </a:solidFill>
-          </a:ln>
-        </p:spPr>
-        <p:txBody>
-          <a:bodyPr wrap="square" rtlCol="0">
-            <a:spAutoFit/>
-          </a:bodyPr>
-          <a:lstStyle/>
-          <a:p>
-            <a:pPr algn="ctr"/>
-            <a:r>
-              <a:rPr lang="en-US" sz="3600" dirty="0"/>
-              <a:t>W</a:t>
-            </a:r>
-          </a:p>
-        </p:txBody>
-      </p:sp>
-      <p:cxnSp>
-        <p:nvCxnSpPr>
-          <p:cNvPr id="20" name="Straight Arrow Connector 19">
-            <a:extLst>
-              <a:ext uri="{FF2B5EF4-FFF2-40B4-BE49-F238E27FC236}">
-                <a16:creationId xmlns:a16="http://schemas.microsoft.com/office/drawing/2014/main" id="{E745F547-7F2C-1D4A-B8CF-689837266AEB}"/>
-              </a:ext>
-            </a:extLst>
-          </p:cNvPr>
-          <p:cNvCxnSpPr>
-            <a:cxnSpLocks/>
-            <a:stCxn id="17" idx="2"/>
-            <a:endCxn id="19" idx="0"/>
-          </p:cNvCxnSpPr>
-          <p:nvPr/>
-        </p:nvCxnSpPr>
-        <p:spPr>
-          <a:xfrm>
-            <a:off x="5955955" y="3752165"/>
-            <a:ext cx="0" cy="1091980"/>
-          </a:xfrm>
-          <a:prstGeom prst="straightConnector1">
-            <a:avLst/>
-          </a:prstGeom>
-          <a:ln w="38100">
-            <a:solidFill>
-              <a:schemeClr val="tx1"/>
-            </a:solidFill>
-            <a:tailEnd type="triangle"/>
-          </a:ln>
-        </p:spPr>
-        <p:style>
-          <a:lnRef idx="1">
-            <a:schemeClr val="accent1"/>
-          </a:lnRef>
-          <a:fillRef idx="0">
-            <a:schemeClr val="accent1"/>
-          </a:fillRef>
-          <a:effectRef idx="0">
-            <a:schemeClr val="accent1"/>
-          </a:effectRef>
-          <a:fontRef idx="minor">
-            <a:schemeClr val="tx1"/>
-          </a:fontRef>
-        </p:style>
-      </p:cxnSp>
-    </p:spTree>
-    <p:extLst>
-      <p:ext uri="{BB962C8B-B14F-4D97-AF65-F5344CB8AC3E}">
-        <p14:creationId xmlns:p14="http://schemas.microsoft.com/office/powerpoint/2010/main" val="1074921630"/>
       </p:ext>
     </p:extLst>
   </p:cSld>
@@ -13258,3626 +8557,6 @@
     <p:extLst>
       <p:ext uri="{BB962C8B-B14F-4D97-AF65-F5344CB8AC3E}">
         <p14:creationId xmlns:p14="http://schemas.microsoft.com/office/powerpoint/2010/main" val="2480015667"/>
-      </p:ext>
-    </p:extLst>
-  </p:cSld>
-  <p:clrMapOvr>
-    <a:masterClrMapping/>
-  </p:clrMapOvr>
-</p:sld>
-</file>
-
-<file path=ppt/slides/slide4.xml><?xml version="1.0" encoding="utf-8"?>
-<p:sld xmlns:a="http://schemas.openxmlformats.org/drawingml/2006/main" xmlns:r="http://schemas.openxmlformats.org/officeDocument/2006/relationships" xmlns:p="http://schemas.openxmlformats.org/presentationml/2006/main">
-  <p:cSld>
-    <p:spTree>
-      <p:nvGrpSpPr>
-        <p:cNvPr id="1" name=""/>
-        <p:cNvGrpSpPr/>
-        <p:nvPr/>
-      </p:nvGrpSpPr>
-      <p:grpSpPr>
-        <a:xfrm>
-          <a:off x="0" y="0"/>
-          <a:ext cx="0" cy="0"/>
-          <a:chOff x="0" y="0"/>
-          <a:chExt cx="0" cy="0"/>
-        </a:xfrm>
-      </p:grpSpPr>
-      <p:sp>
-        <p:nvSpPr>
-          <p:cNvPr id="2" name="Title 1">
-            <a:extLst>
-              <a:ext uri="{FF2B5EF4-FFF2-40B4-BE49-F238E27FC236}">
-                <a16:creationId xmlns:a16="http://schemas.microsoft.com/office/drawing/2014/main" id="{E634157E-EEDA-2D4E-81C5-5E8DF7F346CB}"/>
-              </a:ext>
-            </a:extLst>
-          </p:cNvPr>
-          <p:cNvSpPr>
-            <a:spLocks noGrp="1"/>
-          </p:cNvSpPr>
-          <p:nvPr>
-            <p:ph type="title"/>
-          </p:nvPr>
-        </p:nvSpPr>
-        <p:spPr/>
-        <p:txBody>
-          <a:bodyPr/>
-          <a:lstStyle/>
-          <a:p>
-            <a:r>
-              <a:rPr lang="en-US" dirty="0"/>
-              <a:t>Rothman’s model of sufficient and component causes (RMSCC)</a:t>
-            </a:r>
-          </a:p>
-        </p:txBody>
-      </p:sp>
-      <p:sp>
-        <p:nvSpPr>
-          <p:cNvPr id="3" name="Content Placeholder 2">
-            <a:extLst>
-              <a:ext uri="{FF2B5EF4-FFF2-40B4-BE49-F238E27FC236}">
-                <a16:creationId xmlns:a16="http://schemas.microsoft.com/office/drawing/2014/main" id="{0198EF66-E480-BB4B-9F0A-623A422CF0A3}"/>
-              </a:ext>
-            </a:extLst>
-          </p:cNvPr>
-          <p:cNvSpPr>
-            <a:spLocks noGrp="1"/>
-          </p:cNvSpPr>
-          <p:nvPr>
-            <p:ph idx="1"/>
-          </p:nvPr>
-        </p:nvSpPr>
-        <p:spPr/>
-        <p:txBody>
-          <a:bodyPr/>
-          <a:lstStyle/>
-          <a:p>
-            <a:r>
-              <a:rPr lang="en-US" dirty="0"/>
-              <a:t>In RMSCC a set of component causes can be represented by a pie chart where each segment represents one of the component causes.</a:t>
-            </a:r>
-          </a:p>
-          <a:p>
-            <a:r>
-              <a:rPr lang="en-US" dirty="0"/>
-              <a:t>Each pie chart represents a set of </a:t>
-            </a:r>
-            <a:r>
-              <a:rPr lang="en-US" i="1" dirty="0"/>
-              <a:t>sufficient</a:t>
-            </a:r>
-            <a:r>
-              <a:rPr lang="en-US" dirty="0"/>
-              <a:t> causes.</a:t>
-            </a:r>
-          </a:p>
-          <a:p>
-            <a:pPr lvl="1"/>
-            <a:r>
-              <a:rPr lang="en-US" dirty="0"/>
-              <a:t>By sufficient we mean that each pie represents a complete causal mechanism that will result in disease. </a:t>
-            </a:r>
-          </a:p>
-        </p:txBody>
-      </p:sp>
-      <p:grpSp>
-        <p:nvGrpSpPr>
-          <p:cNvPr id="4" name="Group 3">
-            <a:extLst>
-              <a:ext uri="{FF2B5EF4-FFF2-40B4-BE49-F238E27FC236}">
-                <a16:creationId xmlns:a16="http://schemas.microsoft.com/office/drawing/2014/main" id="{300DB7B7-8516-0345-BD79-8EEB941F2617}"/>
-              </a:ext>
-            </a:extLst>
-          </p:cNvPr>
-          <p:cNvGrpSpPr/>
-          <p:nvPr/>
-        </p:nvGrpSpPr>
-        <p:grpSpPr>
-          <a:xfrm>
-            <a:off x="4686300" y="3748217"/>
-            <a:ext cx="2819400" cy="3016395"/>
-            <a:chOff x="533400" y="2057400"/>
-            <a:chExt cx="2514600" cy="2778618"/>
-          </a:xfrm>
-        </p:grpSpPr>
-        <p:sp>
-          <p:nvSpPr>
-            <p:cNvPr id="5" name="Oval 4">
-              <a:extLst>
-                <a:ext uri="{FF2B5EF4-FFF2-40B4-BE49-F238E27FC236}">
-                  <a16:creationId xmlns:a16="http://schemas.microsoft.com/office/drawing/2014/main" id="{3AC706B3-B52E-8F40-8B40-7D10C94B924A}"/>
-                </a:ext>
-              </a:extLst>
-            </p:cNvPr>
-            <p:cNvSpPr/>
-            <p:nvPr/>
-          </p:nvSpPr>
-          <p:spPr>
-            <a:xfrm>
-              <a:off x="533400" y="2057400"/>
-              <a:ext cx="2438400" cy="2362200"/>
-            </a:xfrm>
-            <a:prstGeom prst="ellipse">
-              <a:avLst/>
-            </a:prstGeom>
-          </p:spPr>
-          <p:style>
-            <a:lnRef idx="2">
-              <a:schemeClr val="accent1">
-                <a:shade val="50000"/>
-              </a:schemeClr>
-            </a:lnRef>
-            <a:fillRef idx="1">
-              <a:schemeClr val="accent1"/>
-            </a:fillRef>
-            <a:effectRef idx="0">
-              <a:schemeClr val="accent1"/>
-            </a:effectRef>
-            <a:fontRef idx="minor">
-              <a:schemeClr val="lt1"/>
-            </a:fontRef>
-          </p:style>
-          <p:txBody>
-            <a:bodyPr rtlCol="0" anchor="ctr"/>
-            <a:lstStyle/>
-            <a:p>
-              <a:pPr algn="ctr"/>
-              <a:endParaRPr lang="en-US"/>
-            </a:p>
-          </p:txBody>
-        </p:sp>
-        <p:cxnSp>
-          <p:nvCxnSpPr>
-            <p:cNvPr id="6" name="Straight Connector 5">
-              <a:extLst>
-                <a:ext uri="{FF2B5EF4-FFF2-40B4-BE49-F238E27FC236}">
-                  <a16:creationId xmlns:a16="http://schemas.microsoft.com/office/drawing/2014/main" id="{831A3DB7-6BF2-324D-B88E-1B48A90071DF}"/>
-                </a:ext>
-              </a:extLst>
-            </p:cNvPr>
-            <p:cNvCxnSpPr>
-              <a:stCxn id="5" idx="2"/>
-              <a:endCxn id="5" idx="6"/>
-            </p:cNvCxnSpPr>
-            <p:nvPr/>
-          </p:nvCxnSpPr>
-          <p:spPr>
-            <a:xfrm rot="10800000" flipH="1">
-              <a:off x="533400" y="3238500"/>
-              <a:ext cx="2438400" cy="1588"/>
-            </a:xfrm>
-            <a:prstGeom prst="line">
-              <a:avLst/>
-            </a:prstGeom>
-          </p:spPr>
-          <p:style>
-            <a:lnRef idx="1">
-              <a:schemeClr val="dk1"/>
-            </a:lnRef>
-            <a:fillRef idx="0">
-              <a:schemeClr val="dk1"/>
-            </a:fillRef>
-            <a:effectRef idx="0">
-              <a:schemeClr val="dk1"/>
-            </a:effectRef>
-            <a:fontRef idx="minor">
-              <a:schemeClr val="tx1"/>
-            </a:fontRef>
-          </p:style>
-        </p:cxnSp>
-        <p:cxnSp>
-          <p:nvCxnSpPr>
-            <p:cNvPr id="7" name="Straight Connector 6">
-              <a:extLst>
-                <a:ext uri="{FF2B5EF4-FFF2-40B4-BE49-F238E27FC236}">
-                  <a16:creationId xmlns:a16="http://schemas.microsoft.com/office/drawing/2014/main" id="{88023C25-18CC-1A4F-8A80-D5B4FF71541F}"/>
-                </a:ext>
-              </a:extLst>
-            </p:cNvPr>
-            <p:cNvCxnSpPr>
-              <a:stCxn id="5" idx="4"/>
-            </p:cNvCxnSpPr>
-            <p:nvPr/>
-          </p:nvCxnSpPr>
-          <p:spPr>
-            <a:xfrm rot="5400000" flipH="1">
-              <a:off x="1143000" y="3810000"/>
-              <a:ext cx="1219200" cy="1588"/>
-            </a:xfrm>
-            <a:prstGeom prst="line">
-              <a:avLst/>
-            </a:prstGeom>
-          </p:spPr>
-          <p:style>
-            <a:lnRef idx="1">
-              <a:schemeClr val="dk1"/>
-            </a:lnRef>
-            <a:fillRef idx="0">
-              <a:schemeClr val="dk1"/>
-            </a:fillRef>
-            <a:effectRef idx="0">
-              <a:schemeClr val="dk1"/>
-            </a:effectRef>
-            <a:fontRef idx="minor">
-              <a:schemeClr val="tx1"/>
-            </a:fontRef>
-          </p:style>
-        </p:cxnSp>
-        <p:sp>
-          <p:nvSpPr>
-            <p:cNvPr id="8" name="TextBox 7">
-              <a:extLst>
-                <a:ext uri="{FF2B5EF4-FFF2-40B4-BE49-F238E27FC236}">
-                  <a16:creationId xmlns:a16="http://schemas.microsoft.com/office/drawing/2014/main" id="{A0DC7770-C046-D844-AF61-32037329CB2E}"/>
-                </a:ext>
-              </a:extLst>
-            </p:cNvPr>
-            <p:cNvSpPr txBox="1"/>
-            <p:nvPr/>
-          </p:nvSpPr>
-          <p:spPr>
-            <a:xfrm>
-              <a:off x="685800" y="3429000"/>
-              <a:ext cx="1143000" cy="595382"/>
-            </a:xfrm>
-            <a:prstGeom prst="rect">
-              <a:avLst/>
-            </a:prstGeom>
-            <a:noFill/>
-          </p:spPr>
-          <p:txBody>
-            <a:bodyPr wrap="square" rtlCol="0">
-              <a:spAutoFit/>
-            </a:bodyPr>
-            <a:lstStyle/>
-            <a:p>
-              <a:pPr algn="ctr"/>
-              <a:r>
-                <a:rPr lang="en-US" dirty="0"/>
-                <a:t>Component Cause 1</a:t>
-              </a:r>
-            </a:p>
-          </p:txBody>
-        </p:sp>
-        <p:sp>
-          <p:nvSpPr>
-            <p:cNvPr id="9" name="TextBox 8">
-              <a:extLst>
-                <a:ext uri="{FF2B5EF4-FFF2-40B4-BE49-F238E27FC236}">
-                  <a16:creationId xmlns:a16="http://schemas.microsoft.com/office/drawing/2014/main" id="{1123B0DD-AD35-894A-8FE8-AEE0E5888877}"/>
-                </a:ext>
-              </a:extLst>
-            </p:cNvPr>
-            <p:cNvSpPr txBox="1"/>
-            <p:nvPr/>
-          </p:nvSpPr>
-          <p:spPr>
-            <a:xfrm>
-              <a:off x="685799" y="2590800"/>
-              <a:ext cx="2057400" cy="595382"/>
-            </a:xfrm>
-            <a:prstGeom prst="rect">
-              <a:avLst/>
-            </a:prstGeom>
-            <a:noFill/>
-          </p:spPr>
-          <p:txBody>
-            <a:bodyPr wrap="square" rtlCol="0">
-              <a:spAutoFit/>
-            </a:bodyPr>
-            <a:lstStyle/>
-            <a:p>
-              <a:pPr algn="ctr"/>
-              <a:r>
-                <a:rPr lang="en-US" dirty="0"/>
-                <a:t>U1 – Other, unknown Components</a:t>
-              </a:r>
-            </a:p>
-          </p:txBody>
-        </p:sp>
-        <p:sp>
-          <p:nvSpPr>
-            <p:cNvPr id="10" name="TextBox 9">
-              <a:extLst>
-                <a:ext uri="{FF2B5EF4-FFF2-40B4-BE49-F238E27FC236}">
-                  <a16:creationId xmlns:a16="http://schemas.microsoft.com/office/drawing/2014/main" id="{ECCD7246-3EC7-5B42-9BBE-BB1DBB061A7A}"/>
-                </a:ext>
-              </a:extLst>
-            </p:cNvPr>
-            <p:cNvSpPr txBox="1"/>
-            <p:nvPr/>
-          </p:nvSpPr>
-          <p:spPr>
-            <a:xfrm>
-              <a:off x="1600200" y="3429000"/>
-              <a:ext cx="1447800" cy="595382"/>
-            </a:xfrm>
-            <a:prstGeom prst="rect">
-              <a:avLst/>
-            </a:prstGeom>
-            <a:noFill/>
-          </p:spPr>
-          <p:txBody>
-            <a:bodyPr wrap="square" rtlCol="0">
-              <a:spAutoFit/>
-            </a:bodyPr>
-            <a:lstStyle/>
-            <a:p>
-              <a:pPr algn="ctr"/>
-              <a:r>
-                <a:rPr lang="en-US" dirty="0"/>
-                <a:t>Component Cause 2</a:t>
-              </a:r>
-            </a:p>
-          </p:txBody>
-        </p:sp>
-        <p:sp>
-          <p:nvSpPr>
-            <p:cNvPr id="11" name="TextBox 10">
-              <a:extLst>
-                <a:ext uri="{FF2B5EF4-FFF2-40B4-BE49-F238E27FC236}">
-                  <a16:creationId xmlns:a16="http://schemas.microsoft.com/office/drawing/2014/main" id="{59186169-B541-0045-97FA-0D6EBFD3EA1D}"/>
-                </a:ext>
-              </a:extLst>
-            </p:cNvPr>
-            <p:cNvSpPr txBox="1"/>
-            <p:nvPr/>
-          </p:nvSpPr>
-          <p:spPr>
-            <a:xfrm>
-              <a:off x="685800" y="4495800"/>
-              <a:ext cx="2133600" cy="340218"/>
-            </a:xfrm>
-            <a:prstGeom prst="rect">
-              <a:avLst/>
-            </a:prstGeom>
-            <a:noFill/>
-          </p:spPr>
-          <p:txBody>
-            <a:bodyPr wrap="square" rtlCol="0">
-              <a:spAutoFit/>
-            </a:bodyPr>
-            <a:lstStyle/>
-            <a:p>
-              <a:pPr algn="ctr"/>
-              <a:r>
-                <a:rPr lang="en-US" dirty="0"/>
-                <a:t>Sufficient Cause</a:t>
-              </a:r>
-            </a:p>
-          </p:txBody>
-        </p:sp>
-      </p:grpSp>
-    </p:spTree>
-    <p:extLst>
-      <p:ext uri="{BB962C8B-B14F-4D97-AF65-F5344CB8AC3E}">
-        <p14:creationId xmlns:p14="http://schemas.microsoft.com/office/powerpoint/2010/main" val="3611892058"/>
-      </p:ext>
-    </p:extLst>
-  </p:cSld>
-  <p:clrMapOvr>
-    <a:masterClrMapping/>
-  </p:clrMapOvr>
-  <p:extLst>
-    <p:ext uri="{6950BFC3-D8DA-4A85-94F7-54DA5524770B}">
-      <p188:commentRel xmlns:p188="http://schemas.microsoft.com/office/powerpoint/2018/8/main" r:id="rId3"/>
-    </p:ext>
-  </p:extLst>
-</p:sld>
-</file>
-
-<file path=ppt/slides/slide5.xml><?xml version="1.0" encoding="utf-8"?>
-<p:sld xmlns:a="http://schemas.openxmlformats.org/drawingml/2006/main" xmlns:r="http://schemas.openxmlformats.org/officeDocument/2006/relationships" xmlns:p="http://schemas.openxmlformats.org/presentationml/2006/main">
-  <p:cSld>
-    <p:spTree>
-      <p:nvGrpSpPr>
-        <p:cNvPr id="1" name=""/>
-        <p:cNvGrpSpPr/>
-        <p:nvPr/>
-      </p:nvGrpSpPr>
-      <p:grpSpPr>
-        <a:xfrm>
-          <a:off x="0" y="0"/>
-          <a:ext cx="0" cy="0"/>
-          <a:chOff x="0" y="0"/>
-          <a:chExt cx="0" cy="0"/>
-        </a:xfrm>
-      </p:grpSpPr>
-      <p:sp>
-        <p:nvSpPr>
-          <p:cNvPr id="2" name="Title 1">
-            <a:extLst>
-              <a:ext uri="{FF2B5EF4-FFF2-40B4-BE49-F238E27FC236}">
-                <a16:creationId xmlns:a16="http://schemas.microsoft.com/office/drawing/2014/main" id="{E634157E-EEDA-2D4E-81C5-5E8DF7F346CB}"/>
-              </a:ext>
-            </a:extLst>
-          </p:cNvPr>
-          <p:cNvSpPr>
-            <a:spLocks noGrp="1"/>
-          </p:cNvSpPr>
-          <p:nvPr>
-            <p:ph type="title"/>
-          </p:nvPr>
-        </p:nvSpPr>
-        <p:spPr/>
-        <p:txBody>
-          <a:bodyPr>
-            <a:normAutofit fontScale="90000"/>
-          </a:bodyPr>
-          <a:lstStyle/>
-          <a:p>
-            <a:r>
-              <a:rPr lang="en-US" dirty="0"/>
-              <a:t>Rothman’s model of sufficient and component causes (RMSCC) – Smoking and Lung Cancer</a:t>
-            </a:r>
-          </a:p>
-        </p:txBody>
-      </p:sp>
-      <p:grpSp>
-        <p:nvGrpSpPr>
-          <p:cNvPr id="4" name="Group 3">
-            <a:extLst>
-              <a:ext uri="{FF2B5EF4-FFF2-40B4-BE49-F238E27FC236}">
-                <a16:creationId xmlns:a16="http://schemas.microsoft.com/office/drawing/2014/main" id="{667F0278-C465-904C-837B-1280692A719D}"/>
-              </a:ext>
-            </a:extLst>
-          </p:cNvPr>
-          <p:cNvGrpSpPr/>
-          <p:nvPr/>
-        </p:nvGrpSpPr>
-        <p:grpSpPr>
-          <a:xfrm>
-            <a:off x="7391400" y="2133601"/>
-            <a:ext cx="2819400" cy="3016395"/>
-            <a:chOff x="533400" y="2057400"/>
-            <a:chExt cx="2514600" cy="2778618"/>
-          </a:xfrm>
-        </p:grpSpPr>
-        <p:sp>
-          <p:nvSpPr>
-            <p:cNvPr id="5" name="Oval 4">
-              <a:extLst>
-                <a:ext uri="{FF2B5EF4-FFF2-40B4-BE49-F238E27FC236}">
-                  <a16:creationId xmlns:a16="http://schemas.microsoft.com/office/drawing/2014/main" id="{C40E8279-610E-2F41-BFB2-D54C8431C029}"/>
-                </a:ext>
-              </a:extLst>
-            </p:cNvPr>
-            <p:cNvSpPr/>
-            <p:nvPr/>
-          </p:nvSpPr>
-          <p:spPr>
-            <a:xfrm>
-              <a:off x="533400" y="2057400"/>
-              <a:ext cx="2438400" cy="2362200"/>
-            </a:xfrm>
-            <a:prstGeom prst="ellipse">
-              <a:avLst/>
-            </a:prstGeom>
-          </p:spPr>
-          <p:style>
-            <a:lnRef idx="2">
-              <a:schemeClr val="accent1">
-                <a:shade val="50000"/>
-              </a:schemeClr>
-            </a:lnRef>
-            <a:fillRef idx="1">
-              <a:schemeClr val="accent1"/>
-            </a:fillRef>
-            <a:effectRef idx="0">
-              <a:schemeClr val="accent1"/>
-            </a:effectRef>
-            <a:fontRef idx="minor">
-              <a:schemeClr val="lt1"/>
-            </a:fontRef>
-          </p:style>
-          <p:txBody>
-            <a:bodyPr rtlCol="0" anchor="ctr"/>
-            <a:lstStyle/>
-            <a:p>
-              <a:pPr algn="ctr"/>
-              <a:endParaRPr lang="en-US"/>
-            </a:p>
-          </p:txBody>
-        </p:sp>
-        <p:cxnSp>
-          <p:nvCxnSpPr>
-            <p:cNvPr id="6" name="Straight Connector 5">
-              <a:extLst>
-                <a:ext uri="{FF2B5EF4-FFF2-40B4-BE49-F238E27FC236}">
-                  <a16:creationId xmlns:a16="http://schemas.microsoft.com/office/drawing/2014/main" id="{38A35E49-E7AD-5144-85F6-570D634C391D}"/>
-                </a:ext>
-              </a:extLst>
-            </p:cNvPr>
-            <p:cNvCxnSpPr>
-              <a:stCxn id="5" idx="2"/>
-              <a:endCxn id="5" idx="6"/>
-            </p:cNvCxnSpPr>
-            <p:nvPr/>
-          </p:nvCxnSpPr>
-          <p:spPr>
-            <a:xfrm rot="10800000" flipH="1">
-              <a:off x="533400" y="3238500"/>
-              <a:ext cx="2438400" cy="1588"/>
-            </a:xfrm>
-            <a:prstGeom prst="line">
-              <a:avLst/>
-            </a:prstGeom>
-          </p:spPr>
-          <p:style>
-            <a:lnRef idx="1">
-              <a:schemeClr val="dk1"/>
-            </a:lnRef>
-            <a:fillRef idx="0">
-              <a:schemeClr val="dk1"/>
-            </a:fillRef>
-            <a:effectRef idx="0">
-              <a:schemeClr val="dk1"/>
-            </a:effectRef>
-            <a:fontRef idx="minor">
-              <a:schemeClr val="tx1"/>
-            </a:fontRef>
-          </p:style>
-        </p:cxnSp>
-        <p:cxnSp>
-          <p:nvCxnSpPr>
-            <p:cNvPr id="7" name="Straight Connector 6">
-              <a:extLst>
-                <a:ext uri="{FF2B5EF4-FFF2-40B4-BE49-F238E27FC236}">
-                  <a16:creationId xmlns:a16="http://schemas.microsoft.com/office/drawing/2014/main" id="{F4D0EF38-C9E0-FF4A-8D97-7F094E8DC2A7}"/>
-                </a:ext>
-              </a:extLst>
-            </p:cNvPr>
-            <p:cNvCxnSpPr>
-              <a:stCxn id="5" idx="4"/>
-            </p:cNvCxnSpPr>
-            <p:nvPr/>
-          </p:nvCxnSpPr>
-          <p:spPr>
-            <a:xfrm rot="5400000" flipH="1">
-              <a:off x="1143000" y="3810000"/>
-              <a:ext cx="1219200" cy="1588"/>
-            </a:xfrm>
-            <a:prstGeom prst="line">
-              <a:avLst/>
-            </a:prstGeom>
-          </p:spPr>
-          <p:style>
-            <a:lnRef idx="1">
-              <a:schemeClr val="dk1"/>
-            </a:lnRef>
-            <a:fillRef idx="0">
-              <a:schemeClr val="dk1"/>
-            </a:fillRef>
-            <a:effectRef idx="0">
-              <a:schemeClr val="dk1"/>
-            </a:effectRef>
-            <a:fontRef idx="minor">
-              <a:schemeClr val="tx1"/>
-            </a:fontRef>
-          </p:style>
-        </p:cxnSp>
-        <p:sp>
-          <p:nvSpPr>
-            <p:cNvPr id="8" name="TextBox 7">
-              <a:extLst>
-                <a:ext uri="{FF2B5EF4-FFF2-40B4-BE49-F238E27FC236}">
-                  <a16:creationId xmlns:a16="http://schemas.microsoft.com/office/drawing/2014/main" id="{24675F07-F34B-724B-B74F-5549054E6E9C}"/>
-                </a:ext>
-              </a:extLst>
-            </p:cNvPr>
-            <p:cNvSpPr txBox="1"/>
-            <p:nvPr/>
-          </p:nvSpPr>
-          <p:spPr>
-            <a:xfrm>
-              <a:off x="685800" y="3429000"/>
-              <a:ext cx="1143000" cy="340218"/>
-            </a:xfrm>
-            <a:prstGeom prst="rect">
-              <a:avLst/>
-            </a:prstGeom>
-            <a:noFill/>
-          </p:spPr>
-          <p:txBody>
-            <a:bodyPr wrap="square" rtlCol="0">
-              <a:spAutoFit/>
-            </a:bodyPr>
-            <a:lstStyle/>
-            <a:p>
-              <a:r>
-                <a:rPr lang="en-US" dirty="0"/>
-                <a:t>Gene=0</a:t>
-              </a:r>
-            </a:p>
-          </p:txBody>
-        </p:sp>
-        <p:sp>
-          <p:nvSpPr>
-            <p:cNvPr id="9" name="TextBox 8">
-              <a:extLst>
-                <a:ext uri="{FF2B5EF4-FFF2-40B4-BE49-F238E27FC236}">
-                  <a16:creationId xmlns:a16="http://schemas.microsoft.com/office/drawing/2014/main" id="{1ED0ACEC-BF31-AD4B-B713-0D76FDECC522}"/>
-                </a:ext>
-              </a:extLst>
-            </p:cNvPr>
-            <p:cNvSpPr txBox="1"/>
-            <p:nvPr/>
-          </p:nvSpPr>
-          <p:spPr>
-            <a:xfrm>
-              <a:off x="1295400" y="2590800"/>
-              <a:ext cx="990600" cy="340218"/>
-            </a:xfrm>
-            <a:prstGeom prst="rect">
-              <a:avLst/>
-            </a:prstGeom>
-            <a:noFill/>
-          </p:spPr>
-          <p:txBody>
-            <a:bodyPr wrap="square" rtlCol="0">
-              <a:spAutoFit/>
-            </a:bodyPr>
-            <a:lstStyle/>
-            <a:p>
-              <a:pPr algn="ctr"/>
-              <a:r>
-                <a:rPr lang="en-US" dirty="0"/>
-                <a:t>U2</a:t>
-              </a:r>
-            </a:p>
-          </p:txBody>
-        </p:sp>
-        <p:sp>
-          <p:nvSpPr>
-            <p:cNvPr id="10" name="TextBox 9">
-              <a:extLst>
-                <a:ext uri="{FF2B5EF4-FFF2-40B4-BE49-F238E27FC236}">
-                  <a16:creationId xmlns:a16="http://schemas.microsoft.com/office/drawing/2014/main" id="{7B2B48C1-D246-7B4B-9603-43638F6FA6F3}"/>
-                </a:ext>
-              </a:extLst>
-            </p:cNvPr>
-            <p:cNvSpPr txBox="1"/>
-            <p:nvPr/>
-          </p:nvSpPr>
-          <p:spPr>
-            <a:xfrm>
-              <a:off x="1600200" y="3429000"/>
-              <a:ext cx="1447800" cy="340218"/>
-            </a:xfrm>
-            <a:prstGeom prst="rect">
-              <a:avLst/>
-            </a:prstGeom>
-            <a:noFill/>
-          </p:spPr>
-          <p:txBody>
-            <a:bodyPr wrap="square" rtlCol="0">
-              <a:spAutoFit/>
-            </a:bodyPr>
-            <a:lstStyle/>
-            <a:p>
-              <a:pPr algn="ctr"/>
-              <a:r>
-                <a:rPr lang="en-US" dirty="0"/>
-                <a:t>Pollution=1</a:t>
-              </a:r>
-            </a:p>
-          </p:txBody>
-        </p:sp>
-        <p:sp>
-          <p:nvSpPr>
-            <p:cNvPr id="11" name="TextBox 10">
-              <a:extLst>
-                <a:ext uri="{FF2B5EF4-FFF2-40B4-BE49-F238E27FC236}">
-                  <a16:creationId xmlns:a16="http://schemas.microsoft.com/office/drawing/2014/main" id="{7C268CE7-4B48-4346-8D8E-6189C7609272}"/>
-                </a:ext>
-              </a:extLst>
-            </p:cNvPr>
-            <p:cNvSpPr txBox="1"/>
-            <p:nvPr/>
-          </p:nvSpPr>
-          <p:spPr>
-            <a:xfrm>
-              <a:off x="685800" y="4495800"/>
-              <a:ext cx="2133600" cy="340218"/>
-            </a:xfrm>
-            <a:prstGeom prst="rect">
-              <a:avLst/>
-            </a:prstGeom>
-            <a:noFill/>
-          </p:spPr>
-          <p:txBody>
-            <a:bodyPr wrap="square" rtlCol="0">
-              <a:spAutoFit/>
-            </a:bodyPr>
-            <a:lstStyle/>
-            <a:p>
-              <a:pPr algn="ctr"/>
-              <a:r>
-                <a:rPr lang="en-US" dirty="0"/>
-                <a:t>Sufficient Cause 2</a:t>
-              </a:r>
-            </a:p>
-          </p:txBody>
-        </p:sp>
-      </p:grpSp>
-      <p:grpSp>
-        <p:nvGrpSpPr>
-          <p:cNvPr id="12" name="Group 11">
-            <a:extLst>
-              <a:ext uri="{FF2B5EF4-FFF2-40B4-BE49-F238E27FC236}">
-                <a16:creationId xmlns:a16="http://schemas.microsoft.com/office/drawing/2014/main" id="{C4C4BECD-2CB5-1647-937A-C532AFF3FC0B}"/>
-              </a:ext>
-            </a:extLst>
-          </p:cNvPr>
-          <p:cNvGrpSpPr/>
-          <p:nvPr/>
-        </p:nvGrpSpPr>
-        <p:grpSpPr>
-          <a:xfrm>
-            <a:off x="4648200" y="3657601"/>
-            <a:ext cx="2819400" cy="3016395"/>
-            <a:chOff x="533400" y="2057400"/>
-            <a:chExt cx="2514600" cy="2778618"/>
-          </a:xfrm>
-        </p:grpSpPr>
-        <p:sp>
-          <p:nvSpPr>
-            <p:cNvPr id="13" name="Oval 12">
-              <a:extLst>
-                <a:ext uri="{FF2B5EF4-FFF2-40B4-BE49-F238E27FC236}">
-                  <a16:creationId xmlns:a16="http://schemas.microsoft.com/office/drawing/2014/main" id="{F2AA6913-09EE-C342-ABF3-B1EE65680BFA}"/>
-                </a:ext>
-              </a:extLst>
-            </p:cNvPr>
-            <p:cNvSpPr/>
-            <p:nvPr/>
-          </p:nvSpPr>
-          <p:spPr>
-            <a:xfrm>
-              <a:off x="533400" y="2057400"/>
-              <a:ext cx="2438400" cy="2362200"/>
-            </a:xfrm>
-            <a:prstGeom prst="ellipse">
-              <a:avLst/>
-            </a:prstGeom>
-          </p:spPr>
-          <p:style>
-            <a:lnRef idx="2">
-              <a:schemeClr val="accent1">
-                <a:shade val="50000"/>
-              </a:schemeClr>
-            </a:lnRef>
-            <a:fillRef idx="1">
-              <a:schemeClr val="accent1"/>
-            </a:fillRef>
-            <a:effectRef idx="0">
-              <a:schemeClr val="accent1"/>
-            </a:effectRef>
-            <a:fontRef idx="minor">
-              <a:schemeClr val="lt1"/>
-            </a:fontRef>
-          </p:style>
-          <p:txBody>
-            <a:bodyPr rtlCol="0" anchor="ctr"/>
-            <a:lstStyle/>
-            <a:p>
-              <a:pPr algn="ctr"/>
-              <a:endParaRPr lang="en-US"/>
-            </a:p>
-          </p:txBody>
-        </p:sp>
-        <p:cxnSp>
-          <p:nvCxnSpPr>
-            <p:cNvPr id="14" name="Straight Connector 13">
-              <a:extLst>
-                <a:ext uri="{FF2B5EF4-FFF2-40B4-BE49-F238E27FC236}">
-                  <a16:creationId xmlns:a16="http://schemas.microsoft.com/office/drawing/2014/main" id="{DF06D25F-004A-C549-9A8F-880529D3987E}"/>
-                </a:ext>
-              </a:extLst>
-            </p:cNvPr>
-            <p:cNvCxnSpPr>
-              <a:stCxn id="13" idx="2"/>
-              <a:endCxn id="13" idx="6"/>
-            </p:cNvCxnSpPr>
-            <p:nvPr/>
-          </p:nvCxnSpPr>
-          <p:spPr>
-            <a:xfrm rot="10800000" flipH="1">
-              <a:off x="533400" y="3238500"/>
-              <a:ext cx="2438400" cy="1588"/>
-            </a:xfrm>
-            <a:prstGeom prst="line">
-              <a:avLst/>
-            </a:prstGeom>
-          </p:spPr>
-          <p:style>
-            <a:lnRef idx="1">
-              <a:schemeClr val="dk1"/>
-            </a:lnRef>
-            <a:fillRef idx="0">
-              <a:schemeClr val="dk1"/>
-            </a:fillRef>
-            <a:effectRef idx="0">
-              <a:schemeClr val="dk1"/>
-            </a:effectRef>
-            <a:fontRef idx="minor">
-              <a:schemeClr val="tx1"/>
-            </a:fontRef>
-          </p:style>
-        </p:cxnSp>
-        <p:cxnSp>
-          <p:nvCxnSpPr>
-            <p:cNvPr id="15" name="Straight Connector 14">
-              <a:extLst>
-                <a:ext uri="{FF2B5EF4-FFF2-40B4-BE49-F238E27FC236}">
-                  <a16:creationId xmlns:a16="http://schemas.microsoft.com/office/drawing/2014/main" id="{A7EF7676-8309-F84B-8ED5-FDD419591B6F}"/>
-                </a:ext>
-              </a:extLst>
-            </p:cNvPr>
-            <p:cNvCxnSpPr>
-              <a:stCxn id="13" idx="4"/>
-            </p:cNvCxnSpPr>
-            <p:nvPr/>
-          </p:nvCxnSpPr>
-          <p:spPr>
-            <a:xfrm rot="5400000" flipH="1">
-              <a:off x="1143000" y="3810000"/>
-              <a:ext cx="1219200" cy="1588"/>
-            </a:xfrm>
-            <a:prstGeom prst="line">
-              <a:avLst/>
-            </a:prstGeom>
-          </p:spPr>
-          <p:style>
-            <a:lnRef idx="1">
-              <a:schemeClr val="dk1"/>
-            </a:lnRef>
-            <a:fillRef idx="0">
-              <a:schemeClr val="dk1"/>
-            </a:fillRef>
-            <a:effectRef idx="0">
-              <a:schemeClr val="dk1"/>
-            </a:effectRef>
-            <a:fontRef idx="minor">
-              <a:schemeClr val="tx1"/>
-            </a:fontRef>
-          </p:style>
-        </p:cxnSp>
-        <p:sp>
-          <p:nvSpPr>
-            <p:cNvPr id="16" name="TextBox 15">
-              <a:extLst>
-                <a:ext uri="{FF2B5EF4-FFF2-40B4-BE49-F238E27FC236}">
-                  <a16:creationId xmlns:a16="http://schemas.microsoft.com/office/drawing/2014/main" id="{6ADEA5D5-91D2-F14A-BACC-5898480FBF5D}"/>
-                </a:ext>
-              </a:extLst>
-            </p:cNvPr>
-            <p:cNvSpPr txBox="1"/>
-            <p:nvPr/>
-          </p:nvSpPr>
-          <p:spPr>
-            <a:xfrm>
-              <a:off x="601362" y="3391073"/>
-              <a:ext cx="1227438" cy="340218"/>
-            </a:xfrm>
-            <a:prstGeom prst="rect">
-              <a:avLst/>
-            </a:prstGeom>
-            <a:noFill/>
-          </p:spPr>
-          <p:txBody>
-            <a:bodyPr wrap="square" rtlCol="0">
-              <a:spAutoFit/>
-            </a:bodyPr>
-            <a:lstStyle/>
-            <a:p>
-              <a:r>
-                <a:rPr lang="en-US" dirty="0"/>
-                <a:t>Smoking=1</a:t>
-              </a:r>
-            </a:p>
-          </p:txBody>
-        </p:sp>
-        <p:sp>
-          <p:nvSpPr>
-            <p:cNvPr id="17" name="TextBox 16">
-              <a:extLst>
-                <a:ext uri="{FF2B5EF4-FFF2-40B4-BE49-F238E27FC236}">
-                  <a16:creationId xmlns:a16="http://schemas.microsoft.com/office/drawing/2014/main" id="{9358F6F6-83E5-4D4B-BB2C-FFB224C7A57E}"/>
-                </a:ext>
-              </a:extLst>
-            </p:cNvPr>
-            <p:cNvSpPr txBox="1"/>
-            <p:nvPr/>
-          </p:nvSpPr>
-          <p:spPr>
-            <a:xfrm>
-              <a:off x="1295400" y="2590800"/>
-              <a:ext cx="990600" cy="340218"/>
-            </a:xfrm>
-            <a:prstGeom prst="rect">
-              <a:avLst/>
-            </a:prstGeom>
-            <a:noFill/>
-          </p:spPr>
-          <p:txBody>
-            <a:bodyPr wrap="square" rtlCol="0">
-              <a:spAutoFit/>
-            </a:bodyPr>
-            <a:lstStyle/>
-            <a:p>
-              <a:pPr algn="ctr"/>
-              <a:r>
-                <a:rPr lang="en-US" dirty="0"/>
-                <a:t>U3</a:t>
-              </a:r>
-            </a:p>
-          </p:txBody>
-        </p:sp>
-        <p:sp>
-          <p:nvSpPr>
-            <p:cNvPr id="18" name="TextBox 17">
-              <a:extLst>
-                <a:ext uri="{FF2B5EF4-FFF2-40B4-BE49-F238E27FC236}">
-                  <a16:creationId xmlns:a16="http://schemas.microsoft.com/office/drawing/2014/main" id="{8B934E28-698D-444A-A917-52D6EE003C18}"/>
-                </a:ext>
-              </a:extLst>
-            </p:cNvPr>
-            <p:cNvSpPr txBox="1"/>
-            <p:nvPr/>
-          </p:nvSpPr>
-          <p:spPr>
-            <a:xfrm>
-              <a:off x="1600200" y="3429000"/>
-              <a:ext cx="1447800" cy="340218"/>
-            </a:xfrm>
-            <a:prstGeom prst="rect">
-              <a:avLst/>
-            </a:prstGeom>
-            <a:noFill/>
-          </p:spPr>
-          <p:txBody>
-            <a:bodyPr wrap="square" rtlCol="0">
-              <a:spAutoFit/>
-            </a:bodyPr>
-            <a:lstStyle/>
-            <a:p>
-              <a:pPr algn="ctr"/>
-              <a:r>
-                <a:rPr lang="en-US" dirty="0"/>
-                <a:t>Pollution=1</a:t>
-              </a:r>
-            </a:p>
-          </p:txBody>
-        </p:sp>
-        <p:sp>
-          <p:nvSpPr>
-            <p:cNvPr id="19" name="TextBox 18">
-              <a:extLst>
-                <a:ext uri="{FF2B5EF4-FFF2-40B4-BE49-F238E27FC236}">
-                  <a16:creationId xmlns:a16="http://schemas.microsoft.com/office/drawing/2014/main" id="{3A7D6F18-58DA-904E-9C73-3CE39229D162}"/>
-                </a:ext>
-              </a:extLst>
-            </p:cNvPr>
-            <p:cNvSpPr txBox="1"/>
-            <p:nvPr/>
-          </p:nvSpPr>
-          <p:spPr>
-            <a:xfrm>
-              <a:off x="685800" y="4495800"/>
-              <a:ext cx="2133600" cy="340218"/>
-            </a:xfrm>
-            <a:prstGeom prst="rect">
-              <a:avLst/>
-            </a:prstGeom>
-            <a:noFill/>
-          </p:spPr>
-          <p:txBody>
-            <a:bodyPr wrap="square" rtlCol="0">
-              <a:spAutoFit/>
-            </a:bodyPr>
-            <a:lstStyle/>
-            <a:p>
-              <a:pPr algn="ctr"/>
-              <a:r>
-                <a:rPr lang="en-US" dirty="0"/>
-                <a:t>Sufficient Cause 3</a:t>
-              </a:r>
-            </a:p>
-          </p:txBody>
-        </p:sp>
-      </p:grpSp>
-      <p:grpSp>
-        <p:nvGrpSpPr>
-          <p:cNvPr id="20" name="Group 19">
-            <a:extLst>
-              <a:ext uri="{FF2B5EF4-FFF2-40B4-BE49-F238E27FC236}">
-                <a16:creationId xmlns:a16="http://schemas.microsoft.com/office/drawing/2014/main" id="{26F3C977-5D08-3448-8A69-9171C62AAA4C}"/>
-              </a:ext>
-            </a:extLst>
-          </p:cNvPr>
-          <p:cNvGrpSpPr/>
-          <p:nvPr/>
-        </p:nvGrpSpPr>
-        <p:grpSpPr>
-          <a:xfrm>
-            <a:off x="1828800" y="1981201"/>
-            <a:ext cx="2819400" cy="3016395"/>
-            <a:chOff x="533400" y="2057400"/>
-            <a:chExt cx="2514600" cy="2778618"/>
-          </a:xfrm>
-        </p:grpSpPr>
-        <p:sp>
-          <p:nvSpPr>
-            <p:cNvPr id="21" name="Oval 20">
-              <a:extLst>
-                <a:ext uri="{FF2B5EF4-FFF2-40B4-BE49-F238E27FC236}">
-                  <a16:creationId xmlns:a16="http://schemas.microsoft.com/office/drawing/2014/main" id="{526AD632-2445-BE40-8016-479616D42E64}"/>
-                </a:ext>
-              </a:extLst>
-            </p:cNvPr>
-            <p:cNvSpPr/>
-            <p:nvPr/>
-          </p:nvSpPr>
-          <p:spPr>
-            <a:xfrm>
-              <a:off x="533400" y="2057400"/>
-              <a:ext cx="2438400" cy="2362200"/>
-            </a:xfrm>
-            <a:prstGeom prst="ellipse">
-              <a:avLst/>
-            </a:prstGeom>
-          </p:spPr>
-          <p:style>
-            <a:lnRef idx="2">
-              <a:schemeClr val="accent1">
-                <a:shade val="50000"/>
-              </a:schemeClr>
-            </a:lnRef>
-            <a:fillRef idx="1">
-              <a:schemeClr val="accent1"/>
-            </a:fillRef>
-            <a:effectRef idx="0">
-              <a:schemeClr val="accent1"/>
-            </a:effectRef>
-            <a:fontRef idx="minor">
-              <a:schemeClr val="lt1"/>
-            </a:fontRef>
-          </p:style>
-          <p:txBody>
-            <a:bodyPr rtlCol="0" anchor="ctr"/>
-            <a:lstStyle/>
-            <a:p>
-              <a:pPr algn="ctr"/>
-              <a:endParaRPr lang="en-US"/>
-            </a:p>
-          </p:txBody>
-        </p:sp>
-        <p:cxnSp>
-          <p:nvCxnSpPr>
-            <p:cNvPr id="22" name="Straight Connector 21">
-              <a:extLst>
-                <a:ext uri="{FF2B5EF4-FFF2-40B4-BE49-F238E27FC236}">
-                  <a16:creationId xmlns:a16="http://schemas.microsoft.com/office/drawing/2014/main" id="{4BEC35FB-B2E8-1B47-832B-84A6EE06FCD8}"/>
-                </a:ext>
-              </a:extLst>
-            </p:cNvPr>
-            <p:cNvCxnSpPr>
-              <a:stCxn id="21" idx="2"/>
-              <a:endCxn id="21" idx="6"/>
-            </p:cNvCxnSpPr>
-            <p:nvPr/>
-          </p:nvCxnSpPr>
-          <p:spPr>
-            <a:xfrm rot="10800000" flipH="1">
-              <a:off x="533400" y="3238500"/>
-              <a:ext cx="2438400" cy="1588"/>
-            </a:xfrm>
-            <a:prstGeom prst="line">
-              <a:avLst/>
-            </a:prstGeom>
-          </p:spPr>
-          <p:style>
-            <a:lnRef idx="1">
-              <a:schemeClr val="dk1"/>
-            </a:lnRef>
-            <a:fillRef idx="0">
-              <a:schemeClr val="dk1"/>
-            </a:fillRef>
-            <a:effectRef idx="0">
-              <a:schemeClr val="dk1"/>
-            </a:effectRef>
-            <a:fontRef idx="minor">
-              <a:schemeClr val="tx1"/>
-            </a:fontRef>
-          </p:style>
-        </p:cxnSp>
-        <p:cxnSp>
-          <p:nvCxnSpPr>
-            <p:cNvPr id="23" name="Straight Connector 22">
-              <a:extLst>
-                <a:ext uri="{FF2B5EF4-FFF2-40B4-BE49-F238E27FC236}">
-                  <a16:creationId xmlns:a16="http://schemas.microsoft.com/office/drawing/2014/main" id="{E3F07AE0-CC02-5044-8AB2-DC1AA61C5843}"/>
-                </a:ext>
-              </a:extLst>
-            </p:cNvPr>
-            <p:cNvCxnSpPr>
-              <a:stCxn id="21" idx="4"/>
-            </p:cNvCxnSpPr>
-            <p:nvPr/>
-          </p:nvCxnSpPr>
-          <p:spPr>
-            <a:xfrm rot="5400000" flipH="1">
-              <a:off x="1143000" y="3810000"/>
-              <a:ext cx="1219200" cy="1588"/>
-            </a:xfrm>
-            <a:prstGeom prst="line">
-              <a:avLst/>
-            </a:prstGeom>
-          </p:spPr>
-          <p:style>
-            <a:lnRef idx="1">
-              <a:schemeClr val="dk1"/>
-            </a:lnRef>
-            <a:fillRef idx="0">
-              <a:schemeClr val="dk1"/>
-            </a:fillRef>
-            <a:effectRef idx="0">
-              <a:schemeClr val="dk1"/>
-            </a:effectRef>
-            <a:fontRef idx="minor">
-              <a:schemeClr val="tx1"/>
-            </a:fontRef>
-          </p:style>
-        </p:cxnSp>
-        <p:sp>
-          <p:nvSpPr>
-            <p:cNvPr id="24" name="TextBox 23">
-              <a:extLst>
-                <a:ext uri="{FF2B5EF4-FFF2-40B4-BE49-F238E27FC236}">
-                  <a16:creationId xmlns:a16="http://schemas.microsoft.com/office/drawing/2014/main" id="{1DF0AF3A-6F6B-2043-9D46-7D329B130CEC}"/>
-                </a:ext>
-              </a:extLst>
-            </p:cNvPr>
-            <p:cNvSpPr txBox="1"/>
-            <p:nvPr/>
-          </p:nvSpPr>
-          <p:spPr>
-            <a:xfrm>
-              <a:off x="685800" y="3429000"/>
-              <a:ext cx="1143000" cy="340218"/>
-            </a:xfrm>
-            <a:prstGeom prst="rect">
-              <a:avLst/>
-            </a:prstGeom>
-            <a:noFill/>
-          </p:spPr>
-          <p:txBody>
-            <a:bodyPr wrap="square" rtlCol="0">
-              <a:spAutoFit/>
-            </a:bodyPr>
-            <a:lstStyle/>
-            <a:p>
-              <a:r>
-                <a:rPr lang="en-US" dirty="0"/>
-                <a:t>Gene=0</a:t>
-              </a:r>
-            </a:p>
-          </p:txBody>
-        </p:sp>
-        <p:sp>
-          <p:nvSpPr>
-            <p:cNvPr id="25" name="TextBox 24">
-              <a:extLst>
-                <a:ext uri="{FF2B5EF4-FFF2-40B4-BE49-F238E27FC236}">
-                  <a16:creationId xmlns:a16="http://schemas.microsoft.com/office/drawing/2014/main" id="{31D282FC-7013-3547-A54D-0E9769877A60}"/>
-                </a:ext>
-              </a:extLst>
-            </p:cNvPr>
-            <p:cNvSpPr txBox="1"/>
-            <p:nvPr/>
-          </p:nvSpPr>
-          <p:spPr>
-            <a:xfrm>
-              <a:off x="1295400" y="2590800"/>
-              <a:ext cx="990600" cy="340218"/>
-            </a:xfrm>
-            <a:prstGeom prst="rect">
-              <a:avLst/>
-            </a:prstGeom>
-            <a:noFill/>
-          </p:spPr>
-          <p:txBody>
-            <a:bodyPr wrap="square" rtlCol="0">
-              <a:spAutoFit/>
-            </a:bodyPr>
-            <a:lstStyle/>
-            <a:p>
-              <a:pPr algn="ctr"/>
-              <a:r>
-                <a:rPr lang="en-US" dirty="0"/>
-                <a:t>U1</a:t>
-              </a:r>
-            </a:p>
-          </p:txBody>
-        </p:sp>
-        <p:sp>
-          <p:nvSpPr>
-            <p:cNvPr id="26" name="TextBox 25">
-              <a:extLst>
-                <a:ext uri="{FF2B5EF4-FFF2-40B4-BE49-F238E27FC236}">
-                  <a16:creationId xmlns:a16="http://schemas.microsoft.com/office/drawing/2014/main" id="{4C5B47CE-0A57-A941-89E4-96C44BAD1001}"/>
-                </a:ext>
-              </a:extLst>
-            </p:cNvPr>
-            <p:cNvSpPr txBox="1"/>
-            <p:nvPr/>
-          </p:nvSpPr>
-          <p:spPr>
-            <a:xfrm>
-              <a:off x="1600200" y="3429000"/>
-              <a:ext cx="1447800" cy="340218"/>
-            </a:xfrm>
-            <a:prstGeom prst="rect">
-              <a:avLst/>
-            </a:prstGeom>
-            <a:noFill/>
-          </p:spPr>
-          <p:txBody>
-            <a:bodyPr wrap="square" rtlCol="0">
-              <a:spAutoFit/>
-            </a:bodyPr>
-            <a:lstStyle/>
-            <a:p>
-              <a:pPr algn="ctr"/>
-              <a:r>
-                <a:rPr lang="en-US" dirty="0"/>
-                <a:t>Smoking=1</a:t>
-              </a:r>
-            </a:p>
-          </p:txBody>
-        </p:sp>
-        <p:sp>
-          <p:nvSpPr>
-            <p:cNvPr id="27" name="TextBox 26">
-              <a:extLst>
-                <a:ext uri="{FF2B5EF4-FFF2-40B4-BE49-F238E27FC236}">
-                  <a16:creationId xmlns:a16="http://schemas.microsoft.com/office/drawing/2014/main" id="{EC75B713-3A40-9F41-B72A-86613031C6FD}"/>
-                </a:ext>
-              </a:extLst>
-            </p:cNvPr>
-            <p:cNvSpPr txBox="1"/>
-            <p:nvPr/>
-          </p:nvSpPr>
-          <p:spPr>
-            <a:xfrm>
-              <a:off x="685800" y="4495800"/>
-              <a:ext cx="2133600" cy="340218"/>
-            </a:xfrm>
-            <a:prstGeom prst="rect">
-              <a:avLst/>
-            </a:prstGeom>
-            <a:noFill/>
-          </p:spPr>
-          <p:txBody>
-            <a:bodyPr wrap="square" rtlCol="0">
-              <a:spAutoFit/>
-            </a:bodyPr>
-            <a:lstStyle/>
-            <a:p>
-              <a:pPr algn="ctr"/>
-              <a:r>
-                <a:rPr lang="en-US" dirty="0"/>
-                <a:t>Sufficient Cause 1</a:t>
-              </a:r>
-            </a:p>
-          </p:txBody>
-        </p:sp>
-      </p:grpSp>
-    </p:spTree>
-    <p:extLst>
-      <p:ext uri="{BB962C8B-B14F-4D97-AF65-F5344CB8AC3E}">
-        <p14:creationId xmlns:p14="http://schemas.microsoft.com/office/powerpoint/2010/main" val="3507785650"/>
-      </p:ext>
-    </p:extLst>
-  </p:cSld>
-  <p:clrMapOvr>
-    <a:masterClrMapping/>
-  </p:clrMapOvr>
-</p:sld>
-</file>
-
-<file path=ppt/slides/slide6.xml><?xml version="1.0" encoding="utf-8"?>
-<p:sld xmlns:a="http://schemas.openxmlformats.org/drawingml/2006/main" xmlns:r="http://schemas.openxmlformats.org/officeDocument/2006/relationships" xmlns:p="http://schemas.openxmlformats.org/presentationml/2006/main">
-  <p:cSld>
-    <p:spTree>
-      <p:nvGrpSpPr>
-        <p:cNvPr id="1" name=""/>
-        <p:cNvGrpSpPr/>
-        <p:nvPr/>
-      </p:nvGrpSpPr>
-      <p:grpSpPr>
-        <a:xfrm>
-          <a:off x="0" y="0"/>
-          <a:ext cx="0" cy="0"/>
-          <a:chOff x="0" y="0"/>
-          <a:chExt cx="0" cy="0"/>
-        </a:xfrm>
-      </p:grpSpPr>
-      <p:sp>
-        <p:nvSpPr>
-          <p:cNvPr id="2" name="Title 1">
-            <a:extLst>
-              <a:ext uri="{FF2B5EF4-FFF2-40B4-BE49-F238E27FC236}">
-                <a16:creationId xmlns:a16="http://schemas.microsoft.com/office/drawing/2014/main" id="{E634157E-EEDA-2D4E-81C5-5E8DF7F346CB}"/>
-              </a:ext>
-            </a:extLst>
-          </p:cNvPr>
-          <p:cNvSpPr>
-            <a:spLocks noGrp="1"/>
-          </p:cNvSpPr>
-          <p:nvPr>
-            <p:ph type="title"/>
-          </p:nvPr>
-        </p:nvSpPr>
-        <p:spPr/>
-        <p:txBody>
-          <a:bodyPr>
-            <a:normAutofit/>
-          </a:bodyPr>
-          <a:lstStyle/>
-          <a:p>
-            <a:r>
-              <a:rPr lang="en-US" dirty="0"/>
-              <a:t>Rothman’s model of sufficient and component causes (RMSCC) – Cervical Cancer</a:t>
-            </a:r>
-          </a:p>
-        </p:txBody>
-      </p:sp>
-      <p:grpSp>
-        <p:nvGrpSpPr>
-          <p:cNvPr id="28" name="Group 27">
-            <a:extLst>
-              <a:ext uri="{FF2B5EF4-FFF2-40B4-BE49-F238E27FC236}">
-                <a16:creationId xmlns:a16="http://schemas.microsoft.com/office/drawing/2014/main" id="{7C85F72A-397C-794F-87C0-8D1FA5318022}"/>
-              </a:ext>
-            </a:extLst>
-          </p:cNvPr>
-          <p:cNvGrpSpPr/>
-          <p:nvPr/>
-        </p:nvGrpSpPr>
-        <p:grpSpPr>
-          <a:xfrm>
-            <a:off x="7391400" y="2133601"/>
-            <a:ext cx="2819400" cy="3016395"/>
-            <a:chOff x="533400" y="2057400"/>
-            <a:chExt cx="2514600" cy="2778618"/>
-          </a:xfrm>
-        </p:grpSpPr>
-        <p:sp>
-          <p:nvSpPr>
-            <p:cNvPr id="29" name="Oval 28">
-              <a:extLst>
-                <a:ext uri="{FF2B5EF4-FFF2-40B4-BE49-F238E27FC236}">
-                  <a16:creationId xmlns:a16="http://schemas.microsoft.com/office/drawing/2014/main" id="{C7C53183-2E14-F446-B30D-1123F577AE9E}"/>
-                </a:ext>
-              </a:extLst>
-            </p:cNvPr>
-            <p:cNvSpPr/>
-            <p:nvPr/>
-          </p:nvSpPr>
-          <p:spPr>
-            <a:xfrm>
-              <a:off x="533400" y="2057400"/>
-              <a:ext cx="2438400" cy="2362200"/>
-            </a:xfrm>
-            <a:prstGeom prst="ellipse">
-              <a:avLst/>
-            </a:prstGeom>
-          </p:spPr>
-          <p:style>
-            <a:lnRef idx="2">
-              <a:schemeClr val="accent1">
-                <a:shade val="50000"/>
-              </a:schemeClr>
-            </a:lnRef>
-            <a:fillRef idx="1">
-              <a:schemeClr val="accent1"/>
-            </a:fillRef>
-            <a:effectRef idx="0">
-              <a:schemeClr val="accent1"/>
-            </a:effectRef>
-            <a:fontRef idx="minor">
-              <a:schemeClr val="lt1"/>
-            </a:fontRef>
-          </p:style>
-          <p:txBody>
-            <a:bodyPr rtlCol="0" anchor="ctr"/>
-            <a:lstStyle/>
-            <a:p>
-              <a:pPr algn="ctr"/>
-              <a:endParaRPr lang="en-US"/>
-            </a:p>
-          </p:txBody>
-        </p:sp>
-        <p:cxnSp>
-          <p:nvCxnSpPr>
-            <p:cNvPr id="30" name="Straight Connector 29">
-              <a:extLst>
-                <a:ext uri="{FF2B5EF4-FFF2-40B4-BE49-F238E27FC236}">
-                  <a16:creationId xmlns:a16="http://schemas.microsoft.com/office/drawing/2014/main" id="{6BAE307E-2F9A-554C-A89E-0E718E789659}"/>
-                </a:ext>
-              </a:extLst>
-            </p:cNvPr>
-            <p:cNvCxnSpPr>
-              <a:stCxn id="29" idx="2"/>
-              <a:endCxn id="29" idx="6"/>
-            </p:cNvCxnSpPr>
-            <p:nvPr/>
-          </p:nvCxnSpPr>
-          <p:spPr>
-            <a:xfrm rot="10800000" flipH="1">
-              <a:off x="533400" y="3238500"/>
-              <a:ext cx="2438400" cy="1588"/>
-            </a:xfrm>
-            <a:prstGeom prst="line">
-              <a:avLst/>
-            </a:prstGeom>
-          </p:spPr>
-          <p:style>
-            <a:lnRef idx="1">
-              <a:schemeClr val="dk1"/>
-            </a:lnRef>
-            <a:fillRef idx="0">
-              <a:schemeClr val="dk1"/>
-            </a:fillRef>
-            <a:effectRef idx="0">
-              <a:schemeClr val="dk1"/>
-            </a:effectRef>
-            <a:fontRef idx="minor">
-              <a:schemeClr val="tx1"/>
-            </a:fontRef>
-          </p:style>
-        </p:cxnSp>
-        <p:cxnSp>
-          <p:nvCxnSpPr>
-            <p:cNvPr id="31" name="Straight Connector 30">
-              <a:extLst>
-                <a:ext uri="{FF2B5EF4-FFF2-40B4-BE49-F238E27FC236}">
-                  <a16:creationId xmlns:a16="http://schemas.microsoft.com/office/drawing/2014/main" id="{F2B6372B-60E0-5649-A66A-50CDC36008C1}"/>
-                </a:ext>
-              </a:extLst>
-            </p:cNvPr>
-            <p:cNvCxnSpPr>
-              <a:stCxn id="29" idx="4"/>
-            </p:cNvCxnSpPr>
-            <p:nvPr/>
-          </p:nvCxnSpPr>
-          <p:spPr>
-            <a:xfrm rot="5400000" flipH="1">
-              <a:off x="1143000" y="3810000"/>
-              <a:ext cx="1219200" cy="1588"/>
-            </a:xfrm>
-            <a:prstGeom prst="line">
-              <a:avLst/>
-            </a:prstGeom>
-          </p:spPr>
-          <p:style>
-            <a:lnRef idx="1">
-              <a:schemeClr val="dk1"/>
-            </a:lnRef>
-            <a:fillRef idx="0">
-              <a:schemeClr val="dk1"/>
-            </a:fillRef>
-            <a:effectRef idx="0">
-              <a:schemeClr val="dk1"/>
-            </a:effectRef>
-            <a:fontRef idx="minor">
-              <a:schemeClr val="tx1"/>
-            </a:fontRef>
-          </p:style>
-        </p:cxnSp>
-        <p:sp>
-          <p:nvSpPr>
-            <p:cNvPr id="32" name="TextBox 31">
-              <a:extLst>
-                <a:ext uri="{FF2B5EF4-FFF2-40B4-BE49-F238E27FC236}">
-                  <a16:creationId xmlns:a16="http://schemas.microsoft.com/office/drawing/2014/main" id="{6442D62B-3E7D-054C-8A54-9393A519EC75}"/>
-                </a:ext>
-              </a:extLst>
-            </p:cNvPr>
-            <p:cNvSpPr txBox="1"/>
-            <p:nvPr/>
-          </p:nvSpPr>
-          <p:spPr>
-            <a:xfrm>
-              <a:off x="685800" y="3429000"/>
-              <a:ext cx="1143000" cy="340218"/>
-            </a:xfrm>
-            <a:prstGeom prst="rect">
-              <a:avLst/>
-            </a:prstGeom>
-            <a:noFill/>
-          </p:spPr>
-          <p:txBody>
-            <a:bodyPr wrap="square" rtlCol="0">
-              <a:spAutoFit/>
-            </a:bodyPr>
-            <a:lstStyle/>
-            <a:p>
-              <a:pPr algn="ctr"/>
-              <a:r>
-                <a:rPr lang="en-US" dirty="0"/>
-                <a:t>HPV=1</a:t>
-              </a:r>
-            </a:p>
-          </p:txBody>
-        </p:sp>
-        <p:sp>
-          <p:nvSpPr>
-            <p:cNvPr id="33" name="TextBox 32">
-              <a:extLst>
-                <a:ext uri="{FF2B5EF4-FFF2-40B4-BE49-F238E27FC236}">
-                  <a16:creationId xmlns:a16="http://schemas.microsoft.com/office/drawing/2014/main" id="{EDD8789B-9063-F641-90F0-270EF0EA3DF5}"/>
-                </a:ext>
-              </a:extLst>
-            </p:cNvPr>
-            <p:cNvSpPr txBox="1"/>
-            <p:nvPr/>
-          </p:nvSpPr>
-          <p:spPr>
-            <a:xfrm>
-              <a:off x="1295400" y="2590800"/>
-              <a:ext cx="990600" cy="340218"/>
-            </a:xfrm>
-            <a:prstGeom prst="rect">
-              <a:avLst/>
-            </a:prstGeom>
-            <a:noFill/>
-          </p:spPr>
-          <p:txBody>
-            <a:bodyPr wrap="square" rtlCol="0">
-              <a:spAutoFit/>
-            </a:bodyPr>
-            <a:lstStyle/>
-            <a:p>
-              <a:pPr algn="ctr"/>
-              <a:r>
-                <a:rPr lang="en-US" dirty="0"/>
-                <a:t>U2</a:t>
-              </a:r>
-            </a:p>
-          </p:txBody>
-        </p:sp>
-        <p:sp>
-          <p:nvSpPr>
-            <p:cNvPr id="34" name="TextBox 33">
-              <a:extLst>
-                <a:ext uri="{FF2B5EF4-FFF2-40B4-BE49-F238E27FC236}">
-                  <a16:creationId xmlns:a16="http://schemas.microsoft.com/office/drawing/2014/main" id="{585EE300-4FBA-BE4B-9200-2434DCD0A30B}"/>
-                </a:ext>
-              </a:extLst>
-            </p:cNvPr>
-            <p:cNvSpPr txBox="1"/>
-            <p:nvPr/>
-          </p:nvSpPr>
-          <p:spPr>
-            <a:xfrm>
-              <a:off x="1600200" y="3429000"/>
-              <a:ext cx="1447800" cy="340218"/>
-            </a:xfrm>
-            <a:prstGeom prst="rect">
-              <a:avLst/>
-            </a:prstGeom>
-            <a:noFill/>
-          </p:spPr>
-          <p:txBody>
-            <a:bodyPr wrap="square" rtlCol="0">
-              <a:spAutoFit/>
-            </a:bodyPr>
-            <a:lstStyle/>
-            <a:p>
-              <a:pPr algn="ctr"/>
-              <a:r>
-                <a:rPr lang="en-US" dirty="0"/>
-                <a:t>OC use=1</a:t>
-              </a:r>
-            </a:p>
-          </p:txBody>
-        </p:sp>
-        <p:sp>
-          <p:nvSpPr>
-            <p:cNvPr id="35" name="TextBox 34">
-              <a:extLst>
-                <a:ext uri="{FF2B5EF4-FFF2-40B4-BE49-F238E27FC236}">
-                  <a16:creationId xmlns:a16="http://schemas.microsoft.com/office/drawing/2014/main" id="{A2BD23A6-79E7-474E-8115-5B07F0BB7780}"/>
-                </a:ext>
-              </a:extLst>
-            </p:cNvPr>
-            <p:cNvSpPr txBox="1"/>
-            <p:nvPr/>
-          </p:nvSpPr>
-          <p:spPr>
-            <a:xfrm>
-              <a:off x="685800" y="4495800"/>
-              <a:ext cx="2133600" cy="340218"/>
-            </a:xfrm>
-            <a:prstGeom prst="rect">
-              <a:avLst/>
-            </a:prstGeom>
-            <a:noFill/>
-          </p:spPr>
-          <p:txBody>
-            <a:bodyPr wrap="square" rtlCol="0">
-              <a:spAutoFit/>
-            </a:bodyPr>
-            <a:lstStyle/>
-            <a:p>
-              <a:pPr algn="ctr"/>
-              <a:r>
-                <a:rPr lang="en-US" dirty="0"/>
-                <a:t>Sufficient Cause 2</a:t>
-              </a:r>
-            </a:p>
-          </p:txBody>
-        </p:sp>
-      </p:grpSp>
-      <p:grpSp>
-        <p:nvGrpSpPr>
-          <p:cNvPr id="36" name="Group 35">
-            <a:extLst>
-              <a:ext uri="{FF2B5EF4-FFF2-40B4-BE49-F238E27FC236}">
-                <a16:creationId xmlns:a16="http://schemas.microsoft.com/office/drawing/2014/main" id="{A3BFD5E2-F73E-ED48-8B8C-692D0DD1697C}"/>
-              </a:ext>
-            </a:extLst>
-          </p:cNvPr>
-          <p:cNvGrpSpPr/>
-          <p:nvPr/>
-        </p:nvGrpSpPr>
-        <p:grpSpPr>
-          <a:xfrm>
-            <a:off x="4648200" y="3657601"/>
-            <a:ext cx="2819400" cy="3016395"/>
-            <a:chOff x="533400" y="2057400"/>
-            <a:chExt cx="2514600" cy="2778618"/>
-          </a:xfrm>
-        </p:grpSpPr>
-        <p:sp>
-          <p:nvSpPr>
-            <p:cNvPr id="37" name="Oval 36">
-              <a:extLst>
-                <a:ext uri="{FF2B5EF4-FFF2-40B4-BE49-F238E27FC236}">
-                  <a16:creationId xmlns:a16="http://schemas.microsoft.com/office/drawing/2014/main" id="{22738C43-06A2-7D4D-AFB5-54027114C95C}"/>
-                </a:ext>
-              </a:extLst>
-            </p:cNvPr>
-            <p:cNvSpPr/>
-            <p:nvPr/>
-          </p:nvSpPr>
-          <p:spPr>
-            <a:xfrm>
-              <a:off x="533400" y="2057400"/>
-              <a:ext cx="2438400" cy="2362200"/>
-            </a:xfrm>
-            <a:prstGeom prst="ellipse">
-              <a:avLst/>
-            </a:prstGeom>
-          </p:spPr>
-          <p:style>
-            <a:lnRef idx="2">
-              <a:schemeClr val="accent1">
-                <a:shade val="50000"/>
-              </a:schemeClr>
-            </a:lnRef>
-            <a:fillRef idx="1">
-              <a:schemeClr val="accent1"/>
-            </a:fillRef>
-            <a:effectRef idx="0">
-              <a:schemeClr val="accent1"/>
-            </a:effectRef>
-            <a:fontRef idx="minor">
-              <a:schemeClr val="lt1"/>
-            </a:fontRef>
-          </p:style>
-          <p:txBody>
-            <a:bodyPr rtlCol="0" anchor="ctr"/>
-            <a:lstStyle/>
-            <a:p>
-              <a:pPr algn="ctr"/>
-              <a:endParaRPr lang="en-US"/>
-            </a:p>
-          </p:txBody>
-        </p:sp>
-        <p:cxnSp>
-          <p:nvCxnSpPr>
-            <p:cNvPr id="38" name="Straight Connector 37">
-              <a:extLst>
-                <a:ext uri="{FF2B5EF4-FFF2-40B4-BE49-F238E27FC236}">
-                  <a16:creationId xmlns:a16="http://schemas.microsoft.com/office/drawing/2014/main" id="{F8A7FB8C-6A93-614A-9C0C-A6D1F40392AA}"/>
-                </a:ext>
-              </a:extLst>
-            </p:cNvPr>
-            <p:cNvCxnSpPr>
-              <a:stCxn id="37" idx="2"/>
-              <a:endCxn id="37" idx="6"/>
-            </p:cNvCxnSpPr>
-            <p:nvPr/>
-          </p:nvCxnSpPr>
-          <p:spPr>
-            <a:xfrm rot="10800000" flipH="1">
-              <a:off x="533400" y="3238500"/>
-              <a:ext cx="2438400" cy="1588"/>
-            </a:xfrm>
-            <a:prstGeom prst="line">
-              <a:avLst/>
-            </a:prstGeom>
-          </p:spPr>
-          <p:style>
-            <a:lnRef idx="1">
-              <a:schemeClr val="dk1"/>
-            </a:lnRef>
-            <a:fillRef idx="0">
-              <a:schemeClr val="dk1"/>
-            </a:fillRef>
-            <a:effectRef idx="0">
-              <a:schemeClr val="dk1"/>
-            </a:effectRef>
-            <a:fontRef idx="minor">
-              <a:schemeClr val="tx1"/>
-            </a:fontRef>
-          </p:style>
-        </p:cxnSp>
-        <p:cxnSp>
-          <p:nvCxnSpPr>
-            <p:cNvPr id="39" name="Straight Connector 38">
-              <a:extLst>
-                <a:ext uri="{FF2B5EF4-FFF2-40B4-BE49-F238E27FC236}">
-                  <a16:creationId xmlns:a16="http://schemas.microsoft.com/office/drawing/2014/main" id="{43523F15-94AF-F046-9A28-2C00822BD1D9}"/>
-                </a:ext>
-              </a:extLst>
-            </p:cNvPr>
-            <p:cNvCxnSpPr>
-              <a:stCxn id="37" idx="4"/>
-            </p:cNvCxnSpPr>
-            <p:nvPr/>
-          </p:nvCxnSpPr>
-          <p:spPr>
-            <a:xfrm rot="5400000" flipH="1">
-              <a:off x="1143000" y="3810000"/>
-              <a:ext cx="1219200" cy="1588"/>
-            </a:xfrm>
-            <a:prstGeom prst="line">
-              <a:avLst/>
-            </a:prstGeom>
-          </p:spPr>
-          <p:style>
-            <a:lnRef idx="1">
-              <a:schemeClr val="dk1"/>
-            </a:lnRef>
-            <a:fillRef idx="0">
-              <a:schemeClr val="dk1"/>
-            </a:fillRef>
-            <a:effectRef idx="0">
-              <a:schemeClr val="dk1"/>
-            </a:effectRef>
-            <a:fontRef idx="minor">
-              <a:schemeClr val="tx1"/>
-            </a:fontRef>
-          </p:style>
-        </p:cxnSp>
-        <p:sp>
-          <p:nvSpPr>
-            <p:cNvPr id="40" name="TextBox 39">
-              <a:extLst>
-                <a:ext uri="{FF2B5EF4-FFF2-40B4-BE49-F238E27FC236}">
-                  <a16:creationId xmlns:a16="http://schemas.microsoft.com/office/drawing/2014/main" id="{9942A7D4-1042-7B42-B83F-7FA1DB3D0769}"/>
-                </a:ext>
-              </a:extLst>
-            </p:cNvPr>
-            <p:cNvSpPr txBox="1"/>
-            <p:nvPr/>
-          </p:nvSpPr>
-          <p:spPr>
-            <a:xfrm>
-              <a:off x="601362" y="3391073"/>
-              <a:ext cx="1227438" cy="340218"/>
-            </a:xfrm>
-            <a:prstGeom prst="rect">
-              <a:avLst/>
-            </a:prstGeom>
-            <a:noFill/>
-          </p:spPr>
-          <p:txBody>
-            <a:bodyPr wrap="square" rtlCol="0">
-              <a:spAutoFit/>
-            </a:bodyPr>
-            <a:lstStyle/>
-            <a:p>
-              <a:pPr algn="ctr"/>
-              <a:r>
-                <a:rPr lang="en-US" dirty="0"/>
-                <a:t>HPV=1</a:t>
-              </a:r>
-            </a:p>
-          </p:txBody>
-        </p:sp>
-        <p:sp>
-          <p:nvSpPr>
-            <p:cNvPr id="41" name="TextBox 40">
-              <a:extLst>
-                <a:ext uri="{FF2B5EF4-FFF2-40B4-BE49-F238E27FC236}">
-                  <a16:creationId xmlns:a16="http://schemas.microsoft.com/office/drawing/2014/main" id="{EF31523E-258E-7F4D-8F55-0FE00E2B5B77}"/>
-                </a:ext>
-              </a:extLst>
-            </p:cNvPr>
-            <p:cNvSpPr txBox="1"/>
-            <p:nvPr/>
-          </p:nvSpPr>
-          <p:spPr>
-            <a:xfrm>
-              <a:off x="1295400" y="2590800"/>
-              <a:ext cx="990600" cy="340218"/>
-            </a:xfrm>
-            <a:prstGeom prst="rect">
-              <a:avLst/>
-            </a:prstGeom>
-            <a:noFill/>
-          </p:spPr>
-          <p:txBody>
-            <a:bodyPr wrap="square" rtlCol="0">
-              <a:spAutoFit/>
-            </a:bodyPr>
-            <a:lstStyle/>
-            <a:p>
-              <a:pPr algn="ctr"/>
-              <a:r>
-                <a:rPr lang="en-US" dirty="0"/>
-                <a:t>U3</a:t>
-              </a:r>
-            </a:p>
-          </p:txBody>
-        </p:sp>
-        <p:sp>
-          <p:nvSpPr>
-            <p:cNvPr id="42" name="TextBox 41">
-              <a:extLst>
-                <a:ext uri="{FF2B5EF4-FFF2-40B4-BE49-F238E27FC236}">
-                  <a16:creationId xmlns:a16="http://schemas.microsoft.com/office/drawing/2014/main" id="{C03D8E62-FEFC-E449-B538-2E7AADDE0030}"/>
-                </a:ext>
-              </a:extLst>
-            </p:cNvPr>
-            <p:cNvSpPr txBox="1"/>
-            <p:nvPr/>
-          </p:nvSpPr>
-          <p:spPr>
-            <a:xfrm>
-              <a:off x="1600200" y="3429000"/>
-              <a:ext cx="1447800" cy="340218"/>
-            </a:xfrm>
-            <a:prstGeom prst="rect">
-              <a:avLst/>
-            </a:prstGeom>
-            <a:noFill/>
-          </p:spPr>
-          <p:txBody>
-            <a:bodyPr wrap="square" rtlCol="0">
-              <a:spAutoFit/>
-            </a:bodyPr>
-            <a:lstStyle/>
-            <a:p>
-              <a:pPr algn="ctr"/>
-              <a:r>
-                <a:rPr lang="en-US" dirty="0"/>
-                <a:t>Gene=0</a:t>
-              </a:r>
-            </a:p>
-          </p:txBody>
-        </p:sp>
-        <p:sp>
-          <p:nvSpPr>
-            <p:cNvPr id="43" name="TextBox 42">
-              <a:extLst>
-                <a:ext uri="{FF2B5EF4-FFF2-40B4-BE49-F238E27FC236}">
-                  <a16:creationId xmlns:a16="http://schemas.microsoft.com/office/drawing/2014/main" id="{BD951667-4E0A-CC4B-B317-D98EE44D3D7B}"/>
-                </a:ext>
-              </a:extLst>
-            </p:cNvPr>
-            <p:cNvSpPr txBox="1"/>
-            <p:nvPr/>
-          </p:nvSpPr>
-          <p:spPr>
-            <a:xfrm>
-              <a:off x="685800" y="4495800"/>
-              <a:ext cx="2133600" cy="340218"/>
-            </a:xfrm>
-            <a:prstGeom prst="rect">
-              <a:avLst/>
-            </a:prstGeom>
-            <a:noFill/>
-          </p:spPr>
-          <p:txBody>
-            <a:bodyPr wrap="square" rtlCol="0">
-              <a:spAutoFit/>
-            </a:bodyPr>
-            <a:lstStyle/>
-            <a:p>
-              <a:pPr algn="ctr"/>
-              <a:r>
-                <a:rPr lang="en-US" dirty="0"/>
-                <a:t>Sufficient Cause 3</a:t>
-              </a:r>
-            </a:p>
-          </p:txBody>
-        </p:sp>
-      </p:grpSp>
-      <p:grpSp>
-        <p:nvGrpSpPr>
-          <p:cNvPr id="44" name="Group 43">
-            <a:extLst>
-              <a:ext uri="{FF2B5EF4-FFF2-40B4-BE49-F238E27FC236}">
-                <a16:creationId xmlns:a16="http://schemas.microsoft.com/office/drawing/2014/main" id="{54FC0826-6977-A548-9C83-4CAB2CAE5B59}"/>
-              </a:ext>
-            </a:extLst>
-          </p:cNvPr>
-          <p:cNvGrpSpPr/>
-          <p:nvPr/>
-        </p:nvGrpSpPr>
-        <p:grpSpPr>
-          <a:xfrm>
-            <a:off x="1828800" y="1981201"/>
-            <a:ext cx="2819400" cy="3016395"/>
-            <a:chOff x="533400" y="2057400"/>
-            <a:chExt cx="2514600" cy="2778618"/>
-          </a:xfrm>
-        </p:grpSpPr>
-        <p:sp>
-          <p:nvSpPr>
-            <p:cNvPr id="45" name="Oval 44">
-              <a:extLst>
-                <a:ext uri="{FF2B5EF4-FFF2-40B4-BE49-F238E27FC236}">
-                  <a16:creationId xmlns:a16="http://schemas.microsoft.com/office/drawing/2014/main" id="{5617D451-0B34-FF46-B383-66D56FF751A2}"/>
-                </a:ext>
-              </a:extLst>
-            </p:cNvPr>
-            <p:cNvSpPr/>
-            <p:nvPr/>
-          </p:nvSpPr>
-          <p:spPr>
-            <a:xfrm>
-              <a:off x="533400" y="2057400"/>
-              <a:ext cx="2438400" cy="2362200"/>
-            </a:xfrm>
-            <a:prstGeom prst="ellipse">
-              <a:avLst/>
-            </a:prstGeom>
-          </p:spPr>
-          <p:style>
-            <a:lnRef idx="2">
-              <a:schemeClr val="accent1">
-                <a:shade val="50000"/>
-              </a:schemeClr>
-            </a:lnRef>
-            <a:fillRef idx="1">
-              <a:schemeClr val="accent1"/>
-            </a:fillRef>
-            <a:effectRef idx="0">
-              <a:schemeClr val="accent1"/>
-            </a:effectRef>
-            <a:fontRef idx="minor">
-              <a:schemeClr val="lt1"/>
-            </a:fontRef>
-          </p:style>
-          <p:txBody>
-            <a:bodyPr rtlCol="0" anchor="ctr"/>
-            <a:lstStyle/>
-            <a:p>
-              <a:pPr algn="ctr"/>
-              <a:endParaRPr lang="en-US"/>
-            </a:p>
-          </p:txBody>
-        </p:sp>
-        <p:cxnSp>
-          <p:nvCxnSpPr>
-            <p:cNvPr id="46" name="Straight Connector 45">
-              <a:extLst>
-                <a:ext uri="{FF2B5EF4-FFF2-40B4-BE49-F238E27FC236}">
-                  <a16:creationId xmlns:a16="http://schemas.microsoft.com/office/drawing/2014/main" id="{CF0770E3-DA01-6847-B9CA-9EA9C1D1A39A}"/>
-                </a:ext>
-              </a:extLst>
-            </p:cNvPr>
-            <p:cNvCxnSpPr>
-              <a:stCxn id="45" idx="2"/>
-              <a:endCxn id="45" idx="6"/>
-            </p:cNvCxnSpPr>
-            <p:nvPr/>
-          </p:nvCxnSpPr>
-          <p:spPr>
-            <a:xfrm rot="10800000" flipH="1">
-              <a:off x="533400" y="3238500"/>
-              <a:ext cx="2438400" cy="1588"/>
-            </a:xfrm>
-            <a:prstGeom prst="line">
-              <a:avLst/>
-            </a:prstGeom>
-          </p:spPr>
-          <p:style>
-            <a:lnRef idx="1">
-              <a:schemeClr val="dk1"/>
-            </a:lnRef>
-            <a:fillRef idx="0">
-              <a:schemeClr val="dk1"/>
-            </a:fillRef>
-            <a:effectRef idx="0">
-              <a:schemeClr val="dk1"/>
-            </a:effectRef>
-            <a:fontRef idx="minor">
-              <a:schemeClr val="tx1"/>
-            </a:fontRef>
-          </p:style>
-        </p:cxnSp>
-        <p:cxnSp>
-          <p:nvCxnSpPr>
-            <p:cNvPr id="47" name="Straight Connector 46">
-              <a:extLst>
-                <a:ext uri="{FF2B5EF4-FFF2-40B4-BE49-F238E27FC236}">
-                  <a16:creationId xmlns:a16="http://schemas.microsoft.com/office/drawing/2014/main" id="{66CCC66E-6CC4-E842-A072-2424D08725E5}"/>
-                </a:ext>
-              </a:extLst>
-            </p:cNvPr>
-            <p:cNvCxnSpPr>
-              <a:stCxn id="45" idx="4"/>
-            </p:cNvCxnSpPr>
-            <p:nvPr/>
-          </p:nvCxnSpPr>
-          <p:spPr>
-            <a:xfrm rot="5400000" flipH="1">
-              <a:off x="1143000" y="3810000"/>
-              <a:ext cx="1219200" cy="1588"/>
-            </a:xfrm>
-            <a:prstGeom prst="line">
-              <a:avLst/>
-            </a:prstGeom>
-          </p:spPr>
-          <p:style>
-            <a:lnRef idx="1">
-              <a:schemeClr val="dk1"/>
-            </a:lnRef>
-            <a:fillRef idx="0">
-              <a:schemeClr val="dk1"/>
-            </a:fillRef>
-            <a:effectRef idx="0">
-              <a:schemeClr val="dk1"/>
-            </a:effectRef>
-            <a:fontRef idx="minor">
-              <a:schemeClr val="tx1"/>
-            </a:fontRef>
-          </p:style>
-        </p:cxnSp>
-        <p:sp>
-          <p:nvSpPr>
-            <p:cNvPr id="48" name="TextBox 47">
-              <a:extLst>
-                <a:ext uri="{FF2B5EF4-FFF2-40B4-BE49-F238E27FC236}">
-                  <a16:creationId xmlns:a16="http://schemas.microsoft.com/office/drawing/2014/main" id="{4156EE29-4FE3-774E-9776-652314B61E89}"/>
-                </a:ext>
-              </a:extLst>
-            </p:cNvPr>
-            <p:cNvSpPr txBox="1"/>
-            <p:nvPr/>
-          </p:nvSpPr>
-          <p:spPr>
-            <a:xfrm>
-              <a:off x="685800" y="3429000"/>
-              <a:ext cx="1143000" cy="340218"/>
-            </a:xfrm>
-            <a:prstGeom prst="rect">
-              <a:avLst/>
-            </a:prstGeom>
-            <a:noFill/>
-          </p:spPr>
-          <p:txBody>
-            <a:bodyPr wrap="square" rtlCol="0">
-              <a:spAutoFit/>
-            </a:bodyPr>
-            <a:lstStyle/>
-            <a:p>
-              <a:r>
-                <a:rPr lang="en-US" dirty="0"/>
-                <a:t>HPV=1</a:t>
-              </a:r>
-            </a:p>
-          </p:txBody>
-        </p:sp>
-        <p:sp>
-          <p:nvSpPr>
-            <p:cNvPr id="49" name="TextBox 48">
-              <a:extLst>
-                <a:ext uri="{FF2B5EF4-FFF2-40B4-BE49-F238E27FC236}">
-                  <a16:creationId xmlns:a16="http://schemas.microsoft.com/office/drawing/2014/main" id="{E6E38B97-E6F9-984C-8A50-5D1B0F242DBB}"/>
-                </a:ext>
-              </a:extLst>
-            </p:cNvPr>
-            <p:cNvSpPr txBox="1"/>
-            <p:nvPr/>
-          </p:nvSpPr>
-          <p:spPr>
-            <a:xfrm>
-              <a:off x="1295400" y="2590800"/>
-              <a:ext cx="990600" cy="340218"/>
-            </a:xfrm>
-            <a:prstGeom prst="rect">
-              <a:avLst/>
-            </a:prstGeom>
-            <a:noFill/>
-          </p:spPr>
-          <p:txBody>
-            <a:bodyPr wrap="square" rtlCol="0">
-              <a:spAutoFit/>
-            </a:bodyPr>
-            <a:lstStyle/>
-            <a:p>
-              <a:pPr algn="ctr"/>
-              <a:r>
-                <a:rPr lang="en-US" dirty="0"/>
-                <a:t>U1</a:t>
-              </a:r>
-            </a:p>
-          </p:txBody>
-        </p:sp>
-        <p:sp>
-          <p:nvSpPr>
-            <p:cNvPr id="50" name="TextBox 49">
-              <a:extLst>
-                <a:ext uri="{FF2B5EF4-FFF2-40B4-BE49-F238E27FC236}">
-                  <a16:creationId xmlns:a16="http://schemas.microsoft.com/office/drawing/2014/main" id="{9F7CE6AF-B5A7-4845-8536-10B99C5FFFDC}"/>
-                </a:ext>
-              </a:extLst>
-            </p:cNvPr>
-            <p:cNvSpPr txBox="1"/>
-            <p:nvPr/>
-          </p:nvSpPr>
-          <p:spPr>
-            <a:xfrm>
-              <a:off x="1600200" y="3429000"/>
-              <a:ext cx="1447800" cy="340218"/>
-            </a:xfrm>
-            <a:prstGeom prst="rect">
-              <a:avLst/>
-            </a:prstGeom>
-            <a:noFill/>
-          </p:spPr>
-          <p:txBody>
-            <a:bodyPr wrap="square" rtlCol="0">
-              <a:spAutoFit/>
-            </a:bodyPr>
-            <a:lstStyle/>
-            <a:p>
-              <a:pPr algn="ctr"/>
-              <a:r>
-                <a:rPr lang="en-US" dirty="0"/>
-                <a:t>Smoking=1</a:t>
-              </a:r>
-            </a:p>
-          </p:txBody>
-        </p:sp>
-        <p:sp>
-          <p:nvSpPr>
-            <p:cNvPr id="51" name="TextBox 50">
-              <a:extLst>
-                <a:ext uri="{FF2B5EF4-FFF2-40B4-BE49-F238E27FC236}">
-                  <a16:creationId xmlns:a16="http://schemas.microsoft.com/office/drawing/2014/main" id="{33AD5DFE-8655-AC4E-9674-E50E5998FF4E}"/>
-                </a:ext>
-              </a:extLst>
-            </p:cNvPr>
-            <p:cNvSpPr txBox="1"/>
-            <p:nvPr/>
-          </p:nvSpPr>
-          <p:spPr>
-            <a:xfrm>
-              <a:off x="685800" y="4495800"/>
-              <a:ext cx="2133600" cy="340218"/>
-            </a:xfrm>
-            <a:prstGeom prst="rect">
-              <a:avLst/>
-            </a:prstGeom>
-            <a:noFill/>
-          </p:spPr>
-          <p:txBody>
-            <a:bodyPr wrap="square" rtlCol="0">
-              <a:spAutoFit/>
-            </a:bodyPr>
-            <a:lstStyle/>
-            <a:p>
-              <a:pPr algn="ctr"/>
-              <a:r>
-                <a:rPr lang="en-US" dirty="0"/>
-                <a:t>Sufficient Cause 1</a:t>
-              </a:r>
-            </a:p>
-          </p:txBody>
-        </p:sp>
-      </p:grpSp>
-    </p:spTree>
-    <p:extLst>
-      <p:ext uri="{BB962C8B-B14F-4D97-AF65-F5344CB8AC3E}">
-        <p14:creationId xmlns:p14="http://schemas.microsoft.com/office/powerpoint/2010/main" val="102670031"/>
-      </p:ext>
-    </p:extLst>
-  </p:cSld>
-  <p:clrMapOvr>
-    <a:masterClrMapping/>
-  </p:clrMapOvr>
-</p:sld>
-</file>
-
-<file path=ppt/slides/slide7.xml><?xml version="1.0" encoding="utf-8"?>
-<p:sld xmlns:a="http://schemas.openxmlformats.org/drawingml/2006/main" xmlns:r="http://schemas.openxmlformats.org/officeDocument/2006/relationships" xmlns:p="http://schemas.openxmlformats.org/presentationml/2006/main">
-  <p:cSld>
-    <p:spTree>
-      <p:nvGrpSpPr>
-        <p:cNvPr id="1" name=""/>
-        <p:cNvGrpSpPr/>
-        <p:nvPr/>
-      </p:nvGrpSpPr>
-      <p:grpSpPr>
-        <a:xfrm>
-          <a:off x="0" y="0"/>
-          <a:ext cx="0" cy="0"/>
-          <a:chOff x="0" y="0"/>
-          <a:chExt cx="0" cy="0"/>
-        </a:xfrm>
-      </p:grpSpPr>
-      <p:sp>
-        <p:nvSpPr>
-          <p:cNvPr id="2" name="Title 1">
-            <a:extLst>
-              <a:ext uri="{FF2B5EF4-FFF2-40B4-BE49-F238E27FC236}">
-                <a16:creationId xmlns:a16="http://schemas.microsoft.com/office/drawing/2014/main" id="{D3DEF3FC-0BB8-5846-81F6-B5A18671E554}"/>
-              </a:ext>
-            </a:extLst>
-          </p:cNvPr>
-          <p:cNvSpPr>
-            <a:spLocks noGrp="1"/>
-          </p:cNvSpPr>
-          <p:nvPr>
-            <p:ph type="title"/>
-          </p:nvPr>
-        </p:nvSpPr>
-        <p:spPr/>
-        <p:txBody>
-          <a:bodyPr/>
-          <a:lstStyle/>
-          <a:p>
-            <a:r>
-              <a:rPr lang="en-US" dirty="0"/>
-              <a:t>Directed Acyclic Graphs (DAGs) and Statistics</a:t>
-            </a:r>
-          </a:p>
-        </p:txBody>
-      </p:sp>
-      <p:sp>
-        <p:nvSpPr>
-          <p:cNvPr id="3" name="Content Placeholder 2">
-            <a:extLst>
-              <a:ext uri="{FF2B5EF4-FFF2-40B4-BE49-F238E27FC236}">
-                <a16:creationId xmlns:a16="http://schemas.microsoft.com/office/drawing/2014/main" id="{0DC4FF92-7252-B84A-A683-5745EB757B33}"/>
-              </a:ext>
-            </a:extLst>
-          </p:cNvPr>
-          <p:cNvSpPr>
-            <a:spLocks noGrp="1"/>
-          </p:cNvSpPr>
-          <p:nvPr>
-            <p:ph idx="1"/>
-          </p:nvPr>
-        </p:nvSpPr>
-        <p:spPr/>
-        <p:txBody>
-          <a:bodyPr/>
-          <a:lstStyle/>
-          <a:p>
-            <a:r>
-              <a:rPr lang="en-US" dirty="0"/>
-              <a:t>Confounding (DAGs).</a:t>
-            </a:r>
-          </a:p>
-          <a:p>
-            <a:r>
-              <a:rPr lang="en-US" dirty="0"/>
-              <a:t>Bias (DAGs).</a:t>
-            </a:r>
-          </a:p>
-          <a:p>
-            <a:r>
-              <a:rPr lang="en-US" dirty="0"/>
-              <a:t>Random error / chance / sampling variability (Statistics).</a:t>
-            </a:r>
-          </a:p>
-        </p:txBody>
-      </p:sp>
-      <p:sp>
-        <p:nvSpPr>
-          <p:cNvPr id="4" name="Oval 3">
-            <a:extLst>
-              <a:ext uri="{FF2B5EF4-FFF2-40B4-BE49-F238E27FC236}">
-                <a16:creationId xmlns:a16="http://schemas.microsoft.com/office/drawing/2014/main" id="{B458C733-CAFD-5343-9AE6-D61FD3655254}"/>
-              </a:ext>
-            </a:extLst>
-          </p:cNvPr>
-          <p:cNvSpPr/>
-          <p:nvPr/>
-        </p:nvSpPr>
-        <p:spPr>
-          <a:xfrm>
-            <a:off x="3422822" y="4436075"/>
-            <a:ext cx="370702" cy="370702"/>
-          </a:xfrm>
-          <a:prstGeom prst="ellipse">
-            <a:avLst/>
-          </a:prstGeom>
-        </p:spPr>
-        <p:style>
-          <a:lnRef idx="2">
-            <a:schemeClr val="accent1">
-              <a:shade val="50000"/>
-            </a:schemeClr>
-          </a:lnRef>
-          <a:fillRef idx="1">
-            <a:schemeClr val="accent1"/>
-          </a:fillRef>
-          <a:effectRef idx="0">
-            <a:schemeClr val="accent1"/>
-          </a:effectRef>
-          <a:fontRef idx="minor">
-            <a:schemeClr val="lt1"/>
-          </a:fontRef>
-        </p:style>
-        <p:txBody>
-          <a:bodyPr rtlCol="0" anchor="ctr"/>
-          <a:lstStyle/>
-          <a:p>
-            <a:pPr algn="ctr"/>
-            <a:endParaRPr lang="en-US"/>
-          </a:p>
-        </p:txBody>
-      </p:sp>
-      <p:sp>
-        <p:nvSpPr>
-          <p:cNvPr id="5" name="Oval 4">
-            <a:extLst>
-              <a:ext uri="{FF2B5EF4-FFF2-40B4-BE49-F238E27FC236}">
-                <a16:creationId xmlns:a16="http://schemas.microsoft.com/office/drawing/2014/main" id="{4409C423-45C1-C84A-87F1-32D5D9EAABEC}"/>
-              </a:ext>
-            </a:extLst>
-          </p:cNvPr>
-          <p:cNvSpPr/>
-          <p:nvPr/>
-        </p:nvSpPr>
-        <p:spPr>
-          <a:xfrm>
-            <a:off x="7236942" y="4436075"/>
-            <a:ext cx="370702" cy="370702"/>
-          </a:xfrm>
-          <a:prstGeom prst="ellipse">
-            <a:avLst/>
-          </a:prstGeom>
-        </p:spPr>
-        <p:style>
-          <a:lnRef idx="2">
-            <a:schemeClr val="accent1">
-              <a:shade val="50000"/>
-            </a:schemeClr>
-          </a:lnRef>
-          <a:fillRef idx="1">
-            <a:schemeClr val="accent1"/>
-          </a:fillRef>
-          <a:effectRef idx="0">
-            <a:schemeClr val="accent1"/>
-          </a:effectRef>
-          <a:fontRef idx="minor">
-            <a:schemeClr val="lt1"/>
-          </a:fontRef>
-        </p:style>
-        <p:txBody>
-          <a:bodyPr rtlCol="0" anchor="ctr"/>
-          <a:lstStyle/>
-          <a:p>
-            <a:pPr algn="ctr"/>
-            <a:endParaRPr lang="en-US"/>
-          </a:p>
-        </p:txBody>
-      </p:sp>
-      <p:sp>
-        <p:nvSpPr>
-          <p:cNvPr id="6" name="TextBox 5">
-            <a:extLst>
-              <a:ext uri="{FF2B5EF4-FFF2-40B4-BE49-F238E27FC236}">
-                <a16:creationId xmlns:a16="http://schemas.microsoft.com/office/drawing/2014/main" id="{58485ECC-5A26-2D48-9306-42857F7388E3}"/>
-              </a:ext>
-            </a:extLst>
-          </p:cNvPr>
-          <p:cNvSpPr txBox="1"/>
-          <p:nvPr/>
-        </p:nvSpPr>
-        <p:spPr>
-          <a:xfrm>
-            <a:off x="3015048" y="5090984"/>
-            <a:ext cx="1186249" cy="369332"/>
-          </a:xfrm>
-          <a:prstGeom prst="rect">
-            <a:avLst/>
-          </a:prstGeom>
-          <a:noFill/>
-        </p:spPr>
-        <p:txBody>
-          <a:bodyPr wrap="square" rtlCol="0">
-            <a:spAutoFit/>
-          </a:bodyPr>
-          <a:lstStyle/>
-          <a:p>
-            <a:pPr algn="ctr"/>
-            <a:r>
-              <a:rPr lang="en-US" dirty="0"/>
-              <a:t>Exposure</a:t>
-            </a:r>
-          </a:p>
-        </p:txBody>
-      </p:sp>
-      <p:sp>
-        <p:nvSpPr>
-          <p:cNvPr id="7" name="TextBox 6">
-            <a:extLst>
-              <a:ext uri="{FF2B5EF4-FFF2-40B4-BE49-F238E27FC236}">
-                <a16:creationId xmlns:a16="http://schemas.microsoft.com/office/drawing/2014/main" id="{0975C7AB-1F5D-D24F-9D9B-F0B1CBF21447}"/>
-              </a:ext>
-            </a:extLst>
-          </p:cNvPr>
-          <p:cNvSpPr txBox="1"/>
-          <p:nvPr/>
-        </p:nvSpPr>
-        <p:spPr>
-          <a:xfrm>
-            <a:off x="6829168" y="5090984"/>
-            <a:ext cx="1186249" cy="369332"/>
-          </a:xfrm>
-          <a:prstGeom prst="rect">
-            <a:avLst/>
-          </a:prstGeom>
-          <a:noFill/>
-        </p:spPr>
-        <p:txBody>
-          <a:bodyPr wrap="square" rtlCol="0">
-            <a:spAutoFit/>
-          </a:bodyPr>
-          <a:lstStyle/>
-          <a:p>
-            <a:pPr algn="ctr"/>
-            <a:r>
-              <a:rPr lang="en-US" dirty="0"/>
-              <a:t>Outcome</a:t>
-            </a:r>
-          </a:p>
-        </p:txBody>
-      </p:sp>
-      <p:cxnSp>
-        <p:nvCxnSpPr>
-          <p:cNvPr id="8" name="Straight Arrow Connector 7">
-            <a:extLst>
-              <a:ext uri="{FF2B5EF4-FFF2-40B4-BE49-F238E27FC236}">
-                <a16:creationId xmlns:a16="http://schemas.microsoft.com/office/drawing/2014/main" id="{A5136733-FADA-1340-B4DC-2388EC35C313}"/>
-              </a:ext>
-            </a:extLst>
-          </p:cNvPr>
-          <p:cNvCxnSpPr>
-            <a:stCxn id="4" idx="6"/>
-            <a:endCxn id="5" idx="2"/>
-          </p:cNvCxnSpPr>
-          <p:nvPr/>
-        </p:nvCxnSpPr>
-        <p:spPr>
-          <a:xfrm>
-            <a:off x="3793524" y="4621426"/>
-            <a:ext cx="3443418" cy="0"/>
-          </a:xfrm>
-          <a:prstGeom prst="straightConnector1">
-            <a:avLst/>
-          </a:prstGeom>
-          <a:ln w="38100">
-            <a:solidFill>
-              <a:schemeClr val="tx1"/>
-            </a:solidFill>
-            <a:tailEnd type="triangle"/>
-          </a:ln>
-        </p:spPr>
-        <p:style>
-          <a:lnRef idx="1">
-            <a:schemeClr val="accent1"/>
-          </a:lnRef>
-          <a:fillRef idx="0">
-            <a:schemeClr val="accent1"/>
-          </a:fillRef>
-          <a:effectRef idx="0">
-            <a:schemeClr val="accent1"/>
-          </a:effectRef>
-          <a:fontRef idx="minor">
-            <a:schemeClr val="tx1"/>
-          </a:fontRef>
-        </p:style>
-      </p:cxnSp>
-    </p:spTree>
-    <p:extLst>
-      <p:ext uri="{BB962C8B-B14F-4D97-AF65-F5344CB8AC3E}">
-        <p14:creationId xmlns:p14="http://schemas.microsoft.com/office/powerpoint/2010/main" val="2107099766"/>
-      </p:ext>
-    </p:extLst>
-  </p:cSld>
-  <p:clrMapOvr>
-    <a:masterClrMapping/>
-  </p:clrMapOvr>
-</p:sld>
-</file>
-
-<file path=ppt/slides/slide8.xml><?xml version="1.0" encoding="utf-8"?>
-<p:sld xmlns:a="http://schemas.openxmlformats.org/drawingml/2006/main" xmlns:r="http://schemas.openxmlformats.org/officeDocument/2006/relationships" xmlns:p="http://schemas.openxmlformats.org/presentationml/2006/main">
-  <p:cSld>
-    <p:spTree>
-      <p:nvGrpSpPr>
-        <p:cNvPr id="1" name=""/>
-        <p:cNvGrpSpPr/>
-        <p:nvPr/>
-      </p:nvGrpSpPr>
-      <p:grpSpPr>
-        <a:xfrm>
-          <a:off x="0" y="0"/>
-          <a:ext cx="0" cy="0"/>
-          <a:chOff x="0" y="0"/>
-          <a:chExt cx="0" cy="0"/>
-        </a:xfrm>
-      </p:grpSpPr>
-      <p:sp>
-        <p:nvSpPr>
-          <p:cNvPr id="2" name="Title 1">
-            <a:extLst>
-              <a:ext uri="{FF2B5EF4-FFF2-40B4-BE49-F238E27FC236}">
-                <a16:creationId xmlns:a16="http://schemas.microsoft.com/office/drawing/2014/main" id="{CFB15DD3-BDA6-C840-A13C-B37B2A7D7F21}"/>
-              </a:ext>
-            </a:extLst>
-          </p:cNvPr>
-          <p:cNvSpPr>
-            <a:spLocks noGrp="1"/>
-          </p:cNvSpPr>
-          <p:nvPr>
-            <p:ph type="title"/>
-          </p:nvPr>
-        </p:nvSpPr>
-        <p:spPr/>
-        <p:txBody>
-          <a:bodyPr/>
-          <a:lstStyle/>
-          <a:p>
-            <a:r>
-              <a:rPr lang="en-US" dirty="0"/>
-              <a:t>Basic DAG structures – Nodes and Edges</a:t>
-            </a:r>
-          </a:p>
-        </p:txBody>
-      </p:sp>
-      <p:sp>
-        <p:nvSpPr>
-          <p:cNvPr id="8" name="TextBox 7">
-            <a:extLst>
-              <a:ext uri="{FF2B5EF4-FFF2-40B4-BE49-F238E27FC236}">
-                <a16:creationId xmlns:a16="http://schemas.microsoft.com/office/drawing/2014/main" id="{AA8329A4-47FB-3646-9FB7-1D2BD51DE441}"/>
-              </a:ext>
-            </a:extLst>
-          </p:cNvPr>
-          <p:cNvSpPr txBox="1"/>
-          <p:nvPr/>
-        </p:nvSpPr>
-        <p:spPr>
-          <a:xfrm>
-            <a:off x="1746418" y="4948881"/>
-            <a:ext cx="486034" cy="646331"/>
-          </a:xfrm>
-          <a:prstGeom prst="rect">
-            <a:avLst/>
-          </a:prstGeom>
-          <a:noFill/>
-        </p:spPr>
-        <p:txBody>
-          <a:bodyPr wrap="square" rtlCol="0">
-            <a:spAutoFit/>
-          </a:bodyPr>
-          <a:lstStyle/>
-          <a:p>
-            <a:pPr algn="ctr"/>
-            <a:r>
-              <a:rPr lang="en-US" sz="3600" dirty="0"/>
-              <a:t>X</a:t>
-            </a:r>
-          </a:p>
-        </p:txBody>
-      </p:sp>
-      <p:cxnSp>
-        <p:nvCxnSpPr>
-          <p:cNvPr id="10" name="Straight Arrow Connector 9">
-            <a:extLst>
-              <a:ext uri="{FF2B5EF4-FFF2-40B4-BE49-F238E27FC236}">
-                <a16:creationId xmlns:a16="http://schemas.microsoft.com/office/drawing/2014/main" id="{6789ECBF-A84F-B84E-953F-3B1649BA6D84}"/>
-              </a:ext>
-            </a:extLst>
-          </p:cNvPr>
-          <p:cNvCxnSpPr>
-            <a:cxnSpLocks/>
-            <a:stCxn id="8" idx="3"/>
-            <a:endCxn id="14" idx="1"/>
-          </p:cNvCxnSpPr>
-          <p:nvPr/>
-        </p:nvCxnSpPr>
-        <p:spPr>
-          <a:xfrm>
-            <a:off x="2232452" y="5272047"/>
-            <a:ext cx="3369275" cy="0"/>
-          </a:xfrm>
-          <a:prstGeom prst="straightConnector1">
-            <a:avLst/>
-          </a:prstGeom>
-          <a:ln w="38100">
-            <a:solidFill>
-              <a:schemeClr val="tx1"/>
-            </a:solidFill>
-            <a:tailEnd type="triangle"/>
-          </a:ln>
-        </p:spPr>
-        <p:style>
-          <a:lnRef idx="1">
-            <a:schemeClr val="accent1"/>
-          </a:lnRef>
-          <a:fillRef idx="0">
-            <a:schemeClr val="accent1"/>
-          </a:fillRef>
-          <a:effectRef idx="0">
-            <a:schemeClr val="accent1"/>
-          </a:effectRef>
-          <a:fontRef idx="minor">
-            <a:schemeClr val="tx1"/>
-          </a:fontRef>
-        </p:style>
-      </p:cxnSp>
-      <p:cxnSp>
-        <p:nvCxnSpPr>
-          <p:cNvPr id="12" name="Straight Arrow Connector 11">
-            <a:extLst>
-              <a:ext uri="{FF2B5EF4-FFF2-40B4-BE49-F238E27FC236}">
-                <a16:creationId xmlns:a16="http://schemas.microsoft.com/office/drawing/2014/main" id="{DEF6E3E1-D0F0-F14E-A8DB-74DE3D3A4A42}"/>
-              </a:ext>
-            </a:extLst>
-          </p:cNvPr>
-          <p:cNvCxnSpPr>
-            <a:cxnSpLocks/>
-            <a:stCxn id="14" idx="3"/>
-            <a:endCxn id="15" idx="1"/>
-          </p:cNvCxnSpPr>
-          <p:nvPr/>
-        </p:nvCxnSpPr>
-        <p:spPr>
-          <a:xfrm>
-            <a:off x="6087761" y="5272047"/>
-            <a:ext cx="3319847" cy="0"/>
-          </a:xfrm>
-          <a:prstGeom prst="straightConnector1">
-            <a:avLst/>
-          </a:prstGeom>
-          <a:ln w="38100">
-            <a:solidFill>
-              <a:schemeClr val="tx1"/>
-            </a:solidFill>
-            <a:tailEnd type="triangle"/>
-          </a:ln>
-        </p:spPr>
-        <p:style>
-          <a:lnRef idx="1">
-            <a:schemeClr val="accent1"/>
-          </a:lnRef>
-          <a:fillRef idx="0">
-            <a:schemeClr val="accent1"/>
-          </a:fillRef>
-          <a:effectRef idx="0">
-            <a:schemeClr val="accent1"/>
-          </a:effectRef>
-          <a:fontRef idx="minor">
-            <a:schemeClr val="tx1"/>
-          </a:fontRef>
-        </p:style>
-      </p:cxnSp>
-      <p:sp>
-        <p:nvSpPr>
-          <p:cNvPr id="14" name="TextBox 13">
-            <a:extLst>
-              <a:ext uri="{FF2B5EF4-FFF2-40B4-BE49-F238E27FC236}">
-                <a16:creationId xmlns:a16="http://schemas.microsoft.com/office/drawing/2014/main" id="{73FB80DC-C79E-ED46-B12B-48BC31A4E4E4}"/>
-              </a:ext>
-            </a:extLst>
-          </p:cNvPr>
-          <p:cNvSpPr txBox="1"/>
-          <p:nvPr/>
-        </p:nvSpPr>
-        <p:spPr>
-          <a:xfrm>
-            <a:off x="5601727" y="4948881"/>
-            <a:ext cx="486034" cy="646331"/>
-          </a:xfrm>
-          <a:prstGeom prst="rect">
-            <a:avLst/>
-          </a:prstGeom>
-          <a:noFill/>
-        </p:spPr>
-        <p:txBody>
-          <a:bodyPr wrap="square" rtlCol="0">
-            <a:spAutoFit/>
-          </a:bodyPr>
-          <a:lstStyle/>
-          <a:p>
-            <a:pPr algn="ctr"/>
-            <a:r>
-              <a:rPr lang="en-US" sz="3600" dirty="0"/>
-              <a:t>Y</a:t>
-            </a:r>
-          </a:p>
-        </p:txBody>
-      </p:sp>
-      <p:sp>
-        <p:nvSpPr>
-          <p:cNvPr id="15" name="TextBox 14">
-            <a:extLst>
-              <a:ext uri="{FF2B5EF4-FFF2-40B4-BE49-F238E27FC236}">
-                <a16:creationId xmlns:a16="http://schemas.microsoft.com/office/drawing/2014/main" id="{B4791219-A3C1-3048-9F75-C40BFAB1FCC8}"/>
-              </a:ext>
-            </a:extLst>
-          </p:cNvPr>
-          <p:cNvSpPr txBox="1"/>
-          <p:nvPr/>
-        </p:nvSpPr>
-        <p:spPr>
-          <a:xfrm>
-            <a:off x="9407608" y="4948881"/>
-            <a:ext cx="486034" cy="646331"/>
-          </a:xfrm>
-          <a:prstGeom prst="rect">
-            <a:avLst/>
-          </a:prstGeom>
-          <a:noFill/>
-        </p:spPr>
-        <p:txBody>
-          <a:bodyPr wrap="square" rtlCol="0">
-            <a:spAutoFit/>
-          </a:bodyPr>
-          <a:lstStyle/>
-          <a:p>
-            <a:pPr algn="ctr"/>
-            <a:r>
-              <a:rPr lang="en-US" sz="3600" dirty="0"/>
-              <a:t>Z</a:t>
-            </a:r>
-          </a:p>
-        </p:txBody>
-      </p:sp>
-      <p:sp>
-        <p:nvSpPr>
-          <p:cNvPr id="16" name="Oval 15">
-            <a:extLst>
-              <a:ext uri="{FF2B5EF4-FFF2-40B4-BE49-F238E27FC236}">
-                <a16:creationId xmlns:a16="http://schemas.microsoft.com/office/drawing/2014/main" id="{F9B079C2-E924-9D4B-95C0-3D98AE551720}"/>
-              </a:ext>
-            </a:extLst>
-          </p:cNvPr>
-          <p:cNvSpPr/>
-          <p:nvPr/>
-        </p:nvSpPr>
-        <p:spPr>
-          <a:xfrm>
-            <a:off x="1902939" y="2622313"/>
-            <a:ext cx="370702" cy="370702"/>
-          </a:xfrm>
-          <a:prstGeom prst="ellipse">
-            <a:avLst/>
-          </a:prstGeom>
-        </p:spPr>
-        <p:style>
-          <a:lnRef idx="2">
-            <a:schemeClr val="accent1">
-              <a:shade val="50000"/>
-            </a:schemeClr>
-          </a:lnRef>
-          <a:fillRef idx="1">
-            <a:schemeClr val="accent1"/>
-          </a:fillRef>
-          <a:effectRef idx="0">
-            <a:schemeClr val="accent1"/>
-          </a:effectRef>
-          <a:fontRef idx="minor">
-            <a:schemeClr val="lt1"/>
-          </a:fontRef>
-        </p:style>
-        <p:txBody>
-          <a:bodyPr rtlCol="0" anchor="ctr"/>
-          <a:lstStyle/>
-          <a:p>
-            <a:pPr algn="ctr"/>
-            <a:endParaRPr lang="en-US"/>
-          </a:p>
-        </p:txBody>
-      </p:sp>
-      <p:sp>
-        <p:nvSpPr>
-          <p:cNvPr id="17" name="Oval 16">
-            <a:extLst>
-              <a:ext uri="{FF2B5EF4-FFF2-40B4-BE49-F238E27FC236}">
-                <a16:creationId xmlns:a16="http://schemas.microsoft.com/office/drawing/2014/main" id="{46A451E3-5B40-B84C-8D42-0838B419304B}"/>
-              </a:ext>
-            </a:extLst>
-          </p:cNvPr>
-          <p:cNvSpPr/>
-          <p:nvPr/>
-        </p:nvSpPr>
-        <p:spPr>
-          <a:xfrm>
-            <a:off x="5717059" y="2622313"/>
-            <a:ext cx="370702" cy="370702"/>
-          </a:xfrm>
-          <a:prstGeom prst="ellipse">
-            <a:avLst/>
-          </a:prstGeom>
-        </p:spPr>
-        <p:style>
-          <a:lnRef idx="2">
-            <a:schemeClr val="accent1">
-              <a:shade val="50000"/>
-            </a:schemeClr>
-          </a:lnRef>
-          <a:fillRef idx="1">
-            <a:schemeClr val="accent1"/>
-          </a:fillRef>
-          <a:effectRef idx="0">
-            <a:schemeClr val="accent1"/>
-          </a:effectRef>
-          <a:fontRef idx="minor">
-            <a:schemeClr val="lt1"/>
-          </a:fontRef>
-        </p:style>
-        <p:txBody>
-          <a:bodyPr rtlCol="0" anchor="ctr"/>
-          <a:lstStyle/>
-          <a:p>
-            <a:pPr algn="ctr"/>
-            <a:endParaRPr lang="en-US"/>
-          </a:p>
-        </p:txBody>
-      </p:sp>
-      <p:sp>
-        <p:nvSpPr>
-          <p:cNvPr id="18" name="TextBox 17">
-            <a:extLst>
-              <a:ext uri="{FF2B5EF4-FFF2-40B4-BE49-F238E27FC236}">
-                <a16:creationId xmlns:a16="http://schemas.microsoft.com/office/drawing/2014/main" id="{C51452A1-B22E-074B-B2CC-BCFAD91828D8}"/>
-              </a:ext>
-            </a:extLst>
-          </p:cNvPr>
-          <p:cNvSpPr txBox="1"/>
-          <p:nvPr/>
-        </p:nvSpPr>
-        <p:spPr>
-          <a:xfrm>
-            <a:off x="1495165" y="3277222"/>
-            <a:ext cx="1186249" cy="369332"/>
-          </a:xfrm>
-          <a:prstGeom prst="rect">
-            <a:avLst/>
-          </a:prstGeom>
-          <a:noFill/>
-        </p:spPr>
-        <p:txBody>
-          <a:bodyPr wrap="square" rtlCol="0">
-            <a:spAutoFit/>
-          </a:bodyPr>
-          <a:lstStyle/>
-          <a:p>
-            <a:pPr algn="ctr"/>
-            <a:r>
-              <a:rPr lang="en-US" dirty="0"/>
-              <a:t>X</a:t>
-            </a:r>
-          </a:p>
-        </p:txBody>
-      </p:sp>
-      <p:sp>
-        <p:nvSpPr>
-          <p:cNvPr id="19" name="TextBox 18">
-            <a:extLst>
-              <a:ext uri="{FF2B5EF4-FFF2-40B4-BE49-F238E27FC236}">
-                <a16:creationId xmlns:a16="http://schemas.microsoft.com/office/drawing/2014/main" id="{574CF164-9728-F64D-B831-8BBDF8C7BCD8}"/>
-              </a:ext>
-            </a:extLst>
-          </p:cNvPr>
-          <p:cNvSpPr txBox="1"/>
-          <p:nvPr/>
-        </p:nvSpPr>
-        <p:spPr>
-          <a:xfrm>
-            <a:off x="5309285" y="3277222"/>
-            <a:ext cx="1186249" cy="369332"/>
-          </a:xfrm>
-          <a:prstGeom prst="rect">
-            <a:avLst/>
-          </a:prstGeom>
-          <a:noFill/>
-        </p:spPr>
-        <p:txBody>
-          <a:bodyPr wrap="square" rtlCol="0">
-            <a:spAutoFit/>
-          </a:bodyPr>
-          <a:lstStyle/>
-          <a:p>
-            <a:pPr algn="ctr"/>
-            <a:r>
-              <a:rPr lang="en-US" dirty="0"/>
-              <a:t>Y</a:t>
-            </a:r>
-          </a:p>
-        </p:txBody>
-      </p:sp>
-      <p:cxnSp>
-        <p:nvCxnSpPr>
-          <p:cNvPr id="20" name="Straight Arrow Connector 19">
-            <a:extLst>
-              <a:ext uri="{FF2B5EF4-FFF2-40B4-BE49-F238E27FC236}">
-                <a16:creationId xmlns:a16="http://schemas.microsoft.com/office/drawing/2014/main" id="{150F07BA-12F5-C94C-9315-6A2006C251E3}"/>
-              </a:ext>
-            </a:extLst>
-          </p:cNvPr>
-          <p:cNvCxnSpPr>
-            <a:cxnSpLocks/>
-            <a:stCxn id="16" idx="6"/>
-            <a:endCxn id="17" idx="2"/>
-          </p:cNvCxnSpPr>
-          <p:nvPr/>
-        </p:nvCxnSpPr>
-        <p:spPr>
-          <a:xfrm>
-            <a:off x="2273641" y="2807664"/>
-            <a:ext cx="3443418" cy="0"/>
-          </a:xfrm>
-          <a:prstGeom prst="straightConnector1">
-            <a:avLst/>
-          </a:prstGeom>
-          <a:ln w="38100">
-            <a:solidFill>
-              <a:schemeClr val="tx1"/>
-            </a:solidFill>
-            <a:tailEnd type="triangle"/>
-          </a:ln>
-        </p:spPr>
-        <p:style>
-          <a:lnRef idx="1">
-            <a:schemeClr val="accent1"/>
-          </a:lnRef>
-          <a:fillRef idx="0">
-            <a:schemeClr val="accent1"/>
-          </a:fillRef>
-          <a:effectRef idx="0">
-            <a:schemeClr val="accent1"/>
-          </a:effectRef>
-          <a:fontRef idx="minor">
-            <a:schemeClr val="tx1"/>
-          </a:fontRef>
-        </p:style>
-      </p:cxnSp>
-      <p:sp>
-        <p:nvSpPr>
-          <p:cNvPr id="21" name="Oval 20">
-            <a:extLst>
-              <a:ext uri="{FF2B5EF4-FFF2-40B4-BE49-F238E27FC236}">
-                <a16:creationId xmlns:a16="http://schemas.microsoft.com/office/drawing/2014/main" id="{ABA1E88C-5A39-8747-A2FC-E5C4DE325731}"/>
-              </a:ext>
-            </a:extLst>
-          </p:cNvPr>
-          <p:cNvSpPr/>
-          <p:nvPr/>
-        </p:nvSpPr>
-        <p:spPr>
-          <a:xfrm>
-            <a:off x="9522939" y="2622313"/>
-            <a:ext cx="370702" cy="370702"/>
-          </a:xfrm>
-          <a:prstGeom prst="ellipse">
-            <a:avLst/>
-          </a:prstGeom>
-        </p:spPr>
-        <p:style>
-          <a:lnRef idx="2">
-            <a:schemeClr val="accent1">
-              <a:shade val="50000"/>
-            </a:schemeClr>
-          </a:lnRef>
-          <a:fillRef idx="1">
-            <a:schemeClr val="accent1"/>
-          </a:fillRef>
-          <a:effectRef idx="0">
-            <a:schemeClr val="accent1"/>
-          </a:effectRef>
-          <a:fontRef idx="minor">
-            <a:schemeClr val="lt1"/>
-          </a:fontRef>
-        </p:style>
-        <p:txBody>
-          <a:bodyPr rtlCol="0" anchor="ctr"/>
-          <a:lstStyle/>
-          <a:p>
-            <a:pPr algn="ctr"/>
-            <a:endParaRPr lang="en-US"/>
-          </a:p>
-        </p:txBody>
-      </p:sp>
-      <p:sp>
-        <p:nvSpPr>
-          <p:cNvPr id="22" name="TextBox 21">
-            <a:extLst>
-              <a:ext uri="{FF2B5EF4-FFF2-40B4-BE49-F238E27FC236}">
-                <a16:creationId xmlns:a16="http://schemas.microsoft.com/office/drawing/2014/main" id="{24EF2F82-8570-1042-8717-7E2A5B34D05E}"/>
-              </a:ext>
-            </a:extLst>
-          </p:cNvPr>
-          <p:cNvSpPr txBox="1"/>
-          <p:nvPr/>
-        </p:nvSpPr>
-        <p:spPr>
-          <a:xfrm>
-            <a:off x="9115165" y="3277222"/>
-            <a:ext cx="1186249" cy="369332"/>
-          </a:xfrm>
-          <a:prstGeom prst="rect">
-            <a:avLst/>
-          </a:prstGeom>
-          <a:noFill/>
-        </p:spPr>
-        <p:txBody>
-          <a:bodyPr wrap="square" rtlCol="0">
-            <a:spAutoFit/>
-          </a:bodyPr>
-          <a:lstStyle/>
-          <a:p>
-            <a:pPr algn="ctr"/>
-            <a:r>
-              <a:rPr lang="en-US" dirty="0"/>
-              <a:t>Z</a:t>
-            </a:r>
-          </a:p>
-        </p:txBody>
-      </p:sp>
-      <p:cxnSp>
-        <p:nvCxnSpPr>
-          <p:cNvPr id="23" name="Straight Arrow Connector 22">
-            <a:extLst>
-              <a:ext uri="{FF2B5EF4-FFF2-40B4-BE49-F238E27FC236}">
-                <a16:creationId xmlns:a16="http://schemas.microsoft.com/office/drawing/2014/main" id="{771ABE2A-B904-1244-8B3B-5859043A62F2}"/>
-              </a:ext>
-            </a:extLst>
-          </p:cNvPr>
-          <p:cNvCxnSpPr>
-            <a:cxnSpLocks/>
-            <a:endCxn id="21" idx="2"/>
-          </p:cNvCxnSpPr>
-          <p:nvPr/>
-        </p:nvCxnSpPr>
-        <p:spPr>
-          <a:xfrm>
-            <a:off x="6079521" y="2807664"/>
-            <a:ext cx="3443418" cy="0"/>
-          </a:xfrm>
-          <a:prstGeom prst="straightConnector1">
-            <a:avLst/>
-          </a:prstGeom>
-          <a:ln w="38100">
-            <a:solidFill>
-              <a:schemeClr val="tx1"/>
-            </a:solidFill>
-            <a:tailEnd type="triangle"/>
-          </a:ln>
-        </p:spPr>
-        <p:style>
-          <a:lnRef idx="1">
-            <a:schemeClr val="accent1"/>
-          </a:lnRef>
-          <a:fillRef idx="0">
-            <a:schemeClr val="accent1"/>
-          </a:fillRef>
-          <a:effectRef idx="0">
-            <a:schemeClr val="accent1"/>
-          </a:effectRef>
-          <a:fontRef idx="minor">
-            <a:schemeClr val="tx1"/>
-          </a:fontRef>
-        </p:style>
-      </p:cxnSp>
-    </p:spTree>
-    <p:extLst>
-      <p:ext uri="{BB962C8B-B14F-4D97-AF65-F5344CB8AC3E}">
-        <p14:creationId xmlns:p14="http://schemas.microsoft.com/office/powerpoint/2010/main" val="1476338338"/>
-      </p:ext>
-    </p:extLst>
-  </p:cSld>
-  <p:clrMapOvr>
-    <a:masterClrMapping/>
-  </p:clrMapOvr>
-</p:sld>
-</file>
-
-<file path=ppt/slides/slide9.xml><?xml version="1.0" encoding="utf-8"?>
-<p:sld xmlns:a="http://schemas.openxmlformats.org/drawingml/2006/main" xmlns:r="http://schemas.openxmlformats.org/officeDocument/2006/relationships" xmlns:p="http://schemas.openxmlformats.org/presentationml/2006/main">
-  <p:cSld>
-    <p:spTree>
-      <p:nvGrpSpPr>
-        <p:cNvPr id="1" name=""/>
-        <p:cNvGrpSpPr/>
-        <p:nvPr/>
-      </p:nvGrpSpPr>
-      <p:grpSpPr>
-        <a:xfrm>
-          <a:off x="0" y="0"/>
-          <a:ext cx="0" cy="0"/>
-          <a:chOff x="0" y="0"/>
-          <a:chExt cx="0" cy="0"/>
-        </a:xfrm>
-      </p:grpSpPr>
-      <p:sp>
-        <p:nvSpPr>
-          <p:cNvPr id="2" name="Title 1">
-            <a:extLst>
-              <a:ext uri="{FF2B5EF4-FFF2-40B4-BE49-F238E27FC236}">
-                <a16:creationId xmlns:a16="http://schemas.microsoft.com/office/drawing/2014/main" id="{CFB15DD3-BDA6-C840-A13C-B37B2A7D7F21}"/>
-              </a:ext>
-            </a:extLst>
-          </p:cNvPr>
-          <p:cNvSpPr>
-            <a:spLocks noGrp="1"/>
-          </p:cNvSpPr>
-          <p:nvPr>
-            <p:ph type="title"/>
-          </p:nvPr>
-        </p:nvSpPr>
-        <p:spPr/>
-        <p:txBody>
-          <a:bodyPr/>
-          <a:lstStyle/>
-          <a:p>
-            <a:r>
-              <a:rPr lang="en-US" dirty="0"/>
-              <a:t>Basic DAG structures – Descendants</a:t>
-            </a:r>
-          </a:p>
-        </p:txBody>
-      </p:sp>
-      <p:sp>
-        <p:nvSpPr>
-          <p:cNvPr id="8" name="TextBox 7">
-            <a:extLst>
-              <a:ext uri="{FF2B5EF4-FFF2-40B4-BE49-F238E27FC236}">
-                <a16:creationId xmlns:a16="http://schemas.microsoft.com/office/drawing/2014/main" id="{AA8329A4-47FB-3646-9FB7-1D2BD51DE441}"/>
-              </a:ext>
-            </a:extLst>
-          </p:cNvPr>
-          <p:cNvSpPr txBox="1"/>
-          <p:nvPr/>
-        </p:nvSpPr>
-        <p:spPr>
-          <a:xfrm>
-            <a:off x="1857629" y="3105834"/>
-            <a:ext cx="486034" cy="646331"/>
-          </a:xfrm>
-          <a:prstGeom prst="rect">
-            <a:avLst/>
-          </a:prstGeom>
-          <a:noFill/>
-        </p:spPr>
-        <p:txBody>
-          <a:bodyPr wrap="square" rtlCol="0">
-            <a:spAutoFit/>
-          </a:bodyPr>
-          <a:lstStyle/>
-          <a:p>
-            <a:pPr algn="ctr"/>
-            <a:r>
-              <a:rPr lang="en-US" sz="3600" dirty="0"/>
-              <a:t>X</a:t>
-            </a:r>
-          </a:p>
-        </p:txBody>
-      </p:sp>
-      <p:cxnSp>
-        <p:nvCxnSpPr>
-          <p:cNvPr id="10" name="Straight Arrow Connector 9">
-            <a:extLst>
-              <a:ext uri="{FF2B5EF4-FFF2-40B4-BE49-F238E27FC236}">
-                <a16:creationId xmlns:a16="http://schemas.microsoft.com/office/drawing/2014/main" id="{6789ECBF-A84F-B84E-953F-3B1649BA6D84}"/>
-              </a:ext>
-            </a:extLst>
-          </p:cNvPr>
-          <p:cNvCxnSpPr>
-            <a:cxnSpLocks/>
-            <a:stCxn id="8" idx="3"/>
-            <a:endCxn id="14" idx="1"/>
-          </p:cNvCxnSpPr>
-          <p:nvPr/>
-        </p:nvCxnSpPr>
-        <p:spPr>
-          <a:xfrm>
-            <a:off x="2343663" y="3429000"/>
-            <a:ext cx="3369275" cy="0"/>
-          </a:xfrm>
-          <a:prstGeom prst="straightConnector1">
-            <a:avLst/>
-          </a:prstGeom>
-          <a:ln w="38100">
-            <a:solidFill>
-              <a:schemeClr val="tx1"/>
-            </a:solidFill>
-            <a:tailEnd type="triangle"/>
-          </a:ln>
-        </p:spPr>
-        <p:style>
-          <a:lnRef idx="1">
-            <a:schemeClr val="accent1"/>
-          </a:lnRef>
-          <a:fillRef idx="0">
-            <a:schemeClr val="accent1"/>
-          </a:fillRef>
-          <a:effectRef idx="0">
-            <a:schemeClr val="accent1"/>
-          </a:effectRef>
-          <a:fontRef idx="minor">
-            <a:schemeClr val="tx1"/>
-          </a:fontRef>
-        </p:style>
-      </p:cxnSp>
-      <p:cxnSp>
-        <p:nvCxnSpPr>
-          <p:cNvPr id="12" name="Straight Arrow Connector 11">
-            <a:extLst>
-              <a:ext uri="{FF2B5EF4-FFF2-40B4-BE49-F238E27FC236}">
-                <a16:creationId xmlns:a16="http://schemas.microsoft.com/office/drawing/2014/main" id="{DEF6E3E1-D0F0-F14E-A8DB-74DE3D3A4A42}"/>
-              </a:ext>
-            </a:extLst>
-          </p:cNvPr>
-          <p:cNvCxnSpPr>
-            <a:cxnSpLocks/>
-            <a:stCxn id="14" idx="3"/>
-            <a:endCxn id="15" idx="1"/>
-          </p:cNvCxnSpPr>
-          <p:nvPr/>
-        </p:nvCxnSpPr>
-        <p:spPr>
-          <a:xfrm>
-            <a:off x="6198972" y="3429000"/>
-            <a:ext cx="3319847" cy="0"/>
-          </a:xfrm>
-          <a:prstGeom prst="straightConnector1">
-            <a:avLst/>
-          </a:prstGeom>
-          <a:ln w="38100">
-            <a:solidFill>
-              <a:schemeClr val="tx1"/>
-            </a:solidFill>
-            <a:tailEnd type="triangle"/>
-          </a:ln>
-        </p:spPr>
-        <p:style>
-          <a:lnRef idx="1">
-            <a:schemeClr val="accent1"/>
-          </a:lnRef>
-          <a:fillRef idx="0">
-            <a:schemeClr val="accent1"/>
-          </a:fillRef>
-          <a:effectRef idx="0">
-            <a:schemeClr val="accent1"/>
-          </a:effectRef>
-          <a:fontRef idx="minor">
-            <a:schemeClr val="tx1"/>
-          </a:fontRef>
-        </p:style>
-      </p:cxnSp>
-      <p:sp>
-        <p:nvSpPr>
-          <p:cNvPr id="14" name="TextBox 13">
-            <a:extLst>
-              <a:ext uri="{FF2B5EF4-FFF2-40B4-BE49-F238E27FC236}">
-                <a16:creationId xmlns:a16="http://schemas.microsoft.com/office/drawing/2014/main" id="{73FB80DC-C79E-ED46-B12B-48BC31A4E4E4}"/>
-              </a:ext>
-            </a:extLst>
-          </p:cNvPr>
-          <p:cNvSpPr txBox="1"/>
-          <p:nvPr/>
-        </p:nvSpPr>
-        <p:spPr>
-          <a:xfrm>
-            <a:off x="5712938" y="3105834"/>
-            <a:ext cx="486034" cy="646331"/>
-          </a:xfrm>
-          <a:prstGeom prst="rect">
-            <a:avLst/>
-          </a:prstGeom>
-          <a:noFill/>
-        </p:spPr>
-        <p:txBody>
-          <a:bodyPr wrap="square" rtlCol="0">
-            <a:spAutoFit/>
-          </a:bodyPr>
-          <a:lstStyle/>
-          <a:p>
-            <a:pPr algn="ctr"/>
-            <a:r>
-              <a:rPr lang="en-US" sz="3600" dirty="0"/>
-              <a:t>Y</a:t>
-            </a:r>
-          </a:p>
-        </p:txBody>
-      </p:sp>
-      <p:sp>
-        <p:nvSpPr>
-          <p:cNvPr id="15" name="TextBox 14">
-            <a:extLst>
-              <a:ext uri="{FF2B5EF4-FFF2-40B4-BE49-F238E27FC236}">
-                <a16:creationId xmlns:a16="http://schemas.microsoft.com/office/drawing/2014/main" id="{B4791219-A3C1-3048-9F75-C40BFAB1FCC8}"/>
-              </a:ext>
-            </a:extLst>
-          </p:cNvPr>
-          <p:cNvSpPr txBox="1"/>
-          <p:nvPr/>
-        </p:nvSpPr>
-        <p:spPr>
-          <a:xfrm>
-            <a:off x="9518819" y="3105834"/>
-            <a:ext cx="486034" cy="646331"/>
-          </a:xfrm>
-          <a:prstGeom prst="rect">
-            <a:avLst/>
-          </a:prstGeom>
-          <a:noFill/>
-        </p:spPr>
-        <p:txBody>
-          <a:bodyPr wrap="square" rtlCol="0">
-            <a:spAutoFit/>
-          </a:bodyPr>
-          <a:lstStyle/>
-          <a:p>
-            <a:pPr algn="ctr"/>
-            <a:r>
-              <a:rPr lang="en-US" sz="3600" dirty="0"/>
-              <a:t>Z</a:t>
-            </a:r>
-          </a:p>
-        </p:txBody>
-      </p:sp>
-      <p:sp>
-        <p:nvSpPr>
-          <p:cNvPr id="3" name="TextBox 2">
-            <a:extLst>
-              <a:ext uri="{FF2B5EF4-FFF2-40B4-BE49-F238E27FC236}">
-                <a16:creationId xmlns:a16="http://schemas.microsoft.com/office/drawing/2014/main" id="{3621414B-E98F-4646-B0C4-00C3856F4131}"/>
-              </a:ext>
-            </a:extLst>
-          </p:cNvPr>
-          <p:cNvSpPr txBox="1"/>
-          <p:nvPr/>
-        </p:nvSpPr>
-        <p:spPr>
-          <a:xfrm>
-            <a:off x="1409719" y="2598004"/>
-            <a:ext cx="1381853" cy="369332"/>
-          </a:xfrm>
-          <a:prstGeom prst="rect">
-            <a:avLst/>
-          </a:prstGeom>
-          <a:noFill/>
-        </p:spPr>
-        <p:txBody>
-          <a:bodyPr wrap="none" rtlCol="0">
-            <a:spAutoFit/>
-          </a:bodyPr>
-          <a:lstStyle/>
-          <a:p>
-            <a:pPr algn="ctr"/>
-            <a:r>
-              <a:rPr lang="en-US" dirty="0"/>
-              <a:t>Grandparent</a:t>
-            </a:r>
-          </a:p>
-        </p:txBody>
-      </p:sp>
-      <p:sp>
-        <p:nvSpPr>
-          <p:cNvPr id="24" name="TextBox 23">
-            <a:extLst>
-              <a:ext uri="{FF2B5EF4-FFF2-40B4-BE49-F238E27FC236}">
-                <a16:creationId xmlns:a16="http://schemas.microsoft.com/office/drawing/2014/main" id="{B3C98BD3-C371-0440-B690-E3095CC0DC05}"/>
-              </a:ext>
-            </a:extLst>
-          </p:cNvPr>
-          <p:cNvSpPr txBox="1"/>
-          <p:nvPr/>
-        </p:nvSpPr>
-        <p:spPr>
-          <a:xfrm>
-            <a:off x="5556872" y="2574919"/>
-            <a:ext cx="798167" cy="369332"/>
-          </a:xfrm>
-          <a:prstGeom prst="rect">
-            <a:avLst/>
-          </a:prstGeom>
-          <a:noFill/>
-        </p:spPr>
-        <p:txBody>
-          <a:bodyPr wrap="none" rtlCol="0">
-            <a:spAutoFit/>
-          </a:bodyPr>
-          <a:lstStyle/>
-          <a:p>
-            <a:pPr algn="ctr"/>
-            <a:r>
-              <a:rPr lang="en-US" dirty="0"/>
-              <a:t>Parent</a:t>
-            </a:r>
-          </a:p>
-        </p:txBody>
-      </p:sp>
-      <p:sp>
-        <p:nvSpPr>
-          <p:cNvPr id="25" name="TextBox 24">
-            <a:extLst>
-              <a:ext uri="{FF2B5EF4-FFF2-40B4-BE49-F238E27FC236}">
-                <a16:creationId xmlns:a16="http://schemas.microsoft.com/office/drawing/2014/main" id="{2540EA9E-A290-6840-989D-6297D3063920}"/>
-              </a:ext>
-            </a:extLst>
-          </p:cNvPr>
-          <p:cNvSpPr txBox="1"/>
-          <p:nvPr/>
-        </p:nvSpPr>
-        <p:spPr>
-          <a:xfrm>
-            <a:off x="9433061" y="2598004"/>
-            <a:ext cx="657552" cy="369332"/>
-          </a:xfrm>
-          <a:prstGeom prst="rect">
-            <a:avLst/>
-          </a:prstGeom>
-          <a:noFill/>
-        </p:spPr>
-        <p:txBody>
-          <a:bodyPr wrap="none" rtlCol="0">
-            <a:spAutoFit/>
-          </a:bodyPr>
-          <a:lstStyle/>
-          <a:p>
-            <a:pPr algn="ctr"/>
-            <a:r>
-              <a:rPr lang="en-US" dirty="0"/>
-              <a:t>Child</a:t>
-            </a:r>
-          </a:p>
-        </p:txBody>
-      </p:sp>
-      <p:sp>
-        <p:nvSpPr>
-          <p:cNvPr id="26" name="TextBox 25">
-            <a:extLst>
-              <a:ext uri="{FF2B5EF4-FFF2-40B4-BE49-F238E27FC236}">
-                <a16:creationId xmlns:a16="http://schemas.microsoft.com/office/drawing/2014/main" id="{03D1B89E-3E49-544B-B076-5B3537E66585}"/>
-              </a:ext>
-            </a:extLst>
-          </p:cNvPr>
-          <p:cNvSpPr txBox="1"/>
-          <p:nvPr/>
-        </p:nvSpPr>
-        <p:spPr>
-          <a:xfrm>
-            <a:off x="1701562" y="3824072"/>
-            <a:ext cx="798167" cy="369332"/>
-          </a:xfrm>
-          <a:prstGeom prst="rect">
-            <a:avLst/>
-          </a:prstGeom>
-          <a:noFill/>
-        </p:spPr>
-        <p:txBody>
-          <a:bodyPr wrap="none" rtlCol="0">
-            <a:spAutoFit/>
-          </a:bodyPr>
-          <a:lstStyle/>
-          <a:p>
-            <a:pPr algn="ctr"/>
-            <a:r>
-              <a:rPr lang="en-US" dirty="0"/>
-              <a:t>Parent</a:t>
-            </a:r>
-          </a:p>
-        </p:txBody>
-      </p:sp>
-      <p:sp>
-        <p:nvSpPr>
-          <p:cNvPr id="27" name="TextBox 26">
-            <a:extLst>
-              <a:ext uri="{FF2B5EF4-FFF2-40B4-BE49-F238E27FC236}">
-                <a16:creationId xmlns:a16="http://schemas.microsoft.com/office/drawing/2014/main" id="{0CB1F767-48C9-D045-91FD-AF32408FC0A7}"/>
-              </a:ext>
-            </a:extLst>
-          </p:cNvPr>
-          <p:cNvSpPr txBox="1"/>
-          <p:nvPr/>
-        </p:nvSpPr>
-        <p:spPr>
-          <a:xfrm>
-            <a:off x="5627180" y="3824072"/>
-            <a:ext cx="657552" cy="369332"/>
-          </a:xfrm>
-          <a:prstGeom prst="rect">
-            <a:avLst/>
-          </a:prstGeom>
-          <a:noFill/>
-        </p:spPr>
-        <p:txBody>
-          <a:bodyPr wrap="none" rtlCol="0">
-            <a:spAutoFit/>
-          </a:bodyPr>
-          <a:lstStyle/>
-          <a:p>
-            <a:pPr algn="ctr"/>
-            <a:r>
-              <a:rPr lang="en-US" dirty="0"/>
-              <a:t>Child</a:t>
-            </a:r>
-          </a:p>
-        </p:txBody>
-      </p:sp>
-      <p:sp>
-        <p:nvSpPr>
-          <p:cNvPr id="28" name="TextBox 27">
-            <a:extLst>
-              <a:ext uri="{FF2B5EF4-FFF2-40B4-BE49-F238E27FC236}">
-                <a16:creationId xmlns:a16="http://schemas.microsoft.com/office/drawing/2014/main" id="{9724B62A-89B1-104D-9086-51B253833E9B}"/>
-              </a:ext>
-            </a:extLst>
-          </p:cNvPr>
-          <p:cNvSpPr txBox="1"/>
-          <p:nvPr/>
-        </p:nvSpPr>
-        <p:spPr>
-          <a:xfrm>
-            <a:off x="9158116" y="3824072"/>
-            <a:ext cx="1207446" cy="369332"/>
-          </a:xfrm>
-          <a:prstGeom prst="rect">
-            <a:avLst/>
-          </a:prstGeom>
-          <a:noFill/>
-        </p:spPr>
-        <p:txBody>
-          <a:bodyPr wrap="none" rtlCol="0">
-            <a:spAutoFit/>
-          </a:bodyPr>
-          <a:lstStyle/>
-          <a:p>
-            <a:pPr algn="ctr"/>
-            <a:r>
-              <a:rPr lang="en-US" dirty="0"/>
-              <a:t>Grandchild</a:t>
-            </a:r>
-          </a:p>
-        </p:txBody>
-      </p:sp>
-    </p:spTree>
-    <p:extLst>
-      <p:ext uri="{BB962C8B-B14F-4D97-AF65-F5344CB8AC3E}">
-        <p14:creationId xmlns:p14="http://schemas.microsoft.com/office/powerpoint/2010/main" val="982254806"/>
       </p:ext>
     </p:extLst>
   </p:cSld>
@@ -17478,34 +9157,6 @@
 </file>
 
 <file path=customXml/item1.xml><?xml version="1.0" encoding="utf-8"?>
-<p:properties xmlns:p="http://schemas.microsoft.com/office/2006/metadata/properties" xmlns:xsi="http://www.w3.org/2001/XMLSchema-instance" xmlns:pc="http://schemas.microsoft.com/office/infopath/2007/PartnerControls">
-  <documentManagement>
-    <lcf76f155ced4ddcb4097134ff3c332f xmlns="e3793ca1-6164-4dfb-aaf8-0aa60c0c70c2">
-      <Terms xmlns="http://schemas.microsoft.com/office/infopath/2007/PartnerControls"/>
-    </lcf76f155ced4ddcb4097134ff3c332f>
-    <TaxCatchAll xmlns="b3558f30-ae73-4668-947b-5578bd4f9b3c" xsi:nil="true"/>
-    <MediaLengthInSeconds xmlns="e3793ca1-6164-4dfb-aaf8-0aa60c0c70c2" xsi:nil="true"/>
-    <SharedWithUsers xmlns="b3558f30-ae73-4668-947b-5578bd4f9b3c">
-      <UserInfo>
-        <DisplayName/>
-        <AccountId xsi:nil="true"/>
-        <AccountType/>
-      </UserInfo>
-    </SharedWithUsers>
-  </documentManagement>
-</p:properties>
-</file>
-
-<file path=customXml/item2.xml><?xml version="1.0" encoding="utf-8"?>
-<?mso-contentType ?>
-<FormTemplates xmlns="http://schemas.microsoft.com/sharepoint/v3/contenttype/forms">
-  <Display>DocumentLibraryForm</Display>
-  <Edit>DocumentLibraryForm</Edit>
-  <New>DocumentLibraryForm</New>
-</FormTemplates>
-</file>
-
-<file path=customXml/item3.xml><?xml version="1.0" encoding="utf-8"?>
 <ct:contentTypeSchema xmlns:ct="http://schemas.microsoft.com/office/2006/metadata/contentType" xmlns:ma="http://schemas.microsoft.com/office/2006/metadata/properties/metaAttributes" ct:_="" ma:_="" ma:contentTypeName="Document" ma:contentTypeID="0x010100ED41D9ADB7F09344BC6B7E44F29CCBFD" ma:contentTypeVersion="14" ma:contentTypeDescription="Create a new document." ma:contentTypeScope="" ma:versionID="9276c45793fd348c7fa883436223c0e5">
   <xsd:schema xmlns:xsd="http://www.w3.org/2001/XMLSchema" xmlns:xs="http://www.w3.org/2001/XMLSchema" xmlns:p="http://schemas.microsoft.com/office/2006/metadata/properties" xmlns:ns2="e3793ca1-6164-4dfb-aaf8-0aa60c0c70c2" xmlns:ns3="b3558f30-ae73-4668-947b-5578bd4f9b3c" targetNamespace="http://schemas.microsoft.com/office/2006/metadata/properties" ma:root="true" ma:fieldsID="e719cf076e31d60380888a74c28adfdb" ns2:_="" ns3:_="">
     <xsd:import namespace="e3793ca1-6164-4dfb-aaf8-0aa60c0c70c2"/>
@@ -17734,32 +9385,35 @@
 </ct:contentTypeSchema>
 </file>
 
-<file path=customXml/itemProps1.xml><?xml version="1.0" encoding="utf-8"?>
-<ds:datastoreItem xmlns:ds="http://schemas.openxmlformats.org/officeDocument/2006/customXml" ds:itemID="{51782BA8-3A3F-4079-A302-D5F880984651}">
-  <ds:schemaRefs>
-    <ds:schemaRef ds:uri="http://www.w3.org/XML/1998/namespace"/>
-    <ds:schemaRef ds:uri="http://schemas.microsoft.com/office/2006/documentManagement/types"/>
-    <ds:schemaRef ds:uri="http://purl.org/dc/terms/"/>
-    <ds:schemaRef ds:uri="http://schemas.microsoft.com/office/infopath/2007/PartnerControls"/>
-    <ds:schemaRef ds:uri="http://schemas.openxmlformats.org/package/2006/metadata/core-properties"/>
-    <ds:schemaRef ds:uri="http://purl.org/dc/elements/1.1/"/>
-    <ds:schemaRef ds:uri="http://schemas.microsoft.com/office/2006/metadata/properties"/>
-    <ds:schemaRef ds:uri="b3558f30-ae73-4668-947b-5578bd4f9b3c"/>
-    <ds:schemaRef ds:uri="e3793ca1-6164-4dfb-aaf8-0aa60c0c70c2"/>
-    <ds:schemaRef ds:uri="http://purl.org/dc/dcmitype/"/>
-  </ds:schemaRefs>
-</ds:datastoreItem>
+<file path=customXml/item2.xml><?xml version="1.0" encoding="utf-8"?>
+<?mso-contentType ?>
+<FormTemplates xmlns="http://schemas.microsoft.com/sharepoint/v3/contenttype/forms">
+  <Display>DocumentLibraryForm</Display>
+  <Edit>DocumentLibraryForm</Edit>
+  <New>DocumentLibraryForm</New>
+</FormTemplates>
 </file>
 
-<file path=customXml/itemProps2.xml><?xml version="1.0" encoding="utf-8"?>
-<ds:datastoreItem xmlns:ds="http://schemas.openxmlformats.org/officeDocument/2006/customXml" ds:itemID="{E1D4919A-BAF3-4AE4-9F7A-40F7560C4A6C}">
-  <ds:schemaRefs>
-    <ds:schemaRef ds:uri="http://schemas.microsoft.com/sharepoint/v3/contenttype/forms"/>
-  </ds:schemaRefs>
-</ds:datastoreItem>
+<file path=customXml/item3.xml><?xml version="1.0" encoding="utf-8"?>
+<p:properties xmlns:p="http://schemas.microsoft.com/office/2006/metadata/properties" xmlns:xsi="http://www.w3.org/2001/XMLSchema-instance" xmlns:pc="http://schemas.microsoft.com/office/infopath/2007/PartnerControls">
+  <documentManagement>
+    <lcf76f155ced4ddcb4097134ff3c332f xmlns="e3793ca1-6164-4dfb-aaf8-0aa60c0c70c2">
+      <Terms xmlns="http://schemas.microsoft.com/office/infopath/2007/PartnerControls"/>
+    </lcf76f155ced4ddcb4097134ff3c332f>
+    <TaxCatchAll xmlns="b3558f30-ae73-4668-947b-5578bd4f9b3c" xsi:nil="true"/>
+    <MediaLengthInSeconds xmlns="e3793ca1-6164-4dfb-aaf8-0aa60c0c70c2" xsi:nil="true"/>
+    <SharedWithUsers xmlns="b3558f30-ae73-4668-947b-5578bd4f9b3c">
+      <UserInfo>
+        <DisplayName/>
+        <AccountId xsi:nil="true"/>
+        <AccountType/>
+      </UserInfo>
+    </SharedWithUsers>
+  </documentManagement>
+</p:properties>
 </file>
 
-<file path=customXml/itemProps3.xml><?xml version="1.0" encoding="utf-8"?>
+<file path=customXml/itemProps1.xml><?xml version="1.0" encoding="utf-8"?>
 <ds:datastoreItem xmlns:ds="http://schemas.openxmlformats.org/officeDocument/2006/customXml" ds:itemID="{16E910CC-9BEC-4051-AAB8-9EB6230D2943}">
   <ds:schemaRefs>
     <ds:schemaRef ds:uri="http://schemas.microsoft.com/office/2006/metadata/contentType"/>
@@ -17776,4 +9430,29 @@
     <ds:schemaRef ds:uri="http://schemas.microsoft.com/internal/obd"/>
   </ds:schemaRefs>
 </ds:datastoreItem>
+</file>
+
+<file path=customXml/itemProps2.xml><?xml version="1.0" encoding="utf-8"?>
+<ds:datastoreItem xmlns:ds="http://schemas.openxmlformats.org/officeDocument/2006/customXml" ds:itemID="{E1D4919A-BAF3-4AE4-9F7A-40F7560C4A6C}">
+  <ds:schemaRefs>
+    <ds:schemaRef ds:uri="http://schemas.microsoft.com/sharepoint/v3/contenttype/forms"/>
+  </ds:schemaRefs>
+</ds:datastoreItem>
+</file>
+
+<file path=customXml/itemProps3.xml><?xml version="1.0" encoding="utf-8"?>
+<ds:datastoreItem xmlns:ds="http://schemas.openxmlformats.org/officeDocument/2006/customXml" ds:itemID="{51782BA8-3A3F-4079-A302-D5F880984651}">
+  <ds:schemaRefs>
+    <ds:schemaRef ds:uri="http://www.w3.org/XML/1998/namespace"/>
+    <ds:schemaRef ds:uri="http://schemas.microsoft.com/office/2006/documentManagement/types"/>
+    <ds:schemaRef ds:uri="http://purl.org/dc/terms/"/>
+    <ds:schemaRef ds:uri="http://schemas.microsoft.com/office/infopath/2007/PartnerControls"/>
+    <ds:schemaRef ds:uri="http://schemas.openxmlformats.org/package/2006/metadata/core-properties"/>
+    <ds:schemaRef ds:uri="http://purl.org/dc/elements/1.1/"/>
+    <ds:schemaRef ds:uri="http://schemas.microsoft.com/office/2006/metadata/properties"/>
+    <ds:schemaRef ds:uri="b3558f30-ae73-4668-947b-5578bd4f9b3c"/>
+    <ds:schemaRef ds:uri="e3793ca1-6164-4dfb-aaf8-0aa60c0c70c2"/>
+    <ds:schemaRef ds:uri="http://purl.org/dc/dcmitype/"/>
+  </ds:schemaRefs>
+</ds:datastoreItem>
 </file>